--- a/files/teaching-resources/monmouthcollege-econ-300/ECON300-LEC10.pptx
+++ b/files/teaching-resources/monmouthcollege-econ-300/ECON300-LEC10.pptx
@@ -5,7 +5,7 @@
     <p:sldMasterId id="2147483720" r:id="rId1"/>
   </p:sldMasterIdLst>
   <p:notesMasterIdLst>
-    <p:notesMasterId r:id="rId23"/>
+    <p:notesMasterId r:id="rId26"/>
   </p:notesMasterIdLst>
   <p:sldIdLst>
     <p:sldId id="256" r:id="rId2"/>
@@ -16,19 +16,22 @@
     <p:sldId id="402" r:id="rId7"/>
     <p:sldId id="403" r:id="rId8"/>
     <p:sldId id="404" r:id="rId9"/>
-    <p:sldId id="407" r:id="rId10"/>
-    <p:sldId id="409" r:id="rId11"/>
-    <p:sldId id="405" r:id="rId12"/>
-    <p:sldId id="410" r:id="rId13"/>
-    <p:sldId id="411" r:id="rId14"/>
-    <p:sldId id="400" r:id="rId15"/>
-    <p:sldId id="414" r:id="rId16"/>
-    <p:sldId id="415" r:id="rId17"/>
-    <p:sldId id="417" r:id="rId18"/>
-    <p:sldId id="418" r:id="rId19"/>
-    <p:sldId id="420" r:id="rId20"/>
-    <p:sldId id="419" r:id="rId21"/>
-    <p:sldId id="421" r:id="rId22"/>
+    <p:sldId id="345" r:id="rId10"/>
+    <p:sldId id="407" r:id="rId11"/>
+    <p:sldId id="409" r:id="rId12"/>
+    <p:sldId id="405" r:id="rId13"/>
+    <p:sldId id="410" r:id="rId14"/>
+    <p:sldId id="411" r:id="rId15"/>
+    <p:sldId id="400" r:id="rId16"/>
+    <p:sldId id="414" r:id="rId17"/>
+    <p:sldId id="415" r:id="rId18"/>
+    <p:sldId id="417" r:id="rId19"/>
+    <p:sldId id="418" r:id="rId20"/>
+    <p:sldId id="420" r:id="rId21"/>
+    <p:sldId id="419" r:id="rId22"/>
+    <p:sldId id="422" r:id="rId23"/>
+    <p:sldId id="423" r:id="rId24"/>
+    <p:sldId id="421" r:id="rId25"/>
   </p:sldIdLst>
   <p:sldSz cx="9144000" cy="6858000" type="screen4x3"/>
   <p:notesSz cx="6858000" cy="9144000"/>
@@ -217,7 +220,7 @@
           <a:p>
             <a:fld id="{0E0A6441-4E79-42FF-805B-86C90BDFD38D}" type="datetimeFigureOut">
               <a:rPr lang="en-US" smtClean="0"/>
-              <a:t>9/18/2023</a:t>
+              <a:t>9/24/2023</a:t>
             </a:fld>
             <a:endParaRPr lang="en-US" dirty="0"/>
           </a:p>
@@ -556,7 +559,7 @@
           <a:p>
             <a:fld id="{64A29054-221E-4755-818D-C35A08AFDBE7}" type="slidenum">
               <a:rPr lang="en-US" smtClean="0"/>
-              <a:t>9</a:t>
+              <a:t>10</a:t>
             </a:fld>
             <a:endParaRPr lang="en-US" dirty="0"/>
           </a:p>
@@ -679,7 +682,7 @@
           <a:p>
             <a:fld id="{64A29054-221E-4755-818D-C35A08AFDBE7}" type="slidenum">
               <a:rPr lang="en-US" smtClean="0"/>
-              <a:t>10</a:t>
+              <a:t>11</a:t>
             </a:fld>
             <a:endParaRPr lang="en-US" dirty="0"/>
           </a:p>
@@ -4374,7 +4377,7 @@
             </a:br>
             <a:r>
               <a:rPr lang="en-US" dirty="0"/>
-              <a:t>UMP of Special Cases</a:t>
+              <a:t>Special Cases in the UMP</a:t>
             </a:r>
             <a:endParaRPr lang="en-US" sz="4000" dirty="0"/>
           </a:p>
@@ -4530,6 +4533,163 @@
           <p:cNvPr id="2" name="Date Placeholder 1">
             <a:extLst>
               <a:ext uri="{FF2B5EF4-FFF2-40B4-BE49-F238E27FC236}">
+                <a16:creationId xmlns:a16="http://schemas.microsoft.com/office/drawing/2014/main" id="{C8FF8483-6E1D-A408-5C6A-DD5B85B94ABE}"/>
+              </a:ext>
+            </a:extLst>
+          </p:cNvPr>
+          <p:cNvSpPr>
+            <a:spLocks noGrp="1"/>
+          </p:cNvSpPr>
+          <p:nvPr>
+            <p:ph type="dt" sz="half" idx="10"/>
+          </p:nvPr>
+        </p:nvSpPr>
+        <p:spPr/>
+        <p:txBody>
+          <a:bodyPr/>
+          <a:lstStyle/>
+          <a:p>
+            <a:r>
+              <a:rPr lang="en-US"/>
+              <a:t>Fall 2023</a:t>
+            </a:r>
+            <a:endParaRPr lang="en-US" dirty="0"/>
+          </a:p>
+        </p:txBody>
+      </p:sp>
+      <p:sp>
+        <p:nvSpPr>
+          <p:cNvPr id="3" name="Footer Placeholder 2">
+            <a:extLst>
+              <a:ext uri="{FF2B5EF4-FFF2-40B4-BE49-F238E27FC236}">
+                <a16:creationId xmlns:a16="http://schemas.microsoft.com/office/drawing/2014/main" id="{FF5F0102-DC5B-0668-38E1-E930C2F438AC}"/>
+              </a:ext>
+            </a:extLst>
+          </p:cNvPr>
+          <p:cNvSpPr>
+            <a:spLocks noGrp="1"/>
+          </p:cNvSpPr>
+          <p:nvPr>
+            <p:ph type="ftr" sz="quarter" idx="11"/>
+          </p:nvPr>
+        </p:nvSpPr>
+        <p:spPr/>
+        <p:txBody>
+          <a:bodyPr/>
+          <a:lstStyle/>
+          <a:p>
+            <a:r>
+              <a:rPr lang="en-US"/>
+              <a:t>DEPARTMENT OF BUSINESS &amp; ECONOMICS</a:t>
+            </a:r>
+            <a:endParaRPr lang="en-US" dirty="0"/>
+          </a:p>
+        </p:txBody>
+      </p:sp>
+      <p:sp>
+        <p:nvSpPr>
+          <p:cNvPr id="4" name="Slide Number Placeholder 3">
+            <a:extLst>
+              <a:ext uri="{FF2B5EF4-FFF2-40B4-BE49-F238E27FC236}">
+                <a16:creationId xmlns:a16="http://schemas.microsoft.com/office/drawing/2014/main" id="{DDE1A4CC-2EC2-9E29-2CEB-CD3E850F9421}"/>
+              </a:ext>
+            </a:extLst>
+          </p:cNvPr>
+          <p:cNvSpPr>
+            <a:spLocks noGrp="1"/>
+          </p:cNvSpPr>
+          <p:nvPr>
+            <p:ph type="sldNum" sz="quarter" idx="12"/>
+          </p:nvPr>
+        </p:nvSpPr>
+        <p:spPr/>
+        <p:txBody>
+          <a:bodyPr/>
+          <a:lstStyle/>
+          <a:p>
+            <a:fld id="{1A980C56-831A-4EAB-9EDE-57C090F4F877}" type="slidenum">
+              <a:rPr lang="en-US" smtClean="0"/>
+              <a:t>10</a:t>
+            </a:fld>
+            <a:endParaRPr lang="en-US" dirty="0"/>
+          </a:p>
+        </p:txBody>
+      </p:sp>
+      <p:pic>
+        <p:nvPicPr>
+          <p:cNvPr id="6" name="Picture 5">
+            <a:extLst>
+              <a:ext uri="{FF2B5EF4-FFF2-40B4-BE49-F238E27FC236}">
+                <a16:creationId xmlns:a16="http://schemas.microsoft.com/office/drawing/2014/main" id="{0B12B1EB-383D-25A1-F3C2-6590B98077E9}"/>
+              </a:ext>
+            </a:extLst>
+          </p:cNvPr>
+          <p:cNvPicPr>
+            <a:picLocks/>
+          </p:cNvPicPr>
+          <p:nvPr>
+            <p:custDataLst>
+              <p:tags r:id="rId1"/>
+            </p:custDataLst>
+          </p:nvPr>
+        </p:nvPicPr>
+        <p:blipFill>
+          <a:blip r:embed="rId4">
+            <a:extLst>
+              <a:ext uri="{28A0092B-C50C-407E-A947-70E740481C1C}">
+                <a14:useLocalDpi xmlns:a14="http://schemas.microsoft.com/office/drawing/2010/main" val="0"/>
+              </a:ext>
+            </a:extLst>
+          </a:blip>
+          <a:stretch>
+            <a:fillRect/>
+          </a:stretch>
+        </p:blipFill>
+        <p:spPr>
+          <a:xfrm>
+            <a:off x="0" y="0"/>
+            <a:ext cx="9144000" cy="6858000"/>
+          </a:xfrm>
+          <a:prstGeom prst="rect">
+            <a:avLst/>
+          </a:prstGeom>
+        </p:spPr>
+      </p:pic>
+    </p:spTree>
+    <p:extLst>
+      <p:ext uri="{BB962C8B-B14F-4D97-AF65-F5344CB8AC3E}">
+        <p14:creationId xmlns:p14="http://schemas.microsoft.com/office/powerpoint/2010/main" val="3940919550"/>
+      </p:ext>
+    </p:extLst>
+  </p:cSld>
+  <p:clrMapOvr>
+    <a:masterClrMapping/>
+  </p:clrMapOvr>
+</p:sld>
+</file>
+
+<file path=ppt/slides/slide11.xml><?xml version="1.0" encoding="utf-8"?>
+<p:sld xmlns:a="http://schemas.openxmlformats.org/drawingml/2006/main" xmlns:r="http://schemas.openxmlformats.org/officeDocument/2006/relationships" xmlns:p="http://schemas.openxmlformats.org/presentationml/2006/main">
+  <p:cSld>
+    <p:spTree>
+      <p:nvGrpSpPr>
+        <p:cNvPr id="1" name=""/>
+        <p:cNvGrpSpPr/>
+        <p:nvPr/>
+      </p:nvGrpSpPr>
+      <p:grpSpPr>
+        <a:xfrm>
+          <a:off x="0" y="0"/>
+          <a:ext cx="0" cy="0"/>
+          <a:chOff x="0" y="0"/>
+          <a:chExt cx="0" cy="0"/>
+        </a:xfrm>
+      </p:grpSpPr>
+      <p:sp>
+        <p:nvSpPr>
+          <p:cNvPr id="2" name="Date Placeholder 1">
+            <a:extLst>
+              <a:ext uri="{FF2B5EF4-FFF2-40B4-BE49-F238E27FC236}">
                 <a16:creationId xmlns:a16="http://schemas.microsoft.com/office/drawing/2014/main" id="{DE67FE47-D4F4-D01B-A985-CCDE6950FCFB}"/>
               </a:ext>
             </a:extLst>
@@ -4606,7 +4766,7 @@
           <a:p>
             <a:fld id="{1A980C56-831A-4EAB-9EDE-57C090F4F877}" type="slidenum">
               <a:rPr lang="en-US" smtClean="0"/>
-              <a:t>10</a:t>
+              <a:t>11</a:t>
             </a:fld>
             <a:endParaRPr lang="en-US" dirty="0"/>
           </a:p>
@@ -4665,7 +4825,7 @@
 </p:sld>
 </file>
 
-<file path=ppt/slides/slide11.xml><?xml version="1.0" encoding="utf-8"?>
+<file path=ppt/slides/slide12.xml><?xml version="1.0" encoding="utf-8"?>
 <p:sld xmlns:a="http://schemas.openxmlformats.org/drawingml/2006/main" xmlns:r="http://schemas.openxmlformats.org/officeDocument/2006/relationships" xmlns:p="http://schemas.openxmlformats.org/presentationml/2006/main">
   <p:cSld>
     <p:spTree>
@@ -4943,7 +5103,7 @@
           <a:p>
             <a:fld id="{1A980C56-831A-4EAB-9EDE-57C090F4F877}" type="slidenum">
               <a:rPr lang="en-US" smtClean="0"/>
-              <a:t>11</a:t>
+              <a:t>12</a:t>
             </a:fld>
             <a:endParaRPr lang="en-US" dirty="0"/>
           </a:p>
@@ -5124,7 +5284,7 @@
                 <a:pPr marL="1371600" lvl="3" indent="0">
                   <a:buNone/>
                 </a:pPr>
-                <a:endParaRPr lang="en-US" sz="1000" dirty="0"/>
+                <a:endParaRPr lang="en-US" sz="500" dirty="0"/>
               </a:p>
               <a:p>
                 <a:pPr>
@@ -5426,7 +5586,7 @@
               </a:p>
               <a:p>
                 <a:pPr lvl="3"/>
-                <a:endParaRPr lang="en-US" sz="1000" dirty="0"/>
+                <a:endParaRPr lang="en-US" sz="500" dirty="0"/>
               </a:p>
               <a:p>
                 <a:r>
@@ -5445,7 +5605,7 @@
                 </a14:m>
                 <a:r>
                   <a:rPr lang="en-US" dirty="0"/>
-                  <a:t> because it always gives them more utility per dollar spent.</a:t>
+                  <a:t> (“corner solution”) because it always gives them more utility per dollar spent.</a:t>
                 </a:r>
               </a:p>
             </p:txBody>
@@ -5476,7 +5636,7 @@
               <a:blipFill>
                 <a:blip r:embed="rId4"/>
                 <a:stretch>
-                  <a:fillRect l="-1985" t="-1821" r="-1985"/>
+                  <a:fillRect l="-1985" t="-1821" r="-4122" b="-1401"/>
                 </a:stretch>
               </a:blipFill>
             </p:spPr>
@@ -5820,7 +5980,7 @@
 </p:sld>
 </file>
 
-<file path=ppt/slides/slide12.xml><?xml version="1.0" encoding="utf-8"?>
+<file path=ppt/slides/slide13.xml><?xml version="1.0" encoding="utf-8"?>
 <p:sld xmlns:a="http://schemas.openxmlformats.org/drawingml/2006/main" xmlns:r="http://schemas.openxmlformats.org/officeDocument/2006/relationships" xmlns:p="http://schemas.openxmlformats.org/presentationml/2006/main">
   <p:cSld>
     <p:spTree>
@@ -6098,7 +6258,7 @@
           <a:p>
             <a:fld id="{1A980C56-831A-4EAB-9EDE-57C090F4F877}" type="slidenum">
               <a:rPr lang="en-US" smtClean="0"/>
-              <a:t>12</a:t>
+              <a:t>13</a:t>
             </a:fld>
             <a:endParaRPr lang="en-US" dirty="0"/>
           </a:p>
@@ -6495,7 +6655,7 @@
                 </a14:m>
                 <a:r>
                   <a:rPr lang="en-US" dirty="0"/>
-                  <a:t> exclusively.</a:t>
+                  <a:t> exclusively, a “corner solution.”</a:t>
                 </a:r>
               </a:p>
             </p:txBody>
@@ -6909,7 +7069,7 @@
 </p:sld>
 </file>
 
-<file path=ppt/slides/slide13.xml><?xml version="1.0" encoding="utf-8"?>
+<file path=ppt/slides/slide14.xml><?xml version="1.0" encoding="utf-8"?>
 <p:sld xmlns:a="http://schemas.openxmlformats.org/drawingml/2006/main" xmlns:r="http://schemas.openxmlformats.org/officeDocument/2006/relationships" xmlns:p="http://schemas.openxmlformats.org/presentationml/2006/main">
   <p:cSld>
     <p:spTree>
@@ -7589,7 +7749,7 @@
           <a:p>
             <a:fld id="{1A980C56-831A-4EAB-9EDE-57C090F4F877}" type="slidenum">
               <a:rPr lang="en-US" smtClean="0"/>
-              <a:t>13</a:t>
+              <a:t>14</a:t>
             </a:fld>
             <a:endParaRPr lang="en-US" dirty="0"/>
           </a:p>
@@ -7605,10 +7765,352 @@
   <p:clrMapOvr>
     <a:masterClrMapping/>
   </p:clrMapOvr>
+  <p:timing>
+    <p:tnLst>
+      <p:par>
+        <p:cTn id="1" dur="indefinite" restart="never" nodeType="tmRoot">
+          <p:childTnLst>
+            <p:seq concurrent="1" nextAc="seek">
+              <p:cTn id="2" dur="indefinite" nodeType="mainSeq">
+                <p:childTnLst>
+                  <p:par>
+                    <p:cTn id="3" fill="hold">
+                      <p:stCondLst>
+                        <p:cond delay="indefinite"/>
+                      </p:stCondLst>
+                      <p:childTnLst>
+                        <p:par>
+                          <p:cTn id="4" fill="hold">
+                            <p:stCondLst>
+                              <p:cond delay="0"/>
+                            </p:stCondLst>
+                            <p:childTnLst>
+                              <p:par>
+                                <p:cTn id="5" presetID="10" presetClass="entr" presetSubtype="0" fill="hold" nodeType="clickEffect">
+                                  <p:stCondLst>
+                                    <p:cond delay="0"/>
+                                  </p:stCondLst>
+                                  <p:childTnLst>
+                                    <p:set>
+                                      <p:cBhvr>
+                                        <p:cTn id="6" dur="1" fill="hold">
+                                          <p:stCondLst>
+                                            <p:cond delay="0"/>
+                                          </p:stCondLst>
+                                        </p:cTn>
+                                        <p:tgtEl>
+                                          <p:spTgt spid="3">
+                                            <p:txEl>
+                                              <p:pRg st="0" end="0"/>
+                                            </p:txEl>
+                                          </p:spTgt>
+                                        </p:tgtEl>
+                                        <p:attrNameLst>
+                                          <p:attrName>style.visibility</p:attrName>
+                                        </p:attrNameLst>
+                                      </p:cBhvr>
+                                      <p:to>
+                                        <p:strVal val="visible"/>
+                                      </p:to>
+                                    </p:set>
+                                    <p:animEffect transition="in" filter="fade">
+                                      <p:cBhvr>
+                                        <p:cTn id="7" dur="500"/>
+                                        <p:tgtEl>
+                                          <p:spTgt spid="3">
+                                            <p:txEl>
+                                              <p:pRg st="0" end="0"/>
+                                            </p:txEl>
+                                          </p:spTgt>
+                                        </p:tgtEl>
+                                      </p:cBhvr>
+                                    </p:animEffect>
+                                  </p:childTnLst>
+                                </p:cTn>
+                              </p:par>
+                              <p:par>
+                                <p:cTn id="8" presetID="10" presetClass="entr" presetSubtype="0" fill="hold" nodeType="withEffect">
+                                  <p:stCondLst>
+                                    <p:cond delay="0"/>
+                                  </p:stCondLst>
+                                  <p:childTnLst>
+                                    <p:set>
+                                      <p:cBhvr>
+                                        <p:cTn id="9" dur="1" fill="hold">
+                                          <p:stCondLst>
+                                            <p:cond delay="0"/>
+                                          </p:stCondLst>
+                                        </p:cTn>
+                                        <p:tgtEl>
+                                          <p:spTgt spid="3">
+                                            <p:txEl>
+                                              <p:pRg st="2" end="2"/>
+                                            </p:txEl>
+                                          </p:spTgt>
+                                        </p:tgtEl>
+                                        <p:attrNameLst>
+                                          <p:attrName>style.visibility</p:attrName>
+                                        </p:attrNameLst>
+                                      </p:cBhvr>
+                                      <p:to>
+                                        <p:strVal val="visible"/>
+                                      </p:to>
+                                    </p:set>
+                                    <p:animEffect transition="in" filter="fade">
+                                      <p:cBhvr>
+                                        <p:cTn id="10" dur="500"/>
+                                        <p:tgtEl>
+                                          <p:spTgt spid="3">
+                                            <p:txEl>
+                                              <p:pRg st="2" end="2"/>
+                                            </p:txEl>
+                                          </p:spTgt>
+                                        </p:tgtEl>
+                                      </p:cBhvr>
+                                    </p:animEffect>
+                                  </p:childTnLst>
+                                </p:cTn>
+                              </p:par>
+                              <p:par>
+                                <p:cTn id="11" presetID="10" presetClass="entr" presetSubtype="0" fill="hold" nodeType="withEffect">
+                                  <p:stCondLst>
+                                    <p:cond delay="0"/>
+                                  </p:stCondLst>
+                                  <p:childTnLst>
+                                    <p:set>
+                                      <p:cBhvr>
+                                        <p:cTn id="12" dur="1" fill="hold">
+                                          <p:stCondLst>
+                                            <p:cond delay="0"/>
+                                          </p:stCondLst>
+                                        </p:cTn>
+                                        <p:tgtEl>
+                                          <p:spTgt spid="3">
+                                            <p:txEl>
+                                              <p:pRg st="4" end="4"/>
+                                            </p:txEl>
+                                          </p:spTgt>
+                                        </p:tgtEl>
+                                        <p:attrNameLst>
+                                          <p:attrName>style.visibility</p:attrName>
+                                        </p:attrNameLst>
+                                      </p:cBhvr>
+                                      <p:to>
+                                        <p:strVal val="visible"/>
+                                      </p:to>
+                                    </p:set>
+                                    <p:animEffect transition="in" filter="fade">
+                                      <p:cBhvr>
+                                        <p:cTn id="13" dur="500"/>
+                                        <p:tgtEl>
+                                          <p:spTgt spid="3">
+                                            <p:txEl>
+                                              <p:pRg st="4" end="4"/>
+                                            </p:txEl>
+                                          </p:spTgt>
+                                        </p:tgtEl>
+                                      </p:cBhvr>
+                                    </p:animEffect>
+                                  </p:childTnLst>
+                                </p:cTn>
+                              </p:par>
+                              <p:par>
+                                <p:cTn id="14" presetID="10" presetClass="entr" presetSubtype="0" fill="hold" nodeType="withEffect">
+                                  <p:stCondLst>
+                                    <p:cond delay="0"/>
+                                  </p:stCondLst>
+                                  <p:childTnLst>
+                                    <p:set>
+                                      <p:cBhvr>
+                                        <p:cTn id="15" dur="1" fill="hold">
+                                          <p:stCondLst>
+                                            <p:cond delay="0"/>
+                                          </p:stCondLst>
+                                        </p:cTn>
+                                        <p:tgtEl>
+                                          <p:spTgt spid="3">
+                                            <p:txEl>
+                                              <p:pRg st="6" end="6"/>
+                                            </p:txEl>
+                                          </p:spTgt>
+                                        </p:tgtEl>
+                                        <p:attrNameLst>
+                                          <p:attrName>style.visibility</p:attrName>
+                                        </p:attrNameLst>
+                                      </p:cBhvr>
+                                      <p:to>
+                                        <p:strVal val="visible"/>
+                                      </p:to>
+                                    </p:set>
+                                    <p:animEffect transition="in" filter="fade">
+                                      <p:cBhvr>
+                                        <p:cTn id="16" dur="500"/>
+                                        <p:tgtEl>
+                                          <p:spTgt spid="3">
+                                            <p:txEl>
+                                              <p:pRg st="6" end="6"/>
+                                            </p:txEl>
+                                          </p:spTgt>
+                                        </p:tgtEl>
+                                      </p:cBhvr>
+                                    </p:animEffect>
+                                  </p:childTnLst>
+                                </p:cTn>
+                              </p:par>
+                            </p:childTnLst>
+                          </p:cTn>
+                        </p:par>
+                      </p:childTnLst>
+                    </p:cTn>
+                  </p:par>
+                  <p:par>
+                    <p:cTn id="17" fill="hold">
+                      <p:stCondLst>
+                        <p:cond delay="indefinite"/>
+                      </p:stCondLst>
+                      <p:childTnLst>
+                        <p:par>
+                          <p:cTn id="18" fill="hold">
+                            <p:stCondLst>
+                              <p:cond delay="0"/>
+                            </p:stCondLst>
+                            <p:childTnLst>
+                              <p:par>
+                                <p:cTn id="19" presetID="10" presetClass="entr" presetSubtype="0" fill="hold" nodeType="clickEffect">
+                                  <p:stCondLst>
+                                    <p:cond delay="0"/>
+                                  </p:stCondLst>
+                                  <p:childTnLst>
+                                    <p:set>
+                                      <p:cBhvr>
+                                        <p:cTn id="20" dur="1" fill="hold">
+                                          <p:stCondLst>
+                                            <p:cond delay="0"/>
+                                          </p:stCondLst>
+                                        </p:cTn>
+                                        <p:tgtEl>
+                                          <p:spTgt spid="3">
+                                            <p:txEl>
+                                              <p:pRg st="8" end="8"/>
+                                            </p:txEl>
+                                          </p:spTgt>
+                                        </p:tgtEl>
+                                        <p:attrNameLst>
+                                          <p:attrName>style.visibility</p:attrName>
+                                        </p:attrNameLst>
+                                      </p:cBhvr>
+                                      <p:to>
+                                        <p:strVal val="visible"/>
+                                      </p:to>
+                                    </p:set>
+                                    <p:animEffect transition="in" filter="fade">
+                                      <p:cBhvr>
+                                        <p:cTn id="21" dur="500"/>
+                                        <p:tgtEl>
+                                          <p:spTgt spid="3">
+                                            <p:txEl>
+                                              <p:pRg st="8" end="8"/>
+                                            </p:txEl>
+                                          </p:spTgt>
+                                        </p:tgtEl>
+                                      </p:cBhvr>
+                                    </p:animEffect>
+                                  </p:childTnLst>
+                                </p:cTn>
+                              </p:par>
+                            </p:childTnLst>
+                          </p:cTn>
+                        </p:par>
+                      </p:childTnLst>
+                    </p:cTn>
+                  </p:par>
+                  <p:par>
+                    <p:cTn id="22" fill="hold">
+                      <p:stCondLst>
+                        <p:cond delay="indefinite"/>
+                      </p:stCondLst>
+                      <p:childTnLst>
+                        <p:par>
+                          <p:cTn id="23" fill="hold">
+                            <p:stCondLst>
+                              <p:cond delay="0"/>
+                            </p:stCondLst>
+                            <p:childTnLst>
+                              <p:par>
+                                <p:cTn id="24" presetID="10" presetClass="entr" presetSubtype="0" fill="hold" nodeType="clickEffect">
+                                  <p:stCondLst>
+                                    <p:cond delay="0"/>
+                                  </p:stCondLst>
+                                  <p:childTnLst>
+                                    <p:set>
+                                      <p:cBhvr>
+                                        <p:cTn id="25" dur="1" fill="hold">
+                                          <p:stCondLst>
+                                            <p:cond delay="0"/>
+                                          </p:stCondLst>
+                                        </p:cTn>
+                                        <p:tgtEl>
+                                          <p:spTgt spid="3">
+                                            <p:txEl>
+                                              <p:pRg st="10" end="10"/>
+                                            </p:txEl>
+                                          </p:spTgt>
+                                        </p:tgtEl>
+                                        <p:attrNameLst>
+                                          <p:attrName>style.visibility</p:attrName>
+                                        </p:attrNameLst>
+                                      </p:cBhvr>
+                                      <p:to>
+                                        <p:strVal val="visible"/>
+                                      </p:to>
+                                    </p:set>
+                                    <p:animEffect transition="in" filter="fade">
+                                      <p:cBhvr>
+                                        <p:cTn id="26" dur="500"/>
+                                        <p:tgtEl>
+                                          <p:spTgt spid="3">
+                                            <p:txEl>
+                                              <p:pRg st="10" end="10"/>
+                                            </p:txEl>
+                                          </p:spTgt>
+                                        </p:tgtEl>
+                                      </p:cBhvr>
+                                    </p:animEffect>
+                                  </p:childTnLst>
+                                </p:cTn>
+                              </p:par>
+                            </p:childTnLst>
+                          </p:cTn>
+                        </p:par>
+                      </p:childTnLst>
+                    </p:cTn>
+                  </p:par>
+                </p:childTnLst>
+              </p:cTn>
+              <p:prevCondLst>
+                <p:cond evt="onPrev" delay="0">
+                  <p:tgtEl>
+                    <p:sldTgt/>
+                  </p:tgtEl>
+                </p:cond>
+              </p:prevCondLst>
+              <p:nextCondLst>
+                <p:cond evt="onNext" delay="0">
+                  <p:tgtEl>
+                    <p:sldTgt/>
+                  </p:tgtEl>
+                </p:cond>
+              </p:nextCondLst>
+            </p:seq>
+          </p:childTnLst>
+        </p:cTn>
+      </p:par>
+    </p:tnLst>
+  </p:timing>
 </p:sld>
 </file>
 
-<file path=ppt/slides/slide14.xml><?xml version="1.0" encoding="utf-8"?>
+<file path=ppt/slides/slide15.xml><?xml version="1.0" encoding="utf-8"?>
 <p:sld xmlns:a="http://schemas.openxmlformats.org/drawingml/2006/main" xmlns:r="http://schemas.openxmlformats.org/officeDocument/2006/relationships" xmlns:p="http://schemas.openxmlformats.org/presentationml/2006/main">
   <p:cSld>
     <p:spTree>
@@ -8152,7 +8654,7 @@
           <a:p>
             <a:fld id="{1A980C56-831A-4EAB-9EDE-57C090F4F877}" type="slidenum">
               <a:rPr lang="en-US" smtClean="0"/>
-              <a:t>14</a:t>
+              <a:t>15</a:t>
             </a:fld>
             <a:endParaRPr lang="en-US" dirty="0"/>
           </a:p>
@@ -8171,7 +8673,7 @@
 </p:sld>
 </file>
 
-<file path=ppt/slides/slide15.xml><?xml version="1.0" encoding="utf-8"?>
+<file path=ppt/slides/slide16.xml><?xml version="1.0" encoding="utf-8"?>
 <p:sld xmlns:a="http://schemas.openxmlformats.org/drawingml/2006/main" xmlns:r="http://schemas.openxmlformats.org/officeDocument/2006/relationships" xmlns:p="http://schemas.openxmlformats.org/presentationml/2006/main">
   <p:cSld>
     <p:spTree>
@@ -8586,7 +9088,7 @@
           <a:p>
             <a:fld id="{1A980C56-831A-4EAB-9EDE-57C090F4F877}" type="slidenum">
               <a:rPr lang="en-US" smtClean="0"/>
-              <a:t>15</a:t>
+              <a:t>16</a:t>
             </a:fld>
             <a:endParaRPr lang="en-US" dirty="0"/>
           </a:p>
@@ -8602,10 +9104,327 @@
   <p:clrMapOvr>
     <a:masterClrMapping/>
   </p:clrMapOvr>
+  <p:timing>
+    <p:tnLst>
+      <p:par>
+        <p:cTn id="1" dur="indefinite" restart="never" nodeType="tmRoot">
+          <p:childTnLst>
+            <p:seq concurrent="1" nextAc="seek">
+              <p:cTn id="2" dur="indefinite" nodeType="mainSeq">
+                <p:childTnLst>
+                  <p:par>
+                    <p:cTn id="3" fill="hold">
+                      <p:stCondLst>
+                        <p:cond delay="indefinite"/>
+                      </p:stCondLst>
+                      <p:childTnLst>
+                        <p:par>
+                          <p:cTn id="4" fill="hold">
+                            <p:stCondLst>
+                              <p:cond delay="0"/>
+                            </p:stCondLst>
+                            <p:childTnLst>
+                              <p:par>
+                                <p:cTn id="5" presetID="10" presetClass="entr" presetSubtype="0" fill="hold" nodeType="clickEffect">
+                                  <p:stCondLst>
+                                    <p:cond delay="0"/>
+                                  </p:stCondLst>
+                                  <p:childTnLst>
+                                    <p:set>
+                                      <p:cBhvr>
+                                        <p:cTn id="6" dur="1" fill="hold">
+                                          <p:stCondLst>
+                                            <p:cond delay="0"/>
+                                          </p:stCondLst>
+                                        </p:cTn>
+                                        <p:tgtEl>
+                                          <p:spTgt spid="3">
+                                            <p:txEl>
+                                              <p:pRg st="0" end="0"/>
+                                            </p:txEl>
+                                          </p:spTgt>
+                                        </p:tgtEl>
+                                        <p:attrNameLst>
+                                          <p:attrName>style.visibility</p:attrName>
+                                        </p:attrNameLst>
+                                      </p:cBhvr>
+                                      <p:to>
+                                        <p:strVal val="visible"/>
+                                      </p:to>
+                                    </p:set>
+                                    <p:animEffect transition="in" filter="fade">
+                                      <p:cBhvr>
+                                        <p:cTn id="7" dur="500"/>
+                                        <p:tgtEl>
+                                          <p:spTgt spid="3">
+                                            <p:txEl>
+                                              <p:pRg st="0" end="0"/>
+                                            </p:txEl>
+                                          </p:spTgt>
+                                        </p:tgtEl>
+                                      </p:cBhvr>
+                                    </p:animEffect>
+                                  </p:childTnLst>
+                                </p:cTn>
+                              </p:par>
+                              <p:par>
+                                <p:cTn id="8" presetID="10" presetClass="entr" presetSubtype="0" fill="hold" nodeType="withEffect">
+                                  <p:stCondLst>
+                                    <p:cond delay="0"/>
+                                  </p:stCondLst>
+                                  <p:childTnLst>
+                                    <p:set>
+                                      <p:cBhvr>
+                                        <p:cTn id="9" dur="1" fill="hold">
+                                          <p:stCondLst>
+                                            <p:cond delay="0"/>
+                                          </p:stCondLst>
+                                        </p:cTn>
+                                        <p:tgtEl>
+                                          <p:spTgt spid="3">
+                                            <p:txEl>
+                                              <p:pRg st="2" end="2"/>
+                                            </p:txEl>
+                                          </p:spTgt>
+                                        </p:tgtEl>
+                                        <p:attrNameLst>
+                                          <p:attrName>style.visibility</p:attrName>
+                                        </p:attrNameLst>
+                                      </p:cBhvr>
+                                      <p:to>
+                                        <p:strVal val="visible"/>
+                                      </p:to>
+                                    </p:set>
+                                    <p:animEffect transition="in" filter="fade">
+                                      <p:cBhvr>
+                                        <p:cTn id="10" dur="500"/>
+                                        <p:tgtEl>
+                                          <p:spTgt spid="3">
+                                            <p:txEl>
+                                              <p:pRg st="2" end="2"/>
+                                            </p:txEl>
+                                          </p:spTgt>
+                                        </p:tgtEl>
+                                      </p:cBhvr>
+                                    </p:animEffect>
+                                  </p:childTnLst>
+                                </p:cTn>
+                              </p:par>
+                            </p:childTnLst>
+                          </p:cTn>
+                        </p:par>
+                      </p:childTnLst>
+                    </p:cTn>
+                  </p:par>
+                  <p:par>
+                    <p:cTn id="11" fill="hold">
+                      <p:stCondLst>
+                        <p:cond delay="indefinite"/>
+                      </p:stCondLst>
+                      <p:childTnLst>
+                        <p:par>
+                          <p:cTn id="12" fill="hold">
+                            <p:stCondLst>
+                              <p:cond delay="0"/>
+                            </p:stCondLst>
+                            <p:childTnLst>
+                              <p:par>
+                                <p:cTn id="13" presetID="10" presetClass="entr" presetSubtype="0" fill="hold" nodeType="clickEffect">
+                                  <p:stCondLst>
+                                    <p:cond delay="0"/>
+                                  </p:stCondLst>
+                                  <p:childTnLst>
+                                    <p:set>
+                                      <p:cBhvr>
+                                        <p:cTn id="14" dur="1" fill="hold">
+                                          <p:stCondLst>
+                                            <p:cond delay="0"/>
+                                          </p:stCondLst>
+                                        </p:cTn>
+                                        <p:tgtEl>
+                                          <p:spTgt spid="3">
+                                            <p:txEl>
+                                              <p:pRg st="4" end="4"/>
+                                            </p:txEl>
+                                          </p:spTgt>
+                                        </p:tgtEl>
+                                        <p:attrNameLst>
+                                          <p:attrName>style.visibility</p:attrName>
+                                        </p:attrNameLst>
+                                      </p:cBhvr>
+                                      <p:to>
+                                        <p:strVal val="visible"/>
+                                      </p:to>
+                                    </p:set>
+                                    <p:animEffect transition="in" filter="fade">
+                                      <p:cBhvr>
+                                        <p:cTn id="15" dur="500"/>
+                                        <p:tgtEl>
+                                          <p:spTgt spid="3">
+                                            <p:txEl>
+                                              <p:pRg st="4" end="4"/>
+                                            </p:txEl>
+                                          </p:spTgt>
+                                        </p:tgtEl>
+                                      </p:cBhvr>
+                                    </p:animEffect>
+                                  </p:childTnLst>
+                                </p:cTn>
+                              </p:par>
+                            </p:childTnLst>
+                          </p:cTn>
+                        </p:par>
+                      </p:childTnLst>
+                    </p:cTn>
+                  </p:par>
+                  <p:par>
+                    <p:cTn id="16" fill="hold">
+                      <p:stCondLst>
+                        <p:cond delay="indefinite"/>
+                      </p:stCondLst>
+                      <p:childTnLst>
+                        <p:par>
+                          <p:cTn id="17" fill="hold">
+                            <p:stCondLst>
+                              <p:cond delay="0"/>
+                            </p:stCondLst>
+                            <p:childTnLst>
+                              <p:par>
+                                <p:cTn id="18" presetID="10" presetClass="entr" presetSubtype="0" fill="hold" nodeType="clickEffect">
+                                  <p:stCondLst>
+                                    <p:cond delay="0"/>
+                                  </p:stCondLst>
+                                  <p:childTnLst>
+                                    <p:set>
+                                      <p:cBhvr>
+                                        <p:cTn id="19" dur="1" fill="hold">
+                                          <p:stCondLst>
+                                            <p:cond delay="0"/>
+                                          </p:stCondLst>
+                                        </p:cTn>
+                                        <p:tgtEl>
+                                          <p:spTgt spid="3">
+                                            <p:txEl>
+                                              <p:pRg st="6" end="6"/>
+                                            </p:txEl>
+                                          </p:spTgt>
+                                        </p:tgtEl>
+                                        <p:attrNameLst>
+                                          <p:attrName>style.visibility</p:attrName>
+                                        </p:attrNameLst>
+                                      </p:cBhvr>
+                                      <p:to>
+                                        <p:strVal val="visible"/>
+                                      </p:to>
+                                    </p:set>
+                                    <p:animEffect transition="in" filter="fade">
+                                      <p:cBhvr>
+                                        <p:cTn id="20" dur="500"/>
+                                        <p:tgtEl>
+                                          <p:spTgt spid="3">
+                                            <p:txEl>
+                                              <p:pRg st="6" end="6"/>
+                                            </p:txEl>
+                                          </p:spTgt>
+                                        </p:tgtEl>
+                                      </p:cBhvr>
+                                    </p:animEffect>
+                                  </p:childTnLst>
+                                </p:cTn>
+                              </p:par>
+                            </p:childTnLst>
+                          </p:cTn>
+                        </p:par>
+                      </p:childTnLst>
+                    </p:cTn>
+                  </p:par>
+                  <p:par>
+                    <p:cTn id="21" fill="hold">
+                      <p:stCondLst>
+                        <p:cond delay="indefinite"/>
+                      </p:stCondLst>
+                      <p:childTnLst>
+                        <p:par>
+                          <p:cTn id="22" fill="hold">
+                            <p:stCondLst>
+                              <p:cond delay="0"/>
+                            </p:stCondLst>
+                            <p:childTnLst>
+                              <p:par>
+                                <p:cTn id="23" presetID="10" presetClass="entr" presetSubtype="0" fill="hold" nodeType="clickEffect">
+                                  <p:stCondLst>
+                                    <p:cond delay="0"/>
+                                  </p:stCondLst>
+                                  <p:childTnLst>
+                                    <p:set>
+                                      <p:cBhvr>
+                                        <p:cTn id="24" dur="1" fill="hold">
+                                          <p:stCondLst>
+                                            <p:cond delay="0"/>
+                                          </p:stCondLst>
+                                        </p:cTn>
+                                        <p:tgtEl>
+                                          <p:spTgt spid="3">
+                                            <p:txEl>
+                                              <p:pRg st="8" end="8"/>
+                                            </p:txEl>
+                                          </p:spTgt>
+                                        </p:tgtEl>
+                                        <p:attrNameLst>
+                                          <p:attrName>style.visibility</p:attrName>
+                                        </p:attrNameLst>
+                                      </p:cBhvr>
+                                      <p:to>
+                                        <p:strVal val="visible"/>
+                                      </p:to>
+                                    </p:set>
+                                    <p:animEffect transition="in" filter="fade">
+                                      <p:cBhvr>
+                                        <p:cTn id="25" dur="500"/>
+                                        <p:tgtEl>
+                                          <p:spTgt spid="3">
+                                            <p:txEl>
+                                              <p:pRg st="8" end="8"/>
+                                            </p:txEl>
+                                          </p:spTgt>
+                                        </p:tgtEl>
+                                      </p:cBhvr>
+                                    </p:animEffect>
+                                  </p:childTnLst>
+                                </p:cTn>
+                              </p:par>
+                            </p:childTnLst>
+                          </p:cTn>
+                        </p:par>
+                      </p:childTnLst>
+                    </p:cTn>
+                  </p:par>
+                </p:childTnLst>
+              </p:cTn>
+              <p:prevCondLst>
+                <p:cond evt="onPrev" delay="0">
+                  <p:tgtEl>
+                    <p:sldTgt/>
+                  </p:tgtEl>
+                </p:cond>
+              </p:prevCondLst>
+              <p:nextCondLst>
+                <p:cond evt="onNext" delay="0">
+                  <p:tgtEl>
+                    <p:sldTgt/>
+                  </p:tgtEl>
+                </p:cond>
+              </p:nextCondLst>
+            </p:seq>
+          </p:childTnLst>
+        </p:cTn>
+      </p:par>
+    </p:tnLst>
+  </p:timing>
 </p:sld>
 </file>
 
-<file path=ppt/slides/slide16.xml><?xml version="1.0" encoding="utf-8"?>
+<file path=ppt/slides/slide17.xml><?xml version="1.0" encoding="utf-8"?>
 <p:sld xmlns:a="http://schemas.openxmlformats.org/drawingml/2006/main" xmlns:r="http://schemas.openxmlformats.org/officeDocument/2006/relationships" xmlns:p="http://schemas.openxmlformats.org/presentationml/2006/main">
   <p:cSld>
     <p:spTree>
@@ -8878,7 +9697,7 @@
           <a:p>
             <a:fld id="{1A980C56-831A-4EAB-9EDE-57C090F4F877}" type="slidenum">
               <a:rPr lang="en-US" smtClean="0"/>
-              <a:t>16</a:t>
+              <a:t>17</a:t>
             </a:fld>
             <a:endParaRPr lang="en-US" dirty="0"/>
           </a:p>
@@ -8929,10 +9748,223 @@
   <p:clrMapOvr>
     <a:masterClrMapping/>
   </p:clrMapOvr>
+  <p:timing>
+    <p:tnLst>
+      <p:par>
+        <p:cTn id="1" dur="indefinite" restart="never" nodeType="tmRoot">
+          <p:childTnLst>
+            <p:seq concurrent="1" nextAc="seek">
+              <p:cTn id="2" dur="indefinite" nodeType="mainSeq">
+                <p:childTnLst>
+                  <p:par>
+                    <p:cTn id="3" fill="hold">
+                      <p:stCondLst>
+                        <p:cond delay="indefinite"/>
+                      </p:stCondLst>
+                      <p:childTnLst>
+                        <p:par>
+                          <p:cTn id="4" fill="hold">
+                            <p:stCondLst>
+                              <p:cond delay="0"/>
+                            </p:stCondLst>
+                            <p:childTnLst>
+                              <p:par>
+                                <p:cTn id="5" presetID="10" presetClass="entr" presetSubtype="0" fill="hold" nodeType="clickEffect">
+                                  <p:stCondLst>
+                                    <p:cond delay="0"/>
+                                  </p:stCondLst>
+                                  <p:childTnLst>
+                                    <p:set>
+                                      <p:cBhvr>
+                                        <p:cTn id="6" dur="1" fill="hold">
+                                          <p:stCondLst>
+                                            <p:cond delay="0"/>
+                                          </p:stCondLst>
+                                        </p:cTn>
+                                        <p:tgtEl>
+                                          <p:spTgt spid="4">
+                                            <p:txEl>
+                                              <p:pRg st="0" end="0"/>
+                                            </p:txEl>
+                                          </p:spTgt>
+                                        </p:tgtEl>
+                                        <p:attrNameLst>
+                                          <p:attrName>style.visibility</p:attrName>
+                                        </p:attrNameLst>
+                                      </p:cBhvr>
+                                      <p:to>
+                                        <p:strVal val="visible"/>
+                                      </p:to>
+                                    </p:set>
+                                    <p:animEffect transition="in" filter="fade">
+                                      <p:cBhvr>
+                                        <p:cTn id="7" dur="500"/>
+                                        <p:tgtEl>
+                                          <p:spTgt spid="4">
+                                            <p:txEl>
+                                              <p:pRg st="0" end="0"/>
+                                            </p:txEl>
+                                          </p:spTgt>
+                                        </p:tgtEl>
+                                      </p:cBhvr>
+                                    </p:animEffect>
+                                  </p:childTnLst>
+                                </p:cTn>
+                              </p:par>
+                            </p:childTnLst>
+                          </p:cTn>
+                        </p:par>
+                      </p:childTnLst>
+                    </p:cTn>
+                  </p:par>
+                  <p:par>
+                    <p:cTn id="8" fill="hold">
+                      <p:stCondLst>
+                        <p:cond delay="indefinite"/>
+                      </p:stCondLst>
+                      <p:childTnLst>
+                        <p:par>
+                          <p:cTn id="9" fill="hold">
+                            <p:stCondLst>
+                              <p:cond delay="0"/>
+                            </p:stCondLst>
+                            <p:childTnLst>
+                              <p:par>
+                                <p:cTn id="10" presetID="10" presetClass="entr" presetSubtype="0" fill="hold" nodeType="clickEffect">
+                                  <p:stCondLst>
+                                    <p:cond delay="0"/>
+                                  </p:stCondLst>
+                                  <p:childTnLst>
+                                    <p:set>
+                                      <p:cBhvr>
+                                        <p:cTn id="11" dur="1" fill="hold">
+                                          <p:stCondLst>
+                                            <p:cond delay="0"/>
+                                          </p:stCondLst>
+                                        </p:cTn>
+                                        <p:tgtEl>
+                                          <p:spTgt spid="4">
+                                            <p:txEl>
+                                              <p:pRg st="2" end="2"/>
+                                            </p:txEl>
+                                          </p:spTgt>
+                                        </p:tgtEl>
+                                        <p:attrNameLst>
+                                          <p:attrName>style.visibility</p:attrName>
+                                        </p:attrNameLst>
+                                      </p:cBhvr>
+                                      <p:to>
+                                        <p:strVal val="visible"/>
+                                      </p:to>
+                                    </p:set>
+                                    <p:animEffect transition="in" filter="fade">
+                                      <p:cBhvr>
+                                        <p:cTn id="12" dur="500"/>
+                                        <p:tgtEl>
+                                          <p:spTgt spid="4">
+                                            <p:txEl>
+                                              <p:pRg st="2" end="2"/>
+                                            </p:txEl>
+                                          </p:spTgt>
+                                        </p:tgtEl>
+                                      </p:cBhvr>
+                                    </p:animEffect>
+                                  </p:childTnLst>
+                                </p:cTn>
+                              </p:par>
+                            </p:childTnLst>
+                          </p:cTn>
+                        </p:par>
+                      </p:childTnLst>
+                    </p:cTn>
+                  </p:par>
+                  <p:par>
+                    <p:cTn id="13" fill="hold">
+                      <p:stCondLst>
+                        <p:cond delay="indefinite"/>
+                      </p:stCondLst>
+                      <p:childTnLst>
+                        <p:par>
+                          <p:cTn id="14" fill="hold">
+                            <p:stCondLst>
+                              <p:cond delay="0"/>
+                            </p:stCondLst>
+                            <p:childTnLst>
+                              <p:par>
+                                <p:cTn id="15" presetID="10" presetClass="entr" presetSubtype="0" fill="hold" nodeType="clickEffect">
+                                  <p:stCondLst>
+                                    <p:cond delay="0"/>
+                                  </p:stCondLst>
+                                  <p:childTnLst>
+                                    <p:set>
+                                      <p:cBhvr>
+                                        <p:cTn id="16" dur="1" fill="hold">
+                                          <p:stCondLst>
+                                            <p:cond delay="0"/>
+                                          </p:stCondLst>
+                                        </p:cTn>
+                                        <p:tgtEl>
+                                          <p:spTgt spid="4">
+                                            <p:txEl>
+                                              <p:pRg st="4" end="4"/>
+                                            </p:txEl>
+                                          </p:spTgt>
+                                        </p:tgtEl>
+                                        <p:attrNameLst>
+                                          <p:attrName>style.visibility</p:attrName>
+                                        </p:attrNameLst>
+                                      </p:cBhvr>
+                                      <p:to>
+                                        <p:strVal val="visible"/>
+                                      </p:to>
+                                    </p:set>
+                                    <p:animEffect transition="in" filter="fade">
+                                      <p:cBhvr>
+                                        <p:cTn id="17" dur="500"/>
+                                        <p:tgtEl>
+                                          <p:spTgt spid="4">
+                                            <p:txEl>
+                                              <p:pRg st="4" end="4"/>
+                                            </p:txEl>
+                                          </p:spTgt>
+                                        </p:tgtEl>
+                                      </p:cBhvr>
+                                    </p:animEffect>
+                                  </p:childTnLst>
+                                </p:cTn>
+                              </p:par>
+                            </p:childTnLst>
+                          </p:cTn>
+                        </p:par>
+                      </p:childTnLst>
+                    </p:cTn>
+                  </p:par>
+                </p:childTnLst>
+              </p:cTn>
+              <p:prevCondLst>
+                <p:cond evt="onPrev" delay="0">
+                  <p:tgtEl>
+                    <p:sldTgt/>
+                  </p:tgtEl>
+                </p:cond>
+              </p:prevCondLst>
+              <p:nextCondLst>
+                <p:cond evt="onNext" delay="0">
+                  <p:tgtEl>
+                    <p:sldTgt/>
+                  </p:tgtEl>
+                </p:cond>
+              </p:nextCondLst>
+            </p:seq>
+          </p:childTnLst>
+        </p:cTn>
+      </p:par>
+    </p:tnLst>
+  </p:timing>
 </p:sld>
 </file>
 
-<file path=ppt/slides/slide17.xml><?xml version="1.0" encoding="utf-8"?>
+<file path=ppt/slides/slide18.xml><?xml version="1.0" encoding="utf-8"?>
 <p:sld xmlns:a="http://schemas.openxmlformats.org/drawingml/2006/main" xmlns:r="http://schemas.openxmlformats.org/officeDocument/2006/relationships" xmlns:p="http://schemas.openxmlformats.org/presentationml/2006/main">
   <p:cSld>
     <p:spTree>
@@ -9327,7 +10359,7 @@
           <a:p>
             <a:fld id="{1A980C56-831A-4EAB-9EDE-57C090F4F877}" type="slidenum">
               <a:rPr lang="en-US" smtClean="0"/>
-              <a:t>17</a:t>
+              <a:t>18</a:t>
             </a:fld>
             <a:endParaRPr lang="en-US" dirty="0"/>
           </a:p>
@@ -10421,7 +11453,7 @@
 </p:sld>
 </file>
 
-<file path=ppt/slides/slide18.xml><?xml version="1.0" encoding="utf-8"?>
+<file path=ppt/slides/slide19.xml><?xml version="1.0" encoding="utf-8"?>
 <p:sld xmlns:a="http://schemas.openxmlformats.org/drawingml/2006/main" xmlns:r="http://schemas.openxmlformats.org/officeDocument/2006/relationships" xmlns:p="http://schemas.openxmlformats.org/presentationml/2006/main">
   <p:cSld>
     <p:spTree>
@@ -10747,7 +11779,7 @@
           <a:p>
             <a:fld id="{1A980C56-831A-4EAB-9EDE-57C090F4F877}" type="slidenum">
               <a:rPr lang="en-US" smtClean="0"/>
-              <a:t>18</a:t>
+              <a:t>19</a:t>
             </a:fld>
             <a:endParaRPr lang="en-US" dirty="0"/>
           </a:p>
@@ -11095,7 +12127,911 @@
 </p:sld>
 </file>
 
-<file path=ppt/slides/slide19.xml><?xml version="1.0" encoding="utf-8"?>
+<file path=ppt/slides/slide2.xml><?xml version="1.0" encoding="utf-8"?>
+<p:sld xmlns:a="http://schemas.openxmlformats.org/drawingml/2006/main" xmlns:r="http://schemas.openxmlformats.org/officeDocument/2006/relationships" xmlns:p="http://schemas.openxmlformats.org/presentationml/2006/main">
+  <p:cSld>
+    <p:spTree>
+      <p:nvGrpSpPr>
+        <p:cNvPr id="1" name=""/>
+        <p:cNvGrpSpPr/>
+        <p:nvPr/>
+      </p:nvGrpSpPr>
+      <p:grpSpPr>
+        <a:xfrm>
+          <a:off x="0" y="0"/>
+          <a:ext cx="0" cy="0"/>
+          <a:chOff x="0" y="0"/>
+          <a:chExt cx="0" cy="0"/>
+        </a:xfrm>
+      </p:grpSpPr>
+      <p:sp>
+        <p:nvSpPr>
+          <p:cNvPr id="2" name="Title 1">
+            <a:extLst>
+              <a:ext uri="{FF2B5EF4-FFF2-40B4-BE49-F238E27FC236}">
+                <a16:creationId xmlns:a16="http://schemas.microsoft.com/office/drawing/2014/main" id="{0D8E3986-575B-B929-0562-1561C73A78DE}"/>
+              </a:ext>
+            </a:extLst>
+          </p:cNvPr>
+          <p:cNvSpPr>
+            <a:spLocks noGrp="1"/>
+          </p:cNvSpPr>
+          <p:nvPr>
+            <p:ph type="title"/>
+          </p:nvPr>
+        </p:nvSpPr>
+        <p:spPr/>
+        <p:txBody>
+          <a:bodyPr/>
+          <a:lstStyle/>
+          <a:p>
+            <a:r>
+              <a:rPr lang="en-US" dirty="0"/>
+              <a:t>Review of Previous Lecture</a:t>
+            </a:r>
+          </a:p>
+        </p:txBody>
+      </p:sp>
+      <mc:AlternateContent xmlns:mc="http://schemas.openxmlformats.org/markup-compatibility/2006" xmlns:a14="http://schemas.microsoft.com/office/drawing/2010/main">
+        <mc:Choice Requires="a14">
+          <p:sp>
+            <p:nvSpPr>
+              <p:cNvPr id="3" name="Content Placeholder 2">
+                <a:extLst>
+                  <a:ext uri="{FF2B5EF4-FFF2-40B4-BE49-F238E27FC236}">
+                    <a16:creationId xmlns:a16="http://schemas.microsoft.com/office/drawing/2014/main" id="{5A717BAA-D4BA-C7EB-5696-203603829C7C}"/>
+                  </a:ext>
+                </a:extLst>
+              </p:cNvPr>
+              <p:cNvSpPr>
+                <a:spLocks noGrp="1"/>
+              </p:cNvSpPr>
+              <p:nvPr>
+                <p:ph idx="1"/>
+              </p:nvPr>
+            </p:nvSpPr>
+            <p:spPr/>
+            <p:txBody>
+              <a:bodyPr/>
+              <a:lstStyle/>
+              <a:p>
+                <a:r>
+                  <a:rPr lang="en-US" dirty="0"/>
+                  <a:t>The Utility Maximization Problem with Calculus.</a:t>
+                </a:r>
+              </a:p>
+              <a:p>
+                <a:pPr lvl="2"/>
+                <a:endParaRPr lang="en-US" dirty="0"/>
+              </a:p>
+              <a:p>
+                <a:r>
+                  <a:rPr lang="en-US" dirty="0"/>
+                  <a:t>The First Order Conditions of Utility Maximization.</a:t>
+                </a:r>
+              </a:p>
+              <a:p>
+                <a:pPr lvl="3"/>
+                <a:endParaRPr lang="en-US" sz="1000" dirty="0"/>
+              </a:p>
+              <a:p>
+                <a:r>
+                  <a:rPr lang="en-US" dirty="0"/>
+                  <a:t>Equalizing the Slopes: </a:t>
+                </a:r>
+                <a14:m>
+                  <m:oMath xmlns:m="http://schemas.openxmlformats.org/officeDocument/2006/math">
+                    <m:f>
+                      <m:fPr>
+                        <m:ctrlPr>
+                          <a:rPr lang="en-US" i="1" smtClean="0">
+                            <a:latin typeface="Cambria Math" panose="02040503050406030204" pitchFamily="18" charset="0"/>
+                          </a:rPr>
+                        </m:ctrlPr>
+                      </m:fPr>
+                      <m:num>
+                        <m:r>
+                          <a:rPr lang="en-US" i="1">
+                            <a:latin typeface="Cambria Math" panose="02040503050406030204" pitchFamily="18" charset="0"/>
+                          </a:rPr>
+                          <m:t>𝑀</m:t>
+                        </m:r>
+                        <m:sSub>
+                          <m:sSubPr>
+                            <m:ctrlPr>
+                              <a:rPr lang="en-US" i="1">
+                                <a:latin typeface="Cambria Math" panose="02040503050406030204" pitchFamily="18" charset="0"/>
+                              </a:rPr>
+                            </m:ctrlPr>
+                          </m:sSubPr>
+                          <m:e>
+                            <m:r>
+                              <a:rPr lang="en-US" i="1">
+                                <a:latin typeface="Cambria Math" panose="02040503050406030204" pitchFamily="18" charset="0"/>
+                              </a:rPr>
+                              <m:t>𝑈</m:t>
+                            </m:r>
+                          </m:e>
+                          <m:sub>
+                            <m:r>
+                              <a:rPr lang="en-US" i="1">
+                                <a:latin typeface="Cambria Math" panose="02040503050406030204" pitchFamily="18" charset="0"/>
+                              </a:rPr>
+                              <m:t>𝑥</m:t>
+                            </m:r>
+                          </m:sub>
+                        </m:sSub>
+                      </m:num>
+                      <m:den>
+                        <m:r>
+                          <a:rPr lang="en-US" i="1">
+                            <a:latin typeface="Cambria Math" panose="02040503050406030204" pitchFamily="18" charset="0"/>
+                          </a:rPr>
+                          <m:t>𝑀</m:t>
+                        </m:r>
+                        <m:sSub>
+                          <m:sSubPr>
+                            <m:ctrlPr>
+                              <a:rPr lang="en-US" i="1">
+                                <a:latin typeface="Cambria Math" panose="02040503050406030204" pitchFamily="18" charset="0"/>
+                              </a:rPr>
+                            </m:ctrlPr>
+                          </m:sSubPr>
+                          <m:e>
+                            <m:r>
+                              <a:rPr lang="en-US" i="1">
+                                <a:latin typeface="Cambria Math" panose="02040503050406030204" pitchFamily="18" charset="0"/>
+                              </a:rPr>
+                              <m:t>𝑈</m:t>
+                            </m:r>
+                          </m:e>
+                          <m:sub>
+                            <m:r>
+                              <a:rPr lang="en-US" i="1">
+                                <a:latin typeface="Cambria Math" panose="02040503050406030204" pitchFamily="18" charset="0"/>
+                              </a:rPr>
+                              <m:t>𝑦</m:t>
+                            </m:r>
+                          </m:sub>
+                        </m:sSub>
+                      </m:den>
+                    </m:f>
+                    <m:r>
+                      <a:rPr lang="en-US" i="1">
+                        <a:latin typeface="Cambria Math" panose="02040503050406030204" pitchFamily="18" charset="0"/>
+                      </a:rPr>
+                      <m:t>=</m:t>
+                    </m:r>
+                    <m:f>
+                      <m:fPr>
+                        <m:ctrlPr>
+                          <a:rPr lang="en-US" i="1">
+                            <a:latin typeface="Cambria Math" panose="02040503050406030204" pitchFamily="18" charset="0"/>
+                          </a:rPr>
+                        </m:ctrlPr>
+                      </m:fPr>
+                      <m:num>
+                        <m:sSub>
+                          <m:sSubPr>
+                            <m:ctrlPr>
+                              <a:rPr lang="en-US" i="1">
+                                <a:latin typeface="Cambria Math" panose="02040503050406030204" pitchFamily="18" charset="0"/>
+                              </a:rPr>
+                            </m:ctrlPr>
+                          </m:sSubPr>
+                          <m:e>
+                            <m:r>
+                              <a:rPr lang="en-US" i="1">
+                                <a:latin typeface="Cambria Math" panose="02040503050406030204" pitchFamily="18" charset="0"/>
+                              </a:rPr>
+                              <m:t>𝑃</m:t>
+                            </m:r>
+                          </m:e>
+                          <m:sub>
+                            <m:r>
+                              <a:rPr lang="en-US" i="1">
+                                <a:latin typeface="Cambria Math" panose="02040503050406030204" pitchFamily="18" charset="0"/>
+                              </a:rPr>
+                              <m:t>𝑥</m:t>
+                            </m:r>
+                          </m:sub>
+                        </m:sSub>
+                      </m:num>
+                      <m:den>
+                        <m:sSub>
+                          <m:sSubPr>
+                            <m:ctrlPr>
+                              <a:rPr lang="en-US" i="1">
+                                <a:latin typeface="Cambria Math" panose="02040503050406030204" pitchFamily="18" charset="0"/>
+                              </a:rPr>
+                            </m:ctrlPr>
+                          </m:sSubPr>
+                          <m:e>
+                            <m:r>
+                              <a:rPr lang="en-US" i="1">
+                                <a:latin typeface="Cambria Math" panose="02040503050406030204" pitchFamily="18" charset="0"/>
+                              </a:rPr>
+                              <m:t>𝑃</m:t>
+                            </m:r>
+                          </m:e>
+                          <m:sub>
+                            <m:r>
+                              <a:rPr lang="en-US" i="1">
+                                <a:latin typeface="Cambria Math" panose="02040503050406030204" pitchFamily="18" charset="0"/>
+                              </a:rPr>
+                              <m:t>𝑦</m:t>
+                            </m:r>
+                          </m:sub>
+                        </m:sSub>
+                      </m:den>
+                    </m:f>
+                  </m:oMath>
+                </a14:m>
+                <a:endParaRPr lang="en-US" dirty="0"/>
+              </a:p>
+              <a:p>
+                <a:pPr lvl="3"/>
+                <a:endParaRPr lang="en-US" sz="500" dirty="0"/>
+              </a:p>
+              <a:p>
+                <a:r>
+                  <a:rPr lang="en-US" dirty="0"/>
+                  <a:t>Equalizing the Per Dollar Marginal Utility: </a:t>
+                </a:r>
+                <a14:m>
+                  <m:oMath xmlns:m="http://schemas.openxmlformats.org/officeDocument/2006/math">
+                    <m:f>
+                      <m:fPr>
+                        <m:ctrlPr>
+                          <a:rPr lang="en-US" b="0" i="1" smtClean="0">
+                            <a:latin typeface="Cambria Math" panose="02040503050406030204" pitchFamily="18" charset="0"/>
+                            <a:ea typeface="Cambria Math" panose="02040503050406030204" pitchFamily="18" charset="0"/>
+                          </a:rPr>
+                        </m:ctrlPr>
+                      </m:fPr>
+                      <m:num>
+                        <m:r>
+                          <a:rPr lang="en-US" b="0" i="1" smtClean="0">
+                            <a:latin typeface="Cambria Math" panose="02040503050406030204" pitchFamily="18" charset="0"/>
+                            <a:ea typeface="Cambria Math" panose="02040503050406030204" pitchFamily="18" charset="0"/>
+                          </a:rPr>
+                          <m:t>𝑀</m:t>
+                        </m:r>
+                        <m:sSub>
+                          <m:sSubPr>
+                            <m:ctrlPr>
+                              <a:rPr lang="en-US" b="0" i="1" smtClean="0">
+                                <a:latin typeface="Cambria Math" panose="02040503050406030204" pitchFamily="18" charset="0"/>
+                                <a:ea typeface="Cambria Math" panose="02040503050406030204" pitchFamily="18" charset="0"/>
+                              </a:rPr>
+                            </m:ctrlPr>
+                          </m:sSubPr>
+                          <m:e>
+                            <m:r>
+                              <a:rPr lang="en-US" b="0" i="1" smtClean="0">
+                                <a:latin typeface="Cambria Math" panose="02040503050406030204" pitchFamily="18" charset="0"/>
+                                <a:ea typeface="Cambria Math" panose="02040503050406030204" pitchFamily="18" charset="0"/>
+                              </a:rPr>
+                              <m:t>𝑈</m:t>
+                            </m:r>
+                          </m:e>
+                          <m:sub>
+                            <m:r>
+                              <a:rPr lang="en-US" b="0" i="1" smtClean="0">
+                                <a:latin typeface="Cambria Math" panose="02040503050406030204" pitchFamily="18" charset="0"/>
+                                <a:ea typeface="Cambria Math" panose="02040503050406030204" pitchFamily="18" charset="0"/>
+                              </a:rPr>
+                              <m:t>𝑥</m:t>
+                            </m:r>
+                          </m:sub>
+                        </m:sSub>
+                      </m:num>
+                      <m:den>
+                        <m:sSub>
+                          <m:sSubPr>
+                            <m:ctrlPr>
+                              <a:rPr lang="en-US" b="0" i="1" smtClean="0">
+                                <a:latin typeface="Cambria Math" panose="02040503050406030204" pitchFamily="18" charset="0"/>
+                                <a:ea typeface="Cambria Math" panose="02040503050406030204" pitchFamily="18" charset="0"/>
+                              </a:rPr>
+                            </m:ctrlPr>
+                          </m:sSubPr>
+                          <m:e>
+                            <m:r>
+                              <a:rPr lang="en-US" b="0" i="1" smtClean="0">
+                                <a:latin typeface="Cambria Math" panose="02040503050406030204" pitchFamily="18" charset="0"/>
+                                <a:ea typeface="Cambria Math" panose="02040503050406030204" pitchFamily="18" charset="0"/>
+                              </a:rPr>
+                              <m:t>𝑃</m:t>
+                            </m:r>
+                          </m:e>
+                          <m:sub>
+                            <m:r>
+                              <a:rPr lang="en-US" b="0" i="1" smtClean="0">
+                                <a:latin typeface="Cambria Math" panose="02040503050406030204" pitchFamily="18" charset="0"/>
+                                <a:ea typeface="Cambria Math" panose="02040503050406030204" pitchFamily="18" charset="0"/>
+                              </a:rPr>
+                              <m:t>𝑥</m:t>
+                            </m:r>
+                          </m:sub>
+                        </m:sSub>
+                      </m:den>
+                    </m:f>
+                    <m:r>
+                      <a:rPr lang="en-US" b="0" i="1" smtClean="0">
+                        <a:latin typeface="Cambria Math" panose="02040503050406030204" pitchFamily="18" charset="0"/>
+                        <a:ea typeface="Cambria Math" panose="02040503050406030204" pitchFamily="18" charset="0"/>
+                      </a:rPr>
+                      <m:t>=</m:t>
+                    </m:r>
+                    <m:f>
+                      <m:fPr>
+                        <m:ctrlPr>
+                          <a:rPr lang="en-US" b="0" i="1" smtClean="0">
+                            <a:latin typeface="Cambria Math" panose="02040503050406030204" pitchFamily="18" charset="0"/>
+                            <a:ea typeface="Cambria Math" panose="02040503050406030204" pitchFamily="18" charset="0"/>
+                          </a:rPr>
+                        </m:ctrlPr>
+                      </m:fPr>
+                      <m:num>
+                        <m:r>
+                          <a:rPr lang="en-US" b="0" i="1" smtClean="0">
+                            <a:latin typeface="Cambria Math" panose="02040503050406030204" pitchFamily="18" charset="0"/>
+                            <a:ea typeface="Cambria Math" panose="02040503050406030204" pitchFamily="18" charset="0"/>
+                          </a:rPr>
+                          <m:t>𝑀</m:t>
+                        </m:r>
+                        <m:sSub>
+                          <m:sSubPr>
+                            <m:ctrlPr>
+                              <a:rPr lang="en-US" b="0" i="1" smtClean="0">
+                                <a:latin typeface="Cambria Math" panose="02040503050406030204" pitchFamily="18" charset="0"/>
+                                <a:ea typeface="Cambria Math" panose="02040503050406030204" pitchFamily="18" charset="0"/>
+                              </a:rPr>
+                            </m:ctrlPr>
+                          </m:sSubPr>
+                          <m:e>
+                            <m:r>
+                              <a:rPr lang="en-US" b="0" i="1" smtClean="0">
+                                <a:latin typeface="Cambria Math" panose="02040503050406030204" pitchFamily="18" charset="0"/>
+                                <a:ea typeface="Cambria Math" panose="02040503050406030204" pitchFamily="18" charset="0"/>
+                              </a:rPr>
+                              <m:t>𝑈</m:t>
+                            </m:r>
+                          </m:e>
+                          <m:sub>
+                            <m:r>
+                              <a:rPr lang="en-US" b="0" i="1" smtClean="0">
+                                <a:latin typeface="Cambria Math" panose="02040503050406030204" pitchFamily="18" charset="0"/>
+                                <a:ea typeface="Cambria Math" panose="02040503050406030204" pitchFamily="18" charset="0"/>
+                              </a:rPr>
+                              <m:t>𝑦</m:t>
+                            </m:r>
+                          </m:sub>
+                        </m:sSub>
+                      </m:num>
+                      <m:den>
+                        <m:sSub>
+                          <m:sSubPr>
+                            <m:ctrlPr>
+                              <a:rPr lang="en-US" b="0" i="1" smtClean="0">
+                                <a:latin typeface="Cambria Math" panose="02040503050406030204" pitchFamily="18" charset="0"/>
+                                <a:ea typeface="Cambria Math" panose="02040503050406030204" pitchFamily="18" charset="0"/>
+                              </a:rPr>
+                            </m:ctrlPr>
+                          </m:sSubPr>
+                          <m:e>
+                            <m:r>
+                              <a:rPr lang="en-US" b="0" i="1" smtClean="0">
+                                <a:latin typeface="Cambria Math" panose="02040503050406030204" pitchFamily="18" charset="0"/>
+                                <a:ea typeface="Cambria Math" panose="02040503050406030204" pitchFamily="18" charset="0"/>
+                              </a:rPr>
+                              <m:t>𝑃</m:t>
+                            </m:r>
+                          </m:e>
+                          <m:sub>
+                            <m:r>
+                              <a:rPr lang="en-US" b="0" i="1" smtClean="0">
+                                <a:latin typeface="Cambria Math" panose="02040503050406030204" pitchFamily="18" charset="0"/>
+                                <a:ea typeface="Cambria Math" panose="02040503050406030204" pitchFamily="18" charset="0"/>
+                              </a:rPr>
+                              <m:t>𝑦</m:t>
+                            </m:r>
+                          </m:sub>
+                        </m:sSub>
+                      </m:den>
+                    </m:f>
+                  </m:oMath>
+                </a14:m>
+                <a:endParaRPr lang="en-US" dirty="0"/>
+              </a:p>
+              <a:p>
+                <a:pPr lvl="3"/>
+                <a:endParaRPr lang="en-US" sz="1000" dirty="0"/>
+              </a:p>
+              <a:p>
+                <a:r>
+                  <a:rPr lang="en-US" dirty="0"/>
+                  <a:t>Choosing the affordable bundle using the budget line.</a:t>
+                </a:r>
+              </a:p>
+            </p:txBody>
+          </p:sp>
+        </mc:Choice>
+        <mc:Fallback xmlns="">
+          <p:sp>
+            <p:nvSpPr>
+              <p:cNvPr id="3" name="Content Placeholder 2">
+                <a:extLst>
+                  <a:ext uri="{FF2B5EF4-FFF2-40B4-BE49-F238E27FC236}">
+                    <a16:creationId xmlns:a16="http://schemas.microsoft.com/office/drawing/2014/main" id="{5A717BAA-D4BA-C7EB-5696-203603829C7C}"/>
+                  </a:ext>
+                </a:extLst>
+              </p:cNvPr>
+              <p:cNvSpPr>
+                <a:spLocks noGrp="1" noRot="1" noChangeAspect="1" noMove="1" noResize="1" noEditPoints="1" noAdjustHandles="1" noChangeArrowheads="1" noChangeShapeType="1" noTextEdit="1"/>
+              </p:cNvSpPr>
+              <p:nvPr>
+                <p:ph idx="1"/>
+              </p:nvPr>
+            </p:nvSpPr>
+            <p:spPr>
+              <a:blipFill>
+                <a:blip r:embed="rId2"/>
+                <a:stretch>
+                  <a:fillRect l="-1005" t="-1821"/>
+                </a:stretch>
+              </a:blipFill>
+            </p:spPr>
+            <p:txBody>
+              <a:bodyPr/>
+              <a:lstStyle/>
+              <a:p>
+                <a:r>
+                  <a:rPr lang="en-US">
+                    <a:noFill/>
+                  </a:rPr>
+                  <a:t> </a:t>
+                </a:r>
+              </a:p>
+            </p:txBody>
+          </p:sp>
+        </mc:Fallback>
+      </mc:AlternateContent>
+      <p:sp>
+        <p:nvSpPr>
+          <p:cNvPr id="4" name="Date Placeholder 3">
+            <a:extLst>
+              <a:ext uri="{FF2B5EF4-FFF2-40B4-BE49-F238E27FC236}">
+                <a16:creationId xmlns:a16="http://schemas.microsoft.com/office/drawing/2014/main" id="{B09CFCAE-B4E3-649B-FDB7-488E4E51258C}"/>
+              </a:ext>
+            </a:extLst>
+          </p:cNvPr>
+          <p:cNvSpPr>
+            <a:spLocks noGrp="1"/>
+          </p:cNvSpPr>
+          <p:nvPr>
+            <p:ph type="dt" sz="half" idx="10"/>
+          </p:nvPr>
+        </p:nvSpPr>
+        <p:spPr/>
+        <p:txBody>
+          <a:bodyPr/>
+          <a:lstStyle/>
+          <a:p>
+            <a:r>
+              <a:rPr lang="en-US" dirty="0"/>
+              <a:t>Fall 2023</a:t>
+            </a:r>
+          </a:p>
+        </p:txBody>
+      </p:sp>
+      <p:sp>
+        <p:nvSpPr>
+          <p:cNvPr id="5" name="Footer Placeholder 4">
+            <a:extLst>
+              <a:ext uri="{FF2B5EF4-FFF2-40B4-BE49-F238E27FC236}">
+                <a16:creationId xmlns:a16="http://schemas.microsoft.com/office/drawing/2014/main" id="{52AC4525-C5C8-8596-B2EA-0E2C5344302C}"/>
+              </a:ext>
+            </a:extLst>
+          </p:cNvPr>
+          <p:cNvSpPr>
+            <a:spLocks noGrp="1"/>
+          </p:cNvSpPr>
+          <p:nvPr>
+            <p:ph type="ftr" sz="quarter" idx="11"/>
+          </p:nvPr>
+        </p:nvSpPr>
+        <p:spPr/>
+        <p:txBody>
+          <a:bodyPr/>
+          <a:lstStyle/>
+          <a:p>
+            <a:r>
+              <a:rPr lang="en-US" dirty="0"/>
+              <a:t>DEPARTMENT OF BUSINESS &amp; ECONOMICS</a:t>
+            </a:r>
+          </a:p>
+        </p:txBody>
+      </p:sp>
+      <p:sp>
+        <p:nvSpPr>
+          <p:cNvPr id="6" name="Slide Number Placeholder 5">
+            <a:extLst>
+              <a:ext uri="{FF2B5EF4-FFF2-40B4-BE49-F238E27FC236}">
+                <a16:creationId xmlns:a16="http://schemas.microsoft.com/office/drawing/2014/main" id="{1E261E69-6082-7B91-F48A-C4702A4B503E}"/>
+              </a:ext>
+            </a:extLst>
+          </p:cNvPr>
+          <p:cNvSpPr>
+            <a:spLocks noGrp="1"/>
+          </p:cNvSpPr>
+          <p:nvPr>
+            <p:ph type="sldNum" sz="quarter" idx="12"/>
+          </p:nvPr>
+        </p:nvSpPr>
+        <p:spPr/>
+        <p:txBody>
+          <a:bodyPr/>
+          <a:lstStyle/>
+          <a:p>
+            <a:fld id="{1A980C56-831A-4EAB-9EDE-57C090F4F877}" type="slidenum">
+              <a:rPr lang="en-US" smtClean="0"/>
+              <a:t>2</a:t>
+            </a:fld>
+            <a:endParaRPr lang="en-US" dirty="0"/>
+          </a:p>
+        </p:txBody>
+      </p:sp>
+    </p:spTree>
+    <p:extLst>
+      <p:ext uri="{BB962C8B-B14F-4D97-AF65-F5344CB8AC3E}">
+        <p14:creationId xmlns:p14="http://schemas.microsoft.com/office/powerpoint/2010/main" val="27033511"/>
+      </p:ext>
+    </p:extLst>
+  </p:cSld>
+  <p:clrMapOvr>
+    <a:masterClrMapping/>
+  </p:clrMapOvr>
+  <p:timing>
+    <p:tnLst>
+      <p:par>
+        <p:cTn id="1" dur="indefinite" restart="never" nodeType="tmRoot">
+          <p:childTnLst>
+            <p:seq concurrent="1" nextAc="seek">
+              <p:cTn id="2" dur="indefinite" nodeType="mainSeq">
+                <p:childTnLst>
+                  <p:par>
+                    <p:cTn id="3" fill="hold">
+                      <p:stCondLst>
+                        <p:cond delay="indefinite"/>
+                      </p:stCondLst>
+                      <p:childTnLst>
+                        <p:par>
+                          <p:cTn id="4" fill="hold">
+                            <p:stCondLst>
+                              <p:cond delay="0"/>
+                            </p:stCondLst>
+                            <p:childTnLst>
+                              <p:par>
+                                <p:cTn id="5" presetID="10" presetClass="entr" presetSubtype="0" fill="hold" nodeType="clickEffect">
+                                  <p:stCondLst>
+                                    <p:cond delay="0"/>
+                                  </p:stCondLst>
+                                  <p:childTnLst>
+                                    <p:set>
+                                      <p:cBhvr>
+                                        <p:cTn id="6" dur="1" fill="hold">
+                                          <p:stCondLst>
+                                            <p:cond delay="0"/>
+                                          </p:stCondLst>
+                                        </p:cTn>
+                                        <p:tgtEl>
+                                          <p:spTgt spid="3">
+                                            <p:txEl>
+                                              <p:pRg st="0" end="0"/>
+                                            </p:txEl>
+                                          </p:spTgt>
+                                        </p:tgtEl>
+                                        <p:attrNameLst>
+                                          <p:attrName>style.visibility</p:attrName>
+                                        </p:attrNameLst>
+                                      </p:cBhvr>
+                                      <p:to>
+                                        <p:strVal val="visible"/>
+                                      </p:to>
+                                    </p:set>
+                                    <p:animEffect transition="in" filter="fade">
+                                      <p:cBhvr>
+                                        <p:cTn id="7" dur="500"/>
+                                        <p:tgtEl>
+                                          <p:spTgt spid="3">
+                                            <p:txEl>
+                                              <p:pRg st="0" end="0"/>
+                                            </p:txEl>
+                                          </p:spTgt>
+                                        </p:tgtEl>
+                                      </p:cBhvr>
+                                    </p:animEffect>
+                                  </p:childTnLst>
+                                </p:cTn>
+                              </p:par>
+                            </p:childTnLst>
+                          </p:cTn>
+                        </p:par>
+                      </p:childTnLst>
+                    </p:cTn>
+                  </p:par>
+                  <p:par>
+                    <p:cTn id="8" fill="hold">
+                      <p:stCondLst>
+                        <p:cond delay="indefinite"/>
+                      </p:stCondLst>
+                      <p:childTnLst>
+                        <p:par>
+                          <p:cTn id="9" fill="hold">
+                            <p:stCondLst>
+                              <p:cond delay="0"/>
+                            </p:stCondLst>
+                            <p:childTnLst>
+                              <p:par>
+                                <p:cTn id="10" presetID="10" presetClass="entr" presetSubtype="0" fill="hold" nodeType="clickEffect">
+                                  <p:stCondLst>
+                                    <p:cond delay="0"/>
+                                  </p:stCondLst>
+                                  <p:childTnLst>
+                                    <p:set>
+                                      <p:cBhvr>
+                                        <p:cTn id="11" dur="1" fill="hold">
+                                          <p:stCondLst>
+                                            <p:cond delay="0"/>
+                                          </p:stCondLst>
+                                        </p:cTn>
+                                        <p:tgtEl>
+                                          <p:spTgt spid="3">
+                                            <p:txEl>
+                                              <p:pRg st="2" end="2"/>
+                                            </p:txEl>
+                                          </p:spTgt>
+                                        </p:tgtEl>
+                                        <p:attrNameLst>
+                                          <p:attrName>style.visibility</p:attrName>
+                                        </p:attrNameLst>
+                                      </p:cBhvr>
+                                      <p:to>
+                                        <p:strVal val="visible"/>
+                                      </p:to>
+                                    </p:set>
+                                    <p:animEffect transition="in" filter="fade">
+                                      <p:cBhvr>
+                                        <p:cTn id="12" dur="500"/>
+                                        <p:tgtEl>
+                                          <p:spTgt spid="3">
+                                            <p:txEl>
+                                              <p:pRg st="2" end="2"/>
+                                            </p:txEl>
+                                          </p:spTgt>
+                                        </p:tgtEl>
+                                      </p:cBhvr>
+                                    </p:animEffect>
+                                  </p:childTnLst>
+                                </p:cTn>
+                              </p:par>
+                            </p:childTnLst>
+                          </p:cTn>
+                        </p:par>
+                      </p:childTnLst>
+                    </p:cTn>
+                  </p:par>
+                  <p:par>
+                    <p:cTn id="13" fill="hold">
+                      <p:stCondLst>
+                        <p:cond delay="indefinite"/>
+                      </p:stCondLst>
+                      <p:childTnLst>
+                        <p:par>
+                          <p:cTn id="14" fill="hold">
+                            <p:stCondLst>
+                              <p:cond delay="0"/>
+                            </p:stCondLst>
+                            <p:childTnLst>
+                              <p:par>
+                                <p:cTn id="15" presetID="10" presetClass="entr" presetSubtype="0" fill="hold" nodeType="clickEffect">
+                                  <p:stCondLst>
+                                    <p:cond delay="0"/>
+                                  </p:stCondLst>
+                                  <p:childTnLst>
+                                    <p:set>
+                                      <p:cBhvr>
+                                        <p:cTn id="16" dur="1" fill="hold">
+                                          <p:stCondLst>
+                                            <p:cond delay="0"/>
+                                          </p:stCondLst>
+                                        </p:cTn>
+                                        <p:tgtEl>
+                                          <p:spTgt spid="3">
+                                            <p:txEl>
+                                              <p:pRg st="4" end="4"/>
+                                            </p:txEl>
+                                          </p:spTgt>
+                                        </p:tgtEl>
+                                        <p:attrNameLst>
+                                          <p:attrName>style.visibility</p:attrName>
+                                        </p:attrNameLst>
+                                      </p:cBhvr>
+                                      <p:to>
+                                        <p:strVal val="visible"/>
+                                      </p:to>
+                                    </p:set>
+                                    <p:animEffect transition="in" filter="fade">
+                                      <p:cBhvr>
+                                        <p:cTn id="17" dur="500"/>
+                                        <p:tgtEl>
+                                          <p:spTgt spid="3">
+                                            <p:txEl>
+                                              <p:pRg st="4" end="4"/>
+                                            </p:txEl>
+                                          </p:spTgt>
+                                        </p:tgtEl>
+                                      </p:cBhvr>
+                                    </p:animEffect>
+                                  </p:childTnLst>
+                                </p:cTn>
+                              </p:par>
+                            </p:childTnLst>
+                          </p:cTn>
+                        </p:par>
+                      </p:childTnLst>
+                    </p:cTn>
+                  </p:par>
+                  <p:par>
+                    <p:cTn id="18" fill="hold">
+                      <p:stCondLst>
+                        <p:cond delay="indefinite"/>
+                      </p:stCondLst>
+                      <p:childTnLst>
+                        <p:par>
+                          <p:cTn id="19" fill="hold">
+                            <p:stCondLst>
+                              <p:cond delay="0"/>
+                            </p:stCondLst>
+                            <p:childTnLst>
+                              <p:par>
+                                <p:cTn id="20" presetID="10" presetClass="entr" presetSubtype="0" fill="hold" nodeType="clickEffect">
+                                  <p:stCondLst>
+                                    <p:cond delay="0"/>
+                                  </p:stCondLst>
+                                  <p:childTnLst>
+                                    <p:set>
+                                      <p:cBhvr>
+                                        <p:cTn id="21" dur="1" fill="hold">
+                                          <p:stCondLst>
+                                            <p:cond delay="0"/>
+                                          </p:stCondLst>
+                                        </p:cTn>
+                                        <p:tgtEl>
+                                          <p:spTgt spid="3">
+                                            <p:txEl>
+                                              <p:pRg st="6" end="6"/>
+                                            </p:txEl>
+                                          </p:spTgt>
+                                        </p:tgtEl>
+                                        <p:attrNameLst>
+                                          <p:attrName>style.visibility</p:attrName>
+                                        </p:attrNameLst>
+                                      </p:cBhvr>
+                                      <p:to>
+                                        <p:strVal val="visible"/>
+                                      </p:to>
+                                    </p:set>
+                                    <p:animEffect transition="in" filter="fade">
+                                      <p:cBhvr>
+                                        <p:cTn id="22" dur="500"/>
+                                        <p:tgtEl>
+                                          <p:spTgt spid="3">
+                                            <p:txEl>
+                                              <p:pRg st="6" end="6"/>
+                                            </p:txEl>
+                                          </p:spTgt>
+                                        </p:tgtEl>
+                                      </p:cBhvr>
+                                    </p:animEffect>
+                                  </p:childTnLst>
+                                </p:cTn>
+                              </p:par>
+                            </p:childTnLst>
+                          </p:cTn>
+                        </p:par>
+                      </p:childTnLst>
+                    </p:cTn>
+                  </p:par>
+                  <p:par>
+                    <p:cTn id="23" fill="hold">
+                      <p:stCondLst>
+                        <p:cond delay="indefinite"/>
+                      </p:stCondLst>
+                      <p:childTnLst>
+                        <p:par>
+                          <p:cTn id="24" fill="hold">
+                            <p:stCondLst>
+                              <p:cond delay="0"/>
+                            </p:stCondLst>
+                            <p:childTnLst>
+                              <p:par>
+                                <p:cTn id="25" presetID="10" presetClass="entr" presetSubtype="0" fill="hold" nodeType="clickEffect">
+                                  <p:stCondLst>
+                                    <p:cond delay="0"/>
+                                  </p:stCondLst>
+                                  <p:childTnLst>
+                                    <p:set>
+                                      <p:cBhvr>
+                                        <p:cTn id="26" dur="1" fill="hold">
+                                          <p:stCondLst>
+                                            <p:cond delay="0"/>
+                                          </p:stCondLst>
+                                        </p:cTn>
+                                        <p:tgtEl>
+                                          <p:spTgt spid="3">
+                                            <p:txEl>
+                                              <p:pRg st="8" end="8"/>
+                                            </p:txEl>
+                                          </p:spTgt>
+                                        </p:tgtEl>
+                                        <p:attrNameLst>
+                                          <p:attrName>style.visibility</p:attrName>
+                                        </p:attrNameLst>
+                                      </p:cBhvr>
+                                      <p:to>
+                                        <p:strVal val="visible"/>
+                                      </p:to>
+                                    </p:set>
+                                    <p:animEffect transition="in" filter="fade">
+                                      <p:cBhvr>
+                                        <p:cTn id="27" dur="500"/>
+                                        <p:tgtEl>
+                                          <p:spTgt spid="3">
+                                            <p:txEl>
+                                              <p:pRg st="8" end="8"/>
+                                            </p:txEl>
+                                          </p:spTgt>
+                                        </p:tgtEl>
+                                      </p:cBhvr>
+                                    </p:animEffect>
+                                  </p:childTnLst>
+                                </p:cTn>
+                              </p:par>
+                            </p:childTnLst>
+                          </p:cTn>
+                        </p:par>
+                      </p:childTnLst>
+                    </p:cTn>
+                  </p:par>
+                </p:childTnLst>
+              </p:cTn>
+              <p:prevCondLst>
+                <p:cond evt="onPrev" delay="0">
+                  <p:tgtEl>
+                    <p:sldTgt/>
+                  </p:tgtEl>
+                </p:cond>
+              </p:prevCondLst>
+              <p:nextCondLst>
+                <p:cond evt="onNext" delay="0">
+                  <p:tgtEl>
+                    <p:sldTgt/>
+                  </p:tgtEl>
+                </p:cond>
+              </p:nextCondLst>
+            </p:seq>
+          </p:childTnLst>
+        </p:cTn>
+      </p:par>
+    </p:tnLst>
+  </p:timing>
+</p:sld>
+</file>
+
+<file path=ppt/slides/slide20.xml><?xml version="1.0" encoding="utf-8"?>
 <p:sld xmlns:a="http://schemas.openxmlformats.org/drawingml/2006/main" xmlns:r="http://schemas.openxmlformats.org/officeDocument/2006/relationships" xmlns:p="http://schemas.openxmlformats.org/presentationml/2006/main">
   <p:cSld>
     <p:spTree>
@@ -11751,7 +13687,7 @@
           <a:p>
             <a:fld id="{1A980C56-831A-4EAB-9EDE-57C090F4F877}" type="slidenum">
               <a:rPr lang="en-US" smtClean="0"/>
-              <a:t>19</a:t>
+              <a:t>20</a:t>
             </a:fld>
             <a:endParaRPr lang="en-US" dirty="0"/>
           </a:p>
@@ -12227,576 +14163,7 @@
 </p:sld>
 </file>
 
-<file path=ppt/slides/slide2.xml><?xml version="1.0" encoding="utf-8"?>
-<p:sld xmlns:a="http://schemas.openxmlformats.org/drawingml/2006/main" xmlns:r="http://schemas.openxmlformats.org/officeDocument/2006/relationships" xmlns:p="http://schemas.openxmlformats.org/presentationml/2006/main">
-  <p:cSld>
-    <p:spTree>
-      <p:nvGrpSpPr>
-        <p:cNvPr id="1" name=""/>
-        <p:cNvGrpSpPr/>
-        <p:nvPr/>
-      </p:nvGrpSpPr>
-      <p:grpSpPr>
-        <a:xfrm>
-          <a:off x="0" y="0"/>
-          <a:ext cx="0" cy="0"/>
-          <a:chOff x="0" y="0"/>
-          <a:chExt cx="0" cy="0"/>
-        </a:xfrm>
-      </p:grpSpPr>
-      <p:sp>
-        <p:nvSpPr>
-          <p:cNvPr id="2" name="Title 1">
-            <a:extLst>
-              <a:ext uri="{FF2B5EF4-FFF2-40B4-BE49-F238E27FC236}">
-                <a16:creationId xmlns:a16="http://schemas.microsoft.com/office/drawing/2014/main" id="{0D8E3986-575B-B929-0562-1561C73A78DE}"/>
-              </a:ext>
-            </a:extLst>
-          </p:cNvPr>
-          <p:cNvSpPr>
-            <a:spLocks noGrp="1"/>
-          </p:cNvSpPr>
-          <p:nvPr>
-            <p:ph type="title"/>
-          </p:nvPr>
-        </p:nvSpPr>
-        <p:spPr/>
-        <p:txBody>
-          <a:bodyPr/>
-          <a:lstStyle/>
-          <a:p>
-            <a:r>
-              <a:rPr lang="en-US" dirty="0"/>
-              <a:t>Review of Previous Lecture</a:t>
-            </a:r>
-          </a:p>
-        </p:txBody>
-      </p:sp>
-      <mc:AlternateContent xmlns:mc="http://schemas.openxmlformats.org/markup-compatibility/2006" xmlns:a14="http://schemas.microsoft.com/office/drawing/2010/main">
-        <mc:Choice Requires="a14">
-          <p:sp>
-            <p:nvSpPr>
-              <p:cNvPr id="3" name="Content Placeholder 2">
-                <a:extLst>
-                  <a:ext uri="{FF2B5EF4-FFF2-40B4-BE49-F238E27FC236}">
-                    <a16:creationId xmlns:a16="http://schemas.microsoft.com/office/drawing/2014/main" id="{5A717BAA-D4BA-C7EB-5696-203603829C7C}"/>
-                  </a:ext>
-                </a:extLst>
-              </p:cNvPr>
-              <p:cNvSpPr>
-                <a:spLocks noGrp="1"/>
-              </p:cNvSpPr>
-              <p:nvPr>
-                <p:ph idx="1"/>
-              </p:nvPr>
-            </p:nvSpPr>
-            <p:spPr/>
-            <p:txBody>
-              <a:bodyPr/>
-              <a:lstStyle/>
-              <a:p>
-                <a:r>
-                  <a:rPr lang="en-US" dirty="0"/>
-                  <a:t>The Utility Maximization Problem with Calculus.</a:t>
-                </a:r>
-              </a:p>
-              <a:p>
-                <a:pPr lvl="2"/>
-                <a:endParaRPr lang="en-US" dirty="0"/>
-              </a:p>
-              <a:p>
-                <a:r>
-                  <a:rPr lang="en-US" dirty="0"/>
-                  <a:t>The First Order Conditions of Utility Maximization.</a:t>
-                </a:r>
-              </a:p>
-              <a:p>
-                <a:pPr lvl="3"/>
-                <a:endParaRPr lang="en-US" sz="1000" dirty="0"/>
-              </a:p>
-              <a:p>
-                <a:r>
-                  <a:rPr lang="en-US" dirty="0"/>
-                  <a:t>Equalizing the Slopes: </a:t>
-                </a:r>
-                <a14:m>
-                  <m:oMath xmlns:m="http://schemas.openxmlformats.org/officeDocument/2006/math">
-                    <m:f>
-                      <m:fPr>
-                        <m:ctrlPr>
-                          <a:rPr lang="en-US" i="1" smtClean="0">
-                            <a:latin typeface="Cambria Math" panose="02040503050406030204" pitchFamily="18" charset="0"/>
-                          </a:rPr>
-                        </m:ctrlPr>
-                      </m:fPr>
-                      <m:num>
-                        <m:r>
-                          <a:rPr lang="en-US" i="1">
-                            <a:latin typeface="Cambria Math" panose="02040503050406030204" pitchFamily="18" charset="0"/>
-                          </a:rPr>
-                          <m:t>𝑀</m:t>
-                        </m:r>
-                        <m:sSub>
-                          <m:sSubPr>
-                            <m:ctrlPr>
-                              <a:rPr lang="en-US" i="1">
-                                <a:latin typeface="Cambria Math" panose="02040503050406030204" pitchFamily="18" charset="0"/>
-                              </a:rPr>
-                            </m:ctrlPr>
-                          </m:sSubPr>
-                          <m:e>
-                            <m:r>
-                              <a:rPr lang="en-US" i="1">
-                                <a:latin typeface="Cambria Math" panose="02040503050406030204" pitchFamily="18" charset="0"/>
-                              </a:rPr>
-                              <m:t>𝑈</m:t>
-                            </m:r>
-                          </m:e>
-                          <m:sub>
-                            <m:r>
-                              <a:rPr lang="en-US" i="1">
-                                <a:latin typeface="Cambria Math" panose="02040503050406030204" pitchFamily="18" charset="0"/>
-                              </a:rPr>
-                              <m:t>𝑥</m:t>
-                            </m:r>
-                          </m:sub>
-                        </m:sSub>
-                      </m:num>
-                      <m:den>
-                        <m:r>
-                          <a:rPr lang="en-US" i="1">
-                            <a:latin typeface="Cambria Math" panose="02040503050406030204" pitchFamily="18" charset="0"/>
-                          </a:rPr>
-                          <m:t>𝑀</m:t>
-                        </m:r>
-                        <m:sSub>
-                          <m:sSubPr>
-                            <m:ctrlPr>
-                              <a:rPr lang="en-US" i="1">
-                                <a:latin typeface="Cambria Math" panose="02040503050406030204" pitchFamily="18" charset="0"/>
-                              </a:rPr>
-                            </m:ctrlPr>
-                          </m:sSubPr>
-                          <m:e>
-                            <m:r>
-                              <a:rPr lang="en-US" i="1">
-                                <a:latin typeface="Cambria Math" panose="02040503050406030204" pitchFamily="18" charset="0"/>
-                              </a:rPr>
-                              <m:t>𝑈</m:t>
-                            </m:r>
-                          </m:e>
-                          <m:sub>
-                            <m:r>
-                              <a:rPr lang="en-US" i="1">
-                                <a:latin typeface="Cambria Math" panose="02040503050406030204" pitchFamily="18" charset="0"/>
-                              </a:rPr>
-                              <m:t>𝑦</m:t>
-                            </m:r>
-                          </m:sub>
-                        </m:sSub>
-                      </m:den>
-                    </m:f>
-                    <m:r>
-                      <a:rPr lang="en-US" i="1">
-                        <a:latin typeface="Cambria Math" panose="02040503050406030204" pitchFamily="18" charset="0"/>
-                      </a:rPr>
-                      <m:t>=</m:t>
-                    </m:r>
-                    <m:f>
-                      <m:fPr>
-                        <m:ctrlPr>
-                          <a:rPr lang="en-US" i="1">
-                            <a:latin typeface="Cambria Math" panose="02040503050406030204" pitchFamily="18" charset="0"/>
-                          </a:rPr>
-                        </m:ctrlPr>
-                      </m:fPr>
-                      <m:num>
-                        <m:sSub>
-                          <m:sSubPr>
-                            <m:ctrlPr>
-                              <a:rPr lang="en-US" i="1">
-                                <a:latin typeface="Cambria Math" panose="02040503050406030204" pitchFamily="18" charset="0"/>
-                              </a:rPr>
-                            </m:ctrlPr>
-                          </m:sSubPr>
-                          <m:e>
-                            <m:r>
-                              <a:rPr lang="en-US" i="1">
-                                <a:latin typeface="Cambria Math" panose="02040503050406030204" pitchFamily="18" charset="0"/>
-                              </a:rPr>
-                              <m:t>𝑃</m:t>
-                            </m:r>
-                          </m:e>
-                          <m:sub>
-                            <m:r>
-                              <a:rPr lang="en-US" i="1">
-                                <a:latin typeface="Cambria Math" panose="02040503050406030204" pitchFamily="18" charset="0"/>
-                              </a:rPr>
-                              <m:t>𝑥</m:t>
-                            </m:r>
-                          </m:sub>
-                        </m:sSub>
-                      </m:num>
-                      <m:den>
-                        <m:sSub>
-                          <m:sSubPr>
-                            <m:ctrlPr>
-                              <a:rPr lang="en-US" i="1">
-                                <a:latin typeface="Cambria Math" panose="02040503050406030204" pitchFamily="18" charset="0"/>
-                              </a:rPr>
-                            </m:ctrlPr>
-                          </m:sSubPr>
-                          <m:e>
-                            <m:r>
-                              <a:rPr lang="en-US" i="1">
-                                <a:latin typeface="Cambria Math" panose="02040503050406030204" pitchFamily="18" charset="0"/>
-                              </a:rPr>
-                              <m:t>𝑃</m:t>
-                            </m:r>
-                          </m:e>
-                          <m:sub>
-                            <m:r>
-                              <a:rPr lang="en-US" i="1">
-                                <a:latin typeface="Cambria Math" panose="02040503050406030204" pitchFamily="18" charset="0"/>
-                              </a:rPr>
-                              <m:t>𝑦</m:t>
-                            </m:r>
-                          </m:sub>
-                        </m:sSub>
-                      </m:den>
-                    </m:f>
-                  </m:oMath>
-                </a14:m>
-                <a:endParaRPr lang="en-US" dirty="0"/>
-              </a:p>
-              <a:p>
-                <a:pPr lvl="3"/>
-                <a:endParaRPr lang="en-US" sz="500" dirty="0"/>
-              </a:p>
-              <a:p>
-                <a:r>
-                  <a:rPr lang="en-US" dirty="0"/>
-                  <a:t>Equalizing the Per Dollar Marginal Utility: </a:t>
-                </a:r>
-                <a14:m>
-                  <m:oMath xmlns:m="http://schemas.openxmlformats.org/officeDocument/2006/math">
-                    <m:f>
-                      <m:fPr>
-                        <m:ctrlPr>
-                          <a:rPr lang="en-US" b="0" i="1" smtClean="0">
-                            <a:latin typeface="Cambria Math" panose="02040503050406030204" pitchFamily="18" charset="0"/>
-                            <a:ea typeface="Cambria Math" panose="02040503050406030204" pitchFamily="18" charset="0"/>
-                          </a:rPr>
-                        </m:ctrlPr>
-                      </m:fPr>
-                      <m:num>
-                        <m:r>
-                          <a:rPr lang="en-US" b="0" i="1" smtClean="0">
-                            <a:latin typeface="Cambria Math" panose="02040503050406030204" pitchFamily="18" charset="0"/>
-                            <a:ea typeface="Cambria Math" panose="02040503050406030204" pitchFamily="18" charset="0"/>
-                          </a:rPr>
-                          <m:t>𝑀</m:t>
-                        </m:r>
-                        <m:sSub>
-                          <m:sSubPr>
-                            <m:ctrlPr>
-                              <a:rPr lang="en-US" b="0" i="1" smtClean="0">
-                                <a:latin typeface="Cambria Math" panose="02040503050406030204" pitchFamily="18" charset="0"/>
-                                <a:ea typeface="Cambria Math" panose="02040503050406030204" pitchFamily="18" charset="0"/>
-                              </a:rPr>
-                            </m:ctrlPr>
-                          </m:sSubPr>
-                          <m:e>
-                            <m:r>
-                              <a:rPr lang="en-US" b="0" i="1" smtClean="0">
-                                <a:latin typeface="Cambria Math" panose="02040503050406030204" pitchFamily="18" charset="0"/>
-                                <a:ea typeface="Cambria Math" panose="02040503050406030204" pitchFamily="18" charset="0"/>
-                              </a:rPr>
-                              <m:t>𝑈</m:t>
-                            </m:r>
-                          </m:e>
-                          <m:sub>
-                            <m:r>
-                              <a:rPr lang="en-US" b="0" i="1" smtClean="0">
-                                <a:latin typeface="Cambria Math" panose="02040503050406030204" pitchFamily="18" charset="0"/>
-                                <a:ea typeface="Cambria Math" panose="02040503050406030204" pitchFamily="18" charset="0"/>
-                              </a:rPr>
-                              <m:t>𝑥</m:t>
-                            </m:r>
-                          </m:sub>
-                        </m:sSub>
-                      </m:num>
-                      <m:den>
-                        <m:sSub>
-                          <m:sSubPr>
-                            <m:ctrlPr>
-                              <a:rPr lang="en-US" b="0" i="1" smtClean="0">
-                                <a:latin typeface="Cambria Math" panose="02040503050406030204" pitchFamily="18" charset="0"/>
-                                <a:ea typeface="Cambria Math" panose="02040503050406030204" pitchFamily="18" charset="0"/>
-                              </a:rPr>
-                            </m:ctrlPr>
-                          </m:sSubPr>
-                          <m:e>
-                            <m:r>
-                              <a:rPr lang="en-US" b="0" i="1" smtClean="0">
-                                <a:latin typeface="Cambria Math" panose="02040503050406030204" pitchFamily="18" charset="0"/>
-                                <a:ea typeface="Cambria Math" panose="02040503050406030204" pitchFamily="18" charset="0"/>
-                              </a:rPr>
-                              <m:t>𝑃</m:t>
-                            </m:r>
-                          </m:e>
-                          <m:sub>
-                            <m:r>
-                              <a:rPr lang="en-US" b="0" i="1" smtClean="0">
-                                <a:latin typeface="Cambria Math" panose="02040503050406030204" pitchFamily="18" charset="0"/>
-                                <a:ea typeface="Cambria Math" panose="02040503050406030204" pitchFamily="18" charset="0"/>
-                              </a:rPr>
-                              <m:t>𝑥</m:t>
-                            </m:r>
-                          </m:sub>
-                        </m:sSub>
-                      </m:den>
-                    </m:f>
-                    <m:r>
-                      <a:rPr lang="en-US" b="0" i="1" smtClean="0">
-                        <a:latin typeface="Cambria Math" panose="02040503050406030204" pitchFamily="18" charset="0"/>
-                        <a:ea typeface="Cambria Math" panose="02040503050406030204" pitchFamily="18" charset="0"/>
-                      </a:rPr>
-                      <m:t>=</m:t>
-                    </m:r>
-                    <m:f>
-                      <m:fPr>
-                        <m:ctrlPr>
-                          <a:rPr lang="en-US" b="0" i="1" smtClean="0">
-                            <a:latin typeface="Cambria Math" panose="02040503050406030204" pitchFamily="18" charset="0"/>
-                            <a:ea typeface="Cambria Math" panose="02040503050406030204" pitchFamily="18" charset="0"/>
-                          </a:rPr>
-                        </m:ctrlPr>
-                      </m:fPr>
-                      <m:num>
-                        <m:r>
-                          <a:rPr lang="en-US" b="0" i="1" smtClean="0">
-                            <a:latin typeface="Cambria Math" panose="02040503050406030204" pitchFamily="18" charset="0"/>
-                            <a:ea typeface="Cambria Math" panose="02040503050406030204" pitchFamily="18" charset="0"/>
-                          </a:rPr>
-                          <m:t>𝑀</m:t>
-                        </m:r>
-                        <m:sSub>
-                          <m:sSubPr>
-                            <m:ctrlPr>
-                              <a:rPr lang="en-US" b="0" i="1" smtClean="0">
-                                <a:latin typeface="Cambria Math" panose="02040503050406030204" pitchFamily="18" charset="0"/>
-                                <a:ea typeface="Cambria Math" panose="02040503050406030204" pitchFamily="18" charset="0"/>
-                              </a:rPr>
-                            </m:ctrlPr>
-                          </m:sSubPr>
-                          <m:e>
-                            <m:r>
-                              <a:rPr lang="en-US" b="0" i="1" smtClean="0">
-                                <a:latin typeface="Cambria Math" panose="02040503050406030204" pitchFamily="18" charset="0"/>
-                                <a:ea typeface="Cambria Math" panose="02040503050406030204" pitchFamily="18" charset="0"/>
-                              </a:rPr>
-                              <m:t>𝑈</m:t>
-                            </m:r>
-                          </m:e>
-                          <m:sub>
-                            <m:r>
-                              <a:rPr lang="en-US" b="0" i="1" smtClean="0">
-                                <a:latin typeface="Cambria Math" panose="02040503050406030204" pitchFamily="18" charset="0"/>
-                                <a:ea typeface="Cambria Math" panose="02040503050406030204" pitchFamily="18" charset="0"/>
-                              </a:rPr>
-                              <m:t>𝑦</m:t>
-                            </m:r>
-                          </m:sub>
-                        </m:sSub>
-                      </m:num>
-                      <m:den>
-                        <m:sSub>
-                          <m:sSubPr>
-                            <m:ctrlPr>
-                              <a:rPr lang="en-US" b="0" i="1" smtClean="0">
-                                <a:latin typeface="Cambria Math" panose="02040503050406030204" pitchFamily="18" charset="0"/>
-                                <a:ea typeface="Cambria Math" panose="02040503050406030204" pitchFamily="18" charset="0"/>
-                              </a:rPr>
-                            </m:ctrlPr>
-                          </m:sSubPr>
-                          <m:e>
-                            <m:r>
-                              <a:rPr lang="en-US" b="0" i="1" smtClean="0">
-                                <a:latin typeface="Cambria Math" panose="02040503050406030204" pitchFamily="18" charset="0"/>
-                                <a:ea typeface="Cambria Math" panose="02040503050406030204" pitchFamily="18" charset="0"/>
-                              </a:rPr>
-                              <m:t>𝑃</m:t>
-                            </m:r>
-                          </m:e>
-                          <m:sub>
-                            <m:r>
-                              <a:rPr lang="en-US" b="0" i="1" smtClean="0">
-                                <a:latin typeface="Cambria Math" panose="02040503050406030204" pitchFamily="18" charset="0"/>
-                                <a:ea typeface="Cambria Math" panose="02040503050406030204" pitchFamily="18" charset="0"/>
-                              </a:rPr>
-                              <m:t>𝑦</m:t>
-                            </m:r>
-                          </m:sub>
-                        </m:sSub>
-                      </m:den>
-                    </m:f>
-                  </m:oMath>
-                </a14:m>
-                <a:endParaRPr lang="en-US" dirty="0"/>
-              </a:p>
-              <a:p>
-                <a:pPr lvl="3"/>
-                <a:endParaRPr lang="en-US" sz="1000" dirty="0"/>
-              </a:p>
-              <a:p>
-                <a:r>
-                  <a:rPr lang="en-US" dirty="0"/>
-                  <a:t>Choosing the affordable bundle using the budget line.</a:t>
-                </a:r>
-              </a:p>
-            </p:txBody>
-          </p:sp>
-        </mc:Choice>
-        <mc:Fallback xmlns="">
-          <p:sp>
-            <p:nvSpPr>
-              <p:cNvPr id="3" name="Content Placeholder 2">
-                <a:extLst>
-                  <a:ext uri="{FF2B5EF4-FFF2-40B4-BE49-F238E27FC236}">
-                    <a16:creationId xmlns:a16="http://schemas.microsoft.com/office/drawing/2014/main" id="{5A717BAA-D4BA-C7EB-5696-203603829C7C}"/>
-                  </a:ext>
-                </a:extLst>
-              </p:cNvPr>
-              <p:cNvSpPr>
-                <a:spLocks noGrp="1" noRot="1" noChangeAspect="1" noMove="1" noResize="1" noEditPoints="1" noAdjustHandles="1" noChangeArrowheads="1" noChangeShapeType="1" noTextEdit="1"/>
-              </p:cNvSpPr>
-              <p:nvPr>
-                <p:ph idx="1"/>
-              </p:nvPr>
-            </p:nvSpPr>
-            <p:spPr>
-              <a:blipFill>
-                <a:blip r:embed="rId2"/>
-                <a:stretch>
-                  <a:fillRect l="-1005" t="-1821"/>
-                </a:stretch>
-              </a:blipFill>
-            </p:spPr>
-            <p:txBody>
-              <a:bodyPr/>
-              <a:lstStyle/>
-              <a:p>
-                <a:r>
-                  <a:rPr lang="en-US">
-                    <a:noFill/>
-                  </a:rPr>
-                  <a:t> </a:t>
-                </a:r>
-              </a:p>
-            </p:txBody>
-          </p:sp>
-        </mc:Fallback>
-      </mc:AlternateContent>
-      <p:sp>
-        <p:nvSpPr>
-          <p:cNvPr id="4" name="Date Placeholder 3">
-            <a:extLst>
-              <a:ext uri="{FF2B5EF4-FFF2-40B4-BE49-F238E27FC236}">
-                <a16:creationId xmlns:a16="http://schemas.microsoft.com/office/drawing/2014/main" id="{B09CFCAE-B4E3-649B-FDB7-488E4E51258C}"/>
-              </a:ext>
-            </a:extLst>
-          </p:cNvPr>
-          <p:cNvSpPr>
-            <a:spLocks noGrp="1"/>
-          </p:cNvSpPr>
-          <p:nvPr>
-            <p:ph type="dt" sz="half" idx="10"/>
-          </p:nvPr>
-        </p:nvSpPr>
-        <p:spPr/>
-        <p:txBody>
-          <a:bodyPr/>
-          <a:lstStyle/>
-          <a:p>
-            <a:r>
-              <a:rPr lang="en-US" dirty="0"/>
-              <a:t>Fall 2023</a:t>
-            </a:r>
-          </a:p>
-        </p:txBody>
-      </p:sp>
-      <p:sp>
-        <p:nvSpPr>
-          <p:cNvPr id="5" name="Footer Placeholder 4">
-            <a:extLst>
-              <a:ext uri="{FF2B5EF4-FFF2-40B4-BE49-F238E27FC236}">
-                <a16:creationId xmlns:a16="http://schemas.microsoft.com/office/drawing/2014/main" id="{52AC4525-C5C8-8596-B2EA-0E2C5344302C}"/>
-              </a:ext>
-            </a:extLst>
-          </p:cNvPr>
-          <p:cNvSpPr>
-            <a:spLocks noGrp="1"/>
-          </p:cNvSpPr>
-          <p:nvPr>
-            <p:ph type="ftr" sz="quarter" idx="11"/>
-          </p:nvPr>
-        </p:nvSpPr>
-        <p:spPr/>
-        <p:txBody>
-          <a:bodyPr/>
-          <a:lstStyle/>
-          <a:p>
-            <a:r>
-              <a:rPr lang="en-US" dirty="0"/>
-              <a:t>DEPARTMENT OF BUSINESS &amp; ECONOMICS</a:t>
-            </a:r>
-          </a:p>
-        </p:txBody>
-      </p:sp>
-      <p:sp>
-        <p:nvSpPr>
-          <p:cNvPr id="6" name="Slide Number Placeholder 5">
-            <a:extLst>
-              <a:ext uri="{FF2B5EF4-FFF2-40B4-BE49-F238E27FC236}">
-                <a16:creationId xmlns:a16="http://schemas.microsoft.com/office/drawing/2014/main" id="{1E261E69-6082-7B91-F48A-C4702A4B503E}"/>
-              </a:ext>
-            </a:extLst>
-          </p:cNvPr>
-          <p:cNvSpPr>
-            <a:spLocks noGrp="1"/>
-          </p:cNvSpPr>
-          <p:nvPr>
-            <p:ph type="sldNum" sz="quarter" idx="12"/>
-          </p:nvPr>
-        </p:nvSpPr>
-        <p:spPr/>
-        <p:txBody>
-          <a:bodyPr/>
-          <a:lstStyle/>
-          <a:p>
-            <a:fld id="{1A980C56-831A-4EAB-9EDE-57C090F4F877}" type="slidenum">
-              <a:rPr lang="en-US" smtClean="0"/>
-              <a:t>2</a:t>
-            </a:fld>
-            <a:endParaRPr lang="en-US" dirty="0"/>
-          </a:p>
-        </p:txBody>
-      </p:sp>
-    </p:spTree>
-    <p:extLst>
-      <p:ext uri="{BB962C8B-B14F-4D97-AF65-F5344CB8AC3E}">
-        <p14:creationId xmlns:p14="http://schemas.microsoft.com/office/powerpoint/2010/main" val="27033511"/>
-      </p:ext>
-    </p:extLst>
-  </p:cSld>
-  <p:clrMapOvr>
-    <a:masterClrMapping/>
-  </p:clrMapOvr>
-</p:sld>
-</file>
-
-<file path=ppt/slides/slide20.xml><?xml version="1.0" encoding="utf-8"?>
+<file path=ppt/slides/slide21.xml><?xml version="1.0" encoding="utf-8"?>
 <p:sld xmlns:a="http://schemas.openxmlformats.org/drawingml/2006/main" xmlns:r="http://schemas.openxmlformats.org/officeDocument/2006/relationships" xmlns:p="http://schemas.openxmlformats.org/presentationml/2006/main">
   <p:cSld>
     <p:spTree>
@@ -13393,7 +14760,7 @@
           <a:p>
             <a:fld id="{1A980C56-831A-4EAB-9EDE-57C090F4F877}" type="slidenum">
               <a:rPr lang="en-US" smtClean="0"/>
-              <a:t>20</a:t>
+              <a:t>21</a:t>
             </a:fld>
             <a:endParaRPr lang="en-US" dirty="0"/>
           </a:p>
@@ -13412,7 +14779,1449 @@
 </p:sld>
 </file>
 
-<file path=ppt/slides/slide21.xml><?xml version="1.0" encoding="utf-8"?>
+<file path=ppt/slides/slide22.xml><?xml version="1.0" encoding="utf-8"?>
+<p:sld xmlns:a="http://schemas.openxmlformats.org/drawingml/2006/main" xmlns:r="http://schemas.openxmlformats.org/officeDocument/2006/relationships" xmlns:p="http://schemas.openxmlformats.org/presentationml/2006/main">
+  <p:cSld>
+    <p:spTree>
+      <p:nvGrpSpPr>
+        <p:cNvPr id="1" name=""/>
+        <p:cNvGrpSpPr/>
+        <p:nvPr/>
+      </p:nvGrpSpPr>
+      <p:grpSpPr>
+        <a:xfrm>
+          <a:off x="0" y="0"/>
+          <a:ext cx="0" cy="0"/>
+          <a:chOff x="0" y="0"/>
+          <a:chExt cx="0" cy="0"/>
+        </a:xfrm>
+      </p:grpSpPr>
+      <mc:AlternateContent xmlns:mc="http://schemas.openxmlformats.org/markup-compatibility/2006">
+        <mc:Choice xmlns:a14="http://schemas.microsoft.com/office/drawing/2010/main" Requires="a14">
+          <p:sp>
+            <p:nvSpPr>
+              <p:cNvPr id="2" name="Title 1">
+                <a:extLst>
+                  <a:ext uri="{FF2B5EF4-FFF2-40B4-BE49-F238E27FC236}">
+                    <a16:creationId xmlns:a16="http://schemas.microsoft.com/office/drawing/2014/main" id="{0D8E3986-575B-B929-0562-1561C73A78DE}"/>
+                  </a:ext>
+                </a:extLst>
+              </p:cNvPr>
+              <p:cNvSpPr>
+                <a:spLocks noGrp="1"/>
+              </p:cNvSpPr>
+              <p:nvPr>
+                <p:ph type="title"/>
+              </p:nvPr>
+            </p:nvSpPr>
+            <p:spPr/>
+            <p:txBody>
+              <a:bodyPr/>
+              <a:lstStyle/>
+              <a:p>
+                <a:r>
+                  <a:rPr lang="en-US" dirty="0"/>
+                  <a:t>Special Case: When </a:t>
+                </a:r>
+                <a14:m>
+                  <m:oMath xmlns:m="http://schemas.openxmlformats.org/officeDocument/2006/math">
+                    <m:r>
+                      <a:rPr lang="en-US" i="1" dirty="0" smtClean="0">
+                        <a:latin typeface="Cambria Math" panose="02040503050406030204" pitchFamily="18" charset="0"/>
+                      </a:rPr>
+                      <m:t>𝑥</m:t>
+                    </m:r>
+                  </m:oMath>
+                </a14:m>
+                <a:r>
+                  <a:rPr lang="en-US" dirty="0"/>
+                  <a:t> is a “Bad”</a:t>
+                </a:r>
+              </a:p>
+            </p:txBody>
+          </p:sp>
+        </mc:Choice>
+        <mc:Fallback>
+          <p:sp>
+            <p:nvSpPr>
+              <p:cNvPr id="2" name="Title 1">
+                <a:extLst>
+                  <a:ext uri="{FF2B5EF4-FFF2-40B4-BE49-F238E27FC236}">
+                    <a16:creationId xmlns:a16="http://schemas.microsoft.com/office/drawing/2014/main" id="{0D8E3986-575B-B929-0562-1561C73A78DE}"/>
+                  </a:ext>
+                </a:extLst>
+              </p:cNvPr>
+              <p:cNvSpPr>
+                <a:spLocks noGrp="1" noRot="1" noChangeAspect="1" noMove="1" noResize="1" noEditPoints="1" noAdjustHandles="1" noChangeArrowheads="1" noChangeShapeType="1" noTextEdit="1"/>
+              </p:cNvSpPr>
+              <p:nvPr>
+                <p:ph type="title"/>
+              </p:nvPr>
+            </p:nvSpPr>
+            <p:spPr>
+              <a:blipFill>
+                <a:blip r:embed="rId2"/>
+                <a:stretch>
+                  <a:fillRect/>
+                </a:stretch>
+              </a:blipFill>
+            </p:spPr>
+            <p:txBody>
+              <a:bodyPr/>
+              <a:lstStyle/>
+              <a:p>
+                <a:r>
+                  <a:rPr lang="en-US">
+                    <a:noFill/>
+                  </a:rPr>
+                  <a:t> </a:t>
+                </a:r>
+              </a:p>
+            </p:txBody>
+          </p:sp>
+        </mc:Fallback>
+      </mc:AlternateContent>
+      <mc:AlternateContent xmlns:mc="http://schemas.openxmlformats.org/markup-compatibility/2006">
+        <mc:Choice xmlns:a14="http://schemas.microsoft.com/office/drawing/2010/main" Requires="a14">
+          <p:sp>
+            <p:nvSpPr>
+              <p:cNvPr id="3" name="Content Placeholder 2">
+                <a:extLst>
+                  <a:ext uri="{FF2B5EF4-FFF2-40B4-BE49-F238E27FC236}">
+                    <a16:creationId xmlns:a16="http://schemas.microsoft.com/office/drawing/2014/main" id="{5A717BAA-D4BA-C7EB-5696-203603829C7C}"/>
+                  </a:ext>
+                </a:extLst>
+              </p:cNvPr>
+              <p:cNvSpPr>
+                <a:spLocks noGrp="1"/>
+              </p:cNvSpPr>
+              <p:nvPr>
+                <p:ph idx="1"/>
+              </p:nvPr>
+            </p:nvSpPr>
+            <p:spPr>
+              <a:xfrm>
+                <a:off x="628649" y="1825625"/>
+                <a:ext cx="7963259" cy="4351338"/>
+              </a:xfrm>
+            </p:spPr>
+            <p:txBody>
+              <a:bodyPr>
+                <a:normAutofit/>
+              </a:bodyPr>
+              <a:lstStyle/>
+              <a:p>
+                <a:r>
+                  <a:rPr lang="en-US" dirty="0"/>
+                  <a:t>When one good is a “bad,” our previous method does not always work. For instance:</a:t>
+                </a:r>
+              </a:p>
+              <a:p>
+                <a:endParaRPr lang="en-US" sz="100" dirty="0"/>
+              </a:p>
+              <a:p>
+                <a:pPr marL="0" indent="0">
+                  <a:buNone/>
+                </a:pPr>
+                <a14:m>
+                  <m:oMathPara xmlns:m="http://schemas.openxmlformats.org/officeDocument/2006/math">
+                    <m:oMathParaPr>
+                      <m:jc m:val="centerGroup"/>
+                    </m:oMathParaPr>
+                    <m:oMath xmlns:m="http://schemas.openxmlformats.org/officeDocument/2006/math">
+                      <m:r>
+                        <a:rPr lang="en-US" i="1" dirty="0" smtClean="0">
+                          <a:solidFill>
+                            <a:schemeClr val="tx1"/>
+                          </a:solidFill>
+                          <a:latin typeface="Cambria Math" panose="02040503050406030204" pitchFamily="18" charset="0"/>
+                        </a:rPr>
+                        <m:t>𝑢</m:t>
+                      </m:r>
+                      <m:d>
+                        <m:dPr>
+                          <m:ctrlPr>
+                            <a:rPr lang="en-US" b="0" i="1" dirty="0" smtClean="0">
+                              <a:solidFill>
+                                <a:schemeClr val="tx1"/>
+                              </a:solidFill>
+                              <a:latin typeface="Cambria Math" panose="02040503050406030204" pitchFamily="18" charset="0"/>
+                            </a:rPr>
+                          </m:ctrlPr>
+                        </m:dPr>
+                        <m:e>
+                          <m:r>
+                            <a:rPr lang="en-US" b="0" i="1" dirty="0" smtClean="0">
+                              <a:solidFill>
+                                <a:schemeClr val="tx1"/>
+                              </a:solidFill>
+                              <a:latin typeface="Cambria Math" panose="02040503050406030204" pitchFamily="18" charset="0"/>
+                            </a:rPr>
+                            <m:t>𝑥</m:t>
+                          </m:r>
+                          <m:r>
+                            <a:rPr lang="en-US" b="0" i="1" dirty="0" smtClean="0">
+                              <a:solidFill>
+                                <a:schemeClr val="tx1"/>
+                              </a:solidFill>
+                              <a:latin typeface="Cambria Math" panose="02040503050406030204" pitchFamily="18" charset="0"/>
+                            </a:rPr>
+                            <m:t>,</m:t>
+                          </m:r>
+                          <m:r>
+                            <a:rPr lang="en-US" b="0" i="1" dirty="0" smtClean="0">
+                              <a:solidFill>
+                                <a:schemeClr val="tx1"/>
+                              </a:solidFill>
+                              <a:latin typeface="Cambria Math" panose="02040503050406030204" pitchFamily="18" charset="0"/>
+                            </a:rPr>
+                            <m:t>𝑦</m:t>
+                          </m:r>
+                        </m:e>
+                      </m:d>
+                      <m:r>
+                        <a:rPr lang="en-US" b="0" i="1" dirty="0" smtClean="0">
+                          <a:solidFill>
+                            <a:schemeClr val="tx1"/>
+                          </a:solidFill>
+                          <a:latin typeface="Cambria Math" panose="02040503050406030204" pitchFamily="18" charset="0"/>
+                        </a:rPr>
+                        <m:t>=</m:t>
+                      </m:r>
+                      <m:r>
+                        <a:rPr lang="en-US" b="0" i="1" dirty="0" smtClean="0">
+                          <a:solidFill>
+                            <a:schemeClr val="tx1"/>
+                          </a:solidFill>
+                          <a:latin typeface="Cambria Math" panose="02040503050406030204" pitchFamily="18" charset="0"/>
+                        </a:rPr>
+                        <m:t>𝑦</m:t>
+                      </m:r>
+                      <m:r>
+                        <a:rPr lang="en-US" b="0" i="1" dirty="0" smtClean="0">
+                          <a:solidFill>
+                            <a:schemeClr val="tx1"/>
+                          </a:solidFill>
+                          <a:latin typeface="Cambria Math" panose="02040503050406030204" pitchFamily="18" charset="0"/>
+                        </a:rPr>
+                        <m:t>−2</m:t>
+                      </m:r>
+                      <m:rad>
+                        <m:radPr>
+                          <m:degHide m:val="on"/>
+                          <m:ctrlPr>
+                            <a:rPr lang="en-US" b="0" i="1" dirty="0" smtClean="0">
+                              <a:solidFill>
+                                <a:schemeClr val="tx1"/>
+                              </a:solidFill>
+                              <a:latin typeface="Cambria Math" panose="02040503050406030204" pitchFamily="18" charset="0"/>
+                            </a:rPr>
+                          </m:ctrlPr>
+                        </m:radPr>
+                        <m:deg/>
+                        <m:e>
+                          <m:r>
+                            <a:rPr lang="en-US" b="0" i="1" dirty="0" smtClean="0">
+                              <a:solidFill>
+                                <a:schemeClr val="tx1"/>
+                              </a:solidFill>
+                              <a:latin typeface="Cambria Math" panose="02040503050406030204" pitchFamily="18" charset="0"/>
+                            </a:rPr>
+                            <m:t>𝑥</m:t>
+                          </m:r>
+                        </m:e>
+                      </m:rad>
+                    </m:oMath>
+                  </m:oMathPara>
+                </a14:m>
+                <a:endParaRPr lang="en-US" sz="1000" dirty="0"/>
+              </a:p>
+              <a:p>
+                <a:pPr marL="0" indent="0">
+                  <a:buNone/>
+                </a:pPr>
+                <a:endParaRPr lang="en-US" sz="1000" dirty="0"/>
+              </a:p>
+              <a:p>
+                <a:r>
+                  <a:rPr lang="en-US" dirty="0"/>
+                  <a:t>Each unit of </a:t>
+                </a:r>
+                <a14:m>
+                  <m:oMath xmlns:m="http://schemas.openxmlformats.org/officeDocument/2006/math">
+                    <m:r>
+                      <a:rPr lang="en-US" i="1" dirty="0" smtClean="0">
+                        <a:latin typeface="Cambria Math" panose="02040503050406030204" pitchFamily="18" charset="0"/>
+                      </a:rPr>
+                      <m:t>𝑥</m:t>
+                    </m:r>
+                  </m:oMath>
+                </a14:m>
+                <a:r>
+                  <a:rPr lang="en-US" dirty="0"/>
+                  <a:t> negatively impacts overall utility.</a:t>
+                </a:r>
+                <a:endParaRPr lang="en-US" sz="500" dirty="0"/>
+              </a:p>
+              <a:p>
+                <a:pPr lvl="3"/>
+                <a:endParaRPr lang="en-US" sz="1000" dirty="0"/>
+              </a:p>
+              <a:p>
+                <a:r>
+                  <a:rPr lang="en-US" dirty="0"/>
+                  <a:t>The indifference curves in this special case “slopes upward,” since strong monotonicity is violated.</a:t>
+                </a:r>
+              </a:p>
+              <a:p>
+                <a:pPr lvl="3"/>
+                <a:endParaRPr lang="en-US" sz="1000" dirty="0"/>
+              </a:p>
+              <a:p>
+                <a:r>
+                  <a:rPr lang="en-US" dirty="0"/>
+                  <a:t>In </a:t>
+                </a:r>
+                <a:r>
+                  <a:rPr lang="en-US" i="1" dirty="0"/>
+                  <a:t>most</a:t>
+                </a:r>
+                <a:r>
+                  <a:rPr lang="en-US" dirty="0"/>
+                  <a:t> cases, we will end up with a corner solution where the consumer purchases 0 units of the “bad.”</a:t>
+                </a:r>
+              </a:p>
+            </p:txBody>
+          </p:sp>
+        </mc:Choice>
+        <mc:Fallback>
+          <p:sp>
+            <p:nvSpPr>
+              <p:cNvPr id="3" name="Content Placeholder 2">
+                <a:extLst>
+                  <a:ext uri="{FF2B5EF4-FFF2-40B4-BE49-F238E27FC236}">
+                    <a16:creationId xmlns:a16="http://schemas.microsoft.com/office/drawing/2014/main" id="{5A717BAA-D4BA-C7EB-5696-203603829C7C}"/>
+                  </a:ext>
+                </a:extLst>
+              </p:cNvPr>
+              <p:cNvSpPr>
+                <a:spLocks noGrp="1" noRot="1" noChangeAspect="1" noMove="1" noResize="1" noEditPoints="1" noAdjustHandles="1" noChangeArrowheads="1" noChangeShapeType="1" noTextEdit="1"/>
+              </p:cNvSpPr>
+              <p:nvPr>
+                <p:ph idx="1"/>
+              </p:nvPr>
+            </p:nvSpPr>
+            <p:spPr>
+              <a:xfrm>
+                <a:off x="628649" y="1825625"/>
+                <a:ext cx="7963259" cy="4351338"/>
+              </a:xfrm>
+              <a:blipFill>
+                <a:blip r:embed="rId3"/>
+                <a:stretch>
+                  <a:fillRect l="-995" t="-1821" r="-995"/>
+                </a:stretch>
+              </a:blipFill>
+            </p:spPr>
+            <p:txBody>
+              <a:bodyPr/>
+              <a:lstStyle/>
+              <a:p>
+                <a:r>
+                  <a:rPr lang="en-US">
+                    <a:noFill/>
+                  </a:rPr>
+                  <a:t> </a:t>
+                </a:r>
+              </a:p>
+            </p:txBody>
+          </p:sp>
+        </mc:Fallback>
+      </mc:AlternateContent>
+      <p:sp>
+        <p:nvSpPr>
+          <p:cNvPr id="4" name="Date Placeholder 3">
+            <a:extLst>
+              <a:ext uri="{FF2B5EF4-FFF2-40B4-BE49-F238E27FC236}">
+                <a16:creationId xmlns:a16="http://schemas.microsoft.com/office/drawing/2014/main" id="{B09CFCAE-B4E3-649B-FDB7-488E4E51258C}"/>
+              </a:ext>
+            </a:extLst>
+          </p:cNvPr>
+          <p:cNvSpPr>
+            <a:spLocks noGrp="1"/>
+          </p:cNvSpPr>
+          <p:nvPr>
+            <p:ph type="dt" sz="half" idx="10"/>
+          </p:nvPr>
+        </p:nvSpPr>
+        <p:spPr/>
+        <p:txBody>
+          <a:bodyPr/>
+          <a:lstStyle/>
+          <a:p>
+            <a:r>
+              <a:rPr lang="en-US"/>
+              <a:t>Fall 2023</a:t>
+            </a:r>
+            <a:endParaRPr lang="en-US" dirty="0"/>
+          </a:p>
+        </p:txBody>
+      </p:sp>
+      <p:sp>
+        <p:nvSpPr>
+          <p:cNvPr id="5" name="Footer Placeholder 4">
+            <a:extLst>
+              <a:ext uri="{FF2B5EF4-FFF2-40B4-BE49-F238E27FC236}">
+                <a16:creationId xmlns:a16="http://schemas.microsoft.com/office/drawing/2014/main" id="{52AC4525-C5C8-8596-B2EA-0E2C5344302C}"/>
+              </a:ext>
+            </a:extLst>
+          </p:cNvPr>
+          <p:cNvSpPr>
+            <a:spLocks noGrp="1"/>
+          </p:cNvSpPr>
+          <p:nvPr>
+            <p:ph type="ftr" sz="quarter" idx="11"/>
+          </p:nvPr>
+        </p:nvSpPr>
+        <p:spPr/>
+        <p:txBody>
+          <a:bodyPr/>
+          <a:lstStyle/>
+          <a:p>
+            <a:r>
+              <a:rPr lang="en-US"/>
+              <a:t>DEPARTMENT OF BUSINESS &amp; ECONOMICS</a:t>
+            </a:r>
+            <a:endParaRPr lang="en-US" dirty="0"/>
+          </a:p>
+        </p:txBody>
+      </p:sp>
+      <p:sp>
+        <p:nvSpPr>
+          <p:cNvPr id="6" name="Slide Number Placeholder 5">
+            <a:extLst>
+              <a:ext uri="{FF2B5EF4-FFF2-40B4-BE49-F238E27FC236}">
+                <a16:creationId xmlns:a16="http://schemas.microsoft.com/office/drawing/2014/main" id="{1E261E69-6082-7B91-F48A-C4702A4B503E}"/>
+              </a:ext>
+            </a:extLst>
+          </p:cNvPr>
+          <p:cNvSpPr>
+            <a:spLocks noGrp="1"/>
+          </p:cNvSpPr>
+          <p:nvPr>
+            <p:ph type="sldNum" sz="quarter" idx="12"/>
+          </p:nvPr>
+        </p:nvSpPr>
+        <p:spPr/>
+        <p:txBody>
+          <a:bodyPr/>
+          <a:lstStyle/>
+          <a:p>
+            <a:fld id="{1A980C56-831A-4EAB-9EDE-57C090F4F877}" type="slidenum">
+              <a:rPr lang="en-US" smtClean="0"/>
+              <a:t>22</a:t>
+            </a:fld>
+            <a:endParaRPr lang="en-US" dirty="0"/>
+          </a:p>
+        </p:txBody>
+      </p:sp>
+    </p:spTree>
+    <p:extLst>
+      <p:ext uri="{BB962C8B-B14F-4D97-AF65-F5344CB8AC3E}">
+        <p14:creationId xmlns:p14="http://schemas.microsoft.com/office/powerpoint/2010/main" val="233168813"/>
+      </p:ext>
+    </p:extLst>
+  </p:cSld>
+  <p:clrMapOvr>
+    <a:masterClrMapping/>
+  </p:clrMapOvr>
+  <p:timing>
+    <p:tnLst>
+      <p:par>
+        <p:cTn id="1" dur="indefinite" restart="never" nodeType="tmRoot">
+          <p:childTnLst>
+            <p:seq concurrent="1" nextAc="seek">
+              <p:cTn id="2" dur="indefinite" nodeType="mainSeq">
+                <p:childTnLst>
+                  <p:par>
+                    <p:cTn id="3" fill="hold">
+                      <p:stCondLst>
+                        <p:cond delay="indefinite"/>
+                      </p:stCondLst>
+                      <p:childTnLst>
+                        <p:par>
+                          <p:cTn id="4" fill="hold">
+                            <p:stCondLst>
+                              <p:cond delay="0"/>
+                            </p:stCondLst>
+                            <p:childTnLst>
+                              <p:par>
+                                <p:cTn id="5" presetID="10" presetClass="entr" presetSubtype="0" fill="hold" nodeType="clickEffect">
+                                  <p:stCondLst>
+                                    <p:cond delay="0"/>
+                                  </p:stCondLst>
+                                  <p:childTnLst>
+                                    <p:set>
+                                      <p:cBhvr>
+                                        <p:cTn id="6" dur="1" fill="hold">
+                                          <p:stCondLst>
+                                            <p:cond delay="0"/>
+                                          </p:stCondLst>
+                                        </p:cTn>
+                                        <p:tgtEl>
+                                          <p:spTgt spid="3">
+                                            <p:txEl>
+                                              <p:pRg st="0" end="0"/>
+                                            </p:txEl>
+                                          </p:spTgt>
+                                        </p:tgtEl>
+                                        <p:attrNameLst>
+                                          <p:attrName>style.visibility</p:attrName>
+                                        </p:attrNameLst>
+                                      </p:cBhvr>
+                                      <p:to>
+                                        <p:strVal val="visible"/>
+                                      </p:to>
+                                    </p:set>
+                                    <p:animEffect transition="in" filter="fade">
+                                      <p:cBhvr>
+                                        <p:cTn id="7" dur="500"/>
+                                        <p:tgtEl>
+                                          <p:spTgt spid="3">
+                                            <p:txEl>
+                                              <p:pRg st="0" end="0"/>
+                                            </p:txEl>
+                                          </p:spTgt>
+                                        </p:tgtEl>
+                                      </p:cBhvr>
+                                    </p:animEffect>
+                                  </p:childTnLst>
+                                </p:cTn>
+                              </p:par>
+                            </p:childTnLst>
+                          </p:cTn>
+                        </p:par>
+                      </p:childTnLst>
+                    </p:cTn>
+                  </p:par>
+                  <p:par>
+                    <p:cTn id="8" fill="hold">
+                      <p:stCondLst>
+                        <p:cond delay="indefinite"/>
+                      </p:stCondLst>
+                      <p:childTnLst>
+                        <p:par>
+                          <p:cTn id="9" fill="hold">
+                            <p:stCondLst>
+                              <p:cond delay="0"/>
+                            </p:stCondLst>
+                            <p:childTnLst>
+                              <p:par>
+                                <p:cTn id="10" presetID="10" presetClass="entr" presetSubtype="0" fill="hold" nodeType="clickEffect">
+                                  <p:stCondLst>
+                                    <p:cond delay="0"/>
+                                  </p:stCondLst>
+                                  <p:childTnLst>
+                                    <p:set>
+                                      <p:cBhvr>
+                                        <p:cTn id="11" dur="1" fill="hold">
+                                          <p:stCondLst>
+                                            <p:cond delay="0"/>
+                                          </p:stCondLst>
+                                        </p:cTn>
+                                        <p:tgtEl>
+                                          <p:spTgt spid="3">
+                                            <p:txEl>
+                                              <p:pRg st="2" end="2"/>
+                                            </p:txEl>
+                                          </p:spTgt>
+                                        </p:tgtEl>
+                                        <p:attrNameLst>
+                                          <p:attrName>style.visibility</p:attrName>
+                                        </p:attrNameLst>
+                                      </p:cBhvr>
+                                      <p:to>
+                                        <p:strVal val="visible"/>
+                                      </p:to>
+                                    </p:set>
+                                    <p:animEffect transition="in" filter="fade">
+                                      <p:cBhvr>
+                                        <p:cTn id="12" dur="500"/>
+                                        <p:tgtEl>
+                                          <p:spTgt spid="3">
+                                            <p:txEl>
+                                              <p:pRg st="2" end="2"/>
+                                            </p:txEl>
+                                          </p:spTgt>
+                                        </p:tgtEl>
+                                      </p:cBhvr>
+                                    </p:animEffect>
+                                  </p:childTnLst>
+                                </p:cTn>
+                              </p:par>
+                            </p:childTnLst>
+                          </p:cTn>
+                        </p:par>
+                      </p:childTnLst>
+                    </p:cTn>
+                  </p:par>
+                  <p:par>
+                    <p:cTn id="13" fill="hold">
+                      <p:stCondLst>
+                        <p:cond delay="indefinite"/>
+                      </p:stCondLst>
+                      <p:childTnLst>
+                        <p:par>
+                          <p:cTn id="14" fill="hold">
+                            <p:stCondLst>
+                              <p:cond delay="0"/>
+                            </p:stCondLst>
+                            <p:childTnLst>
+                              <p:par>
+                                <p:cTn id="15" presetID="10" presetClass="entr" presetSubtype="0" fill="hold" nodeType="clickEffect">
+                                  <p:stCondLst>
+                                    <p:cond delay="0"/>
+                                  </p:stCondLst>
+                                  <p:childTnLst>
+                                    <p:set>
+                                      <p:cBhvr>
+                                        <p:cTn id="16" dur="1" fill="hold">
+                                          <p:stCondLst>
+                                            <p:cond delay="0"/>
+                                          </p:stCondLst>
+                                        </p:cTn>
+                                        <p:tgtEl>
+                                          <p:spTgt spid="3">
+                                            <p:txEl>
+                                              <p:pRg st="4" end="4"/>
+                                            </p:txEl>
+                                          </p:spTgt>
+                                        </p:tgtEl>
+                                        <p:attrNameLst>
+                                          <p:attrName>style.visibility</p:attrName>
+                                        </p:attrNameLst>
+                                      </p:cBhvr>
+                                      <p:to>
+                                        <p:strVal val="visible"/>
+                                      </p:to>
+                                    </p:set>
+                                    <p:animEffect transition="in" filter="fade">
+                                      <p:cBhvr>
+                                        <p:cTn id="17" dur="500"/>
+                                        <p:tgtEl>
+                                          <p:spTgt spid="3">
+                                            <p:txEl>
+                                              <p:pRg st="4" end="4"/>
+                                            </p:txEl>
+                                          </p:spTgt>
+                                        </p:tgtEl>
+                                      </p:cBhvr>
+                                    </p:animEffect>
+                                  </p:childTnLst>
+                                </p:cTn>
+                              </p:par>
+                            </p:childTnLst>
+                          </p:cTn>
+                        </p:par>
+                      </p:childTnLst>
+                    </p:cTn>
+                  </p:par>
+                  <p:par>
+                    <p:cTn id="18" fill="hold">
+                      <p:stCondLst>
+                        <p:cond delay="indefinite"/>
+                      </p:stCondLst>
+                      <p:childTnLst>
+                        <p:par>
+                          <p:cTn id="19" fill="hold">
+                            <p:stCondLst>
+                              <p:cond delay="0"/>
+                            </p:stCondLst>
+                            <p:childTnLst>
+                              <p:par>
+                                <p:cTn id="20" presetID="10" presetClass="entr" presetSubtype="0" fill="hold" nodeType="clickEffect">
+                                  <p:stCondLst>
+                                    <p:cond delay="0"/>
+                                  </p:stCondLst>
+                                  <p:childTnLst>
+                                    <p:set>
+                                      <p:cBhvr>
+                                        <p:cTn id="21" dur="1" fill="hold">
+                                          <p:stCondLst>
+                                            <p:cond delay="0"/>
+                                          </p:stCondLst>
+                                        </p:cTn>
+                                        <p:tgtEl>
+                                          <p:spTgt spid="3">
+                                            <p:txEl>
+                                              <p:pRg st="6" end="6"/>
+                                            </p:txEl>
+                                          </p:spTgt>
+                                        </p:tgtEl>
+                                        <p:attrNameLst>
+                                          <p:attrName>style.visibility</p:attrName>
+                                        </p:attrNameLst>
+                                      </p:cBhvr>
+                                      <p:to>
+                                        <p:strVal val="visible"/>
+                                      </p:to>
+                                    </p:set>
+                                    <p:animEffect transition="in" filter="fade">
+                                      <p:cBhvr>
+                                        <p:cTn id="22" dur="500"/>
+                                        <p:tgtEl>
+                                          <p:spTgt spid="3">
+                                            <p:txEl>
+                                              <p:pRg st="6" end="6"/>
+                                            </p:txEl>
+                                          </p:spTgt>
+                                        </p:tgtEl>
+                                      </p:cBhvr>
+                                    </p:animEffect>
+                                  </p:childTnLst>
+                                </p:cTn>
+                              </p:par>
+                            </p:childTnLst>
+                          </p:cTn>
+                        </p:par>
+                      </p:childTnLst>
+                    </p:cTn>
+                  </p:par>
+                  <p:par>
+                    <p:cTn id="23" fill="hold">
+                      <p:stCondLst>
+                        <p:cond delay="indefinite"/>
+                      </p:stCondLst>
+                      <p:childTnLst>
+                        <p:par>
+                          <p:cTn id="24" fill="hold">
+                            <p:stCondLst>
+                              <p:cond delay="0"/>
+                            </p:stCondLst>
+                            <p:childTnLst>
+                              <p:par>
+                                <p:cTn id="25" presetID="10" presetClass="entr" presetSubtype="0" fill="hold" nodeType="clickEffect">
+                                  <p:stCondLst>
+                                    <p:cond delay="0"/>
+                                  </p:stCondLst>
+                                  <p:childTnLst>
+                                    <p:set>
+                                      <p:cBhvr>
+                                        <p:cTn id="26" dur="1" fill="hold">
+                                          <p:stCondLst>
+                                            <p:cond delay="0"/>
+                                          </p:stCondLst>
+                                        </p:cTn>
+                                        <p:tgtEl>
+                                          <p:spTgt spid="3">
+                                            <p:txEl>
+                                              <p:pRg st="8" end="8"/>
+                                            </p:txEl>
+                                          </p:spTgt>
+                                        </p:tgtEl>
+                                        <p:attrNameLst>
+                                          <p:attrName>style.visibility</p:attrName>
+                                        </p:attrNameLst>
+                                      </p:cBhvr>
+                                      <p:to>
+                                        <p:strVal val="visible"/>
+                                      </p:to>
+                                    </p:set>
+                                    <p:animEffect transition="in" filter="fade">
+                                      <p:cBhvr>
+                                        <p:cTn id="27" dur="500"/>
+                                        <p:tgtEl>
+                                          <p:spTgt spid="3">
+                                            <p:txEl>
+                                              <p:pRg st="8" end="8"/>
+                                            </p:txEl>
+                                          </p:spTgt>
+                                        </p:tgtEl>
+                                      </p:cBhvr>
+                                    </p:animEffect>
+                                  </p:childTnLst>
+                                </p:cTn>
+                              </p:par>
+                            </p:childTnLst>
+                          </p:cTn>
+                        </p:par>
+                      </p:childTnLst>
+                    </p:cTn>
+                  </p:par>
+                </p:childTnLst>
+              </p:cTn>
+              <p:prevCondLst>
+                <p:cond evt="onPrev" delay="0">
+                  <p:tgtEl>
+                    <p:sldTgt/>
+                  </p:tgtEl>
+                </p:cond>
+              </p:prevCondLst>
+              <p:nextCondLst>
+                <p:cond evt="onNext" delay="0">
+                  <p:tgtEl>
+                    <p:sldTgt/>
+                  </p:tgtEl>
+                </p:cond>
+              </p:nextCondLst>
+            </p:seq>
+          </p:childTnLst>
+        </p:cTn>
+      </p:par>
+    </p:tnLst>
+  </p:timing>
+</p:sld>
+</file>
+
+<file path=ppt/slides/slide23.xml><?xml version="1.0" encoding="utf-8"?>
+<p:sld xmlns:a="http://schemas.openxmlformats.org/drawingml/2006/main" xmlns:r="http://schemas.openxmlformats.org/officeDocument/2006/relationships" xmlns:p="http://schemas.openxmlformats.org/presentationml/2006/main">
+  <p:cSld>
+    <p:spTree>
+      <p:nvGrpSpPr>
+        <p:cNvPr id="1" name=""/>
+        <p:cNvGrpSpPr/>
+        <p:nvPr/>
+      </p:nvGrpSpPr>
+      <p:grpSpPr>
+        <a:xfrm>
+          <a:off x="0" y="0"/>
+          <a:ext cx="0" cy="0"/>
+          <a:chOff x="0" y="0"/>
+          <a:chExt cx="0" cy="0"/>
+        </a:xfrm>
+      </p:grpSpPr>
+      <mc:AlternateContent xmlns:mc="http://schemas.openxmlformats.org/markup-compatibility/2006">
+        <mc:Choice xmlns:a14="http://schemas.microsoft.com/office/drawing/2010/main" Requires="a14">
+          <p:sp>
+            <p:nvSpPr>
+              <p:cNvPr id="2" name="Title 1">
+                <a:extLst>
+                  <a:ext uri="{FF2B5EF4-FFF2-40B4-BE49-F238E27FC236}">
+                    <a16:creationId xmlns:a16="http://schemas.microsoft.com/office/drawing/2014/main" id="{731F3674-22AC-246F-B45B-157621D9CF03}"/>
+                  </a:ext>
+                </a:extLst>
+              </p:cNvPr>
+              <p:cNvSpPr>
+                <a:spLocks noGrp="1"/>
+              </p:cNvSpPr>
+              <p:nvPr>
+                <p:ph type="title"/>
+              </p:nvPr>
+            </p:nvSpPr>
+            <p:spPr/>
+            <p:txBody>
+              <a:bodyPr/>
+              <a:lstStyle/>
+              <a:p>
+                <a:r>
+                  <a:rPr lang="en-US" dirty="0"/>
+                  <a:t>Special Case: When </a:t>
+                </a:r>
+                <a14:m>
+                  <m:oMath xmlns:m="http://schemas.openxmlformats.org/officeDocument/2006/math">
+                    <m:r>
+                      <a:rPr lang="en-US" i="1" dirty="0" smtClean="0">
+                        <a:latin typeface="Cambria Math" panose="02040503050406030204" pitchFamily="18" charset="0"/>
+                      </a:rPr>
+                      <m:t>𝑥</m:t>
+                    </m:r>
+                  </m:oMath>
+                </a14:m>
+                <a:r>
+                  <a:rPr lang="en-US" dirty="0"/>
+                  <a:t> is a “Bad”</a:t>
+                </a:r>
+              </a:p>
+            </p:txBody>
+          </p:sp>
+        </mc:Choice>
+        <mc:Fallback>
+          <p:sp>
+            <p:nvSpPr>
+              <p:cNvPr id="2" name="Title 1">
+                <a:extLst>
+                  <a:ext uri="{FF2B5EF4-FFF2-40B4-BE49-F238E27FC236}">
+                    <a16:creationId xmlns:a16="http://schemas.microsoft.com/office/drawing/2014/main" id="{731F3674-22AC-246F-B45B-157621D9CF03}"/>
+                  </a:ext>
+                </a:extLst>
+              </p:cNvPr>
+              <p:cNvSpPr>
+                <a:spLocks noGrp="1" noRot="1" noChangeAspect="1" noMove="1" noResize="1" noEditPoints="1" noAdjustHandles="1" noChangeArrowheads="1" noChangeShapeType="1" noTextEdit="1"/>
+              </p:cNvSpPr>
+              <p:nvPr>
+                <p:ph type="title"/>
+              </p:nvPr>
+            </p:nvSpPr>
+            <p:spPr>
+              <a:blipFill>
+                <a:blip r:embed="rId2"/>
+                <a:stretch>
+                  <a:fillRect/>
+                </a:stretch>
+              </a:blipFill>
+            </p:spPr>
+            <p:txBody>
+              <a:bodyPr/>
+              <a:lstStyle/>
+              <a:p>
+                <a:r>
+                  <a:rPr lang="en-US">
+                    <a:noFill/>
+                  </a:rPr>
+                  <a:t> </a:t>
+                </a:r>
+              </a:p>
+            </p:txBody>
+          </p:sp>
+        </mc:Fallback>
+      </mc:AlternateContent>
+      <mc:AlternateContent xmlns:mc="http://schemas.openxmlformats.org/markup-compatibility/2006">
+        <mc:Choice xmlns:a14="http://schemas.microsoft.com/office/drawing/2010/main" Requires="a14">
+          <p:sp>
+            <p:nvSpPr>
+              <p:cNvPr id="4" name="Content Placeholder 3">
+                <a:extLst>
+                  <a:ext uri="{FF2B5EF4-FFF2-40B4-BE49-F238E27FC236}">
+                    <a16:creationId xmlns:a16="http://schemas.microsoft.com/office/drawing/2014/main" id="{761CA449-AA0A-6045-AEA2-BF819771983A}"/>
+                  </a:ext>
+                </a:extLst>
+              </p:cNvPr>
+              <p:cNvSpPr>
+                <a:spLocks noGrp="1"/>
+              </p:cNvSpPr>
+              <p:nvPr>
+                <p:ph sz="half" idx="2"/>
+              </p:nvPr>
+            </p:nvSpPr>
+            <p:spPr>
+              <a:xfrm>
+                <a:off x="4629150" y="1825625"/>
+                <a:ext cx="4187046" cy="4351338"/>
+              </a:xfrm>
+            </p:spPr>
+            <p:txBody>
+              <a:bodyPr/>
+              <a:lstStyle/>
+              <a:p>
+                <a:r>
+                  <a:rPr lang="en-US" dirty="0"/>
+                  <a:t>Utility increases for bundles with less </a:t>
+                </a:r>
+                <a14:m>
+                  <m:oMath xmlns:m="http://schemas.openxmlformats.org/officeDocument/2006/math">
+                    <m:r>
+                      <a:rPr lang="en-US" i="1" dirty="0" smtClean="0">
+                        <a:latin typeface="Cambria Math" panose="02040503050406030204" pitchFamily="18" charset="0"/>
+                      </a:rPr>
+                      <m:t>𝑥</m:t>
+                    </m:r>
+                  </m:oMath>
+                </a14:m>
+                <a:r>
+                  <a:rPr lang="en-US" dirty="0"/>
+                  <a:t> given the same </a:t>
+                </a:r>
+                <a14:m>
+                  <m:oMath xmlns:m="http://schemas.openxmlformats.org/officeDocument/2006/math">
+                    <m:r>
+                      <a:rPr lang="en-US" i="1" dirty="0" smtClean="0">
+                        <a:latin typeface="Cambria Math" panose="02040503050406030204" pitchFamily="18" charset="0"/>
+                      </a:rPr>
+                      <m:t>𝑦</m:t>
+                    </m:r>
+                  </m:oMath>
+                </a14:m>
+                <a:r>
+                  <a:rPr lang="en-US" dirty="0"/>
+                  <a:t>.</a:t>
+                </a:r>
+              </a:p>
+              <a:p>
+                <a:endParaRPr lang="en-US" dirty="0"/>
+              </a:p>
+              <a:p>
+                <a:r>
+                  <a:rPr lang="en-US" dirty="0"/>
+                  <a:t>Generally, we will end up with a corner solution where the entire budget is spent on the “good,” while the “bad” is ignored.</a:t>
+                </a:r>
+              </a:p>
+            </p:txBody>
+          </p:sp>
+        </mc:Choice>
+        <mc:Fallback>
+          <p:sp>
+            <p:nvSpPr>
+              <p:cNvPr id="4" name="Content Placeholder 3">
+                <a:extLst>
+                  <a:ext uri="{FF2B5EF4-FFF2-40B4-BE49-F238E27FC236}">
+                    <a16:creationId xmlns:a16="http://schemas.microsoft.com/office/drawing/2014/main" id="{761CA449-AA0A-6045-AEA2-BF819771983A}"/>
+                  </a:ext>
+                </a:extLst>
+              </p:cNvPr>
+              <p:cNvSpPr>
+                <a:spLocks noGrp="1" noRot="1" noChangeAspect="1" noMove="1" noResize="1" noEditPoints="1" noAdjustHandles="1" noChangeArrowheads="1" noChangeShapeType="1" noTextEdit="1"/>
+              </p:cNvSpPr>
+              <p:nvPr>
+                <p:ph sz="half" idx="2"/>
+              </p:nvPr>
+            </p:nvSpPr>
+            <p:spPr>
+              <a:xfrm>
+                <a:off x="4629150" y="1825625"/>
+                <a:ext cx="4187046" cy="4351338"/>
+              </a:xfrm>
+              <a:blipFill>
+                <a:blip r:embed="rId3"/>
+                <a:stretch>
+                  <a:fillRect l="-1892" t="-1821" r="-4076"/>
+                </a:stretch>
+              </a:blipFill>
+            </p:spPr>
+            <p:txBody>
+              <a:bodyPr/>
+              <a:lstStyle/>
+              <a:p>
+                <a:r>
+                  <a:rPr lang="en-US">
+                    <a:noFill/>
+                  </a:rPr>
+                  <a:t> </a:t>
+                </a:r>
+              </a:p>
+            </p:txBody>
+          </p:sp>
+        </mc:Fallback>
+      </mc:AlternateContent>
+      <p:sp>
+        <p:nvSpPr>
+          <p:cNvPr id="5" name="Date Placeholder 4">
+            <a:extLst>
+              <a:ext uri="{FF2B5EF4-FFF2-40B4-BE49-F238E27FC236}">
+                <a16:creationId xmlns:a16="http://schemas.microsoft.com/office/drawing/2014/main" id="{8AEF68FA-C933-E266-56A1-0C5AEE18A978}"/>
+              </a:ext>
+            </a:extLst>
+          </p:cNvPr>
+          <p:cNvSpPr>
+            <a:spLocks noGrp="1"/>
+          </p:cNvSpPr>
+          <p:nvPr>
+            <p:ph type="dt" sz="half" idx="10"/>
+          </p:nvPr>
+        </p:nvSpPr>
+        <p:spPr/>
+        <p:txBody>
+          <a:bodyPr/>
+          <a:lstStyle/>
+          <a:p>
+            <a:r>
+              <a:rPr lang="en-US"/>
+              <a:t>Fall 2023</a:t>
+            </a:r>
+            <a:endParaRPr lang="en-US" dirty="0"/>
+          </a:p>
+        </p:txBody>
+      </p:sp>
+      <p:sp>
+        <p:nvSpPr>
+          <p:cNvPr id="6" name="Footer Placeholder 5">
+            <a:extLst>
+              <a:ext uri="{FF2B5EF4-FFF2-40B4-BE49-F238E27FC236}">
+                <a16:creationId xmlns:a16="http://schemas.microsoft.com/office/drawing/2014/main" id="{A1411FF5-3996-4FFF-32B4-AA75C69AE919}"/>
+              </a:ext>
+            </a:extLst>
+          </p:cNvPr>
+          <p:cNvSpPr>
+            <a:spLocks noGrp="1"/>
+          </p:cNvSpPr>
+          <p:nvPr>
+            <p:ph type="ftr" sz="quarter" idx="11"/>
+          </p:nvPr>
+        </p:nvSpPr>
+        <p:spPr/>
+        <p:txBody>
+          <a:bodyPr/>
+          <a:lstStyle/>
+          <a:p>
+            <a:r>
+              <a:rPr lang="en-US"/>
+              <a:t>DEPARTMENT OF BUSINESS &amp; ECONOMICS</a:t>
+            </a:r>
+            <a:endParaRPr lang="en-US" dirty="0"/>
+          </a:p>
+        </p:txBody>
+      </p:sp>
+      <p:sp>
+        <p:nvSpPr>
+          <p:cNvPr id="7" name="Slide Number Placeholder 6">
+            <a:extLst>
+              <a:ext uri="{FF2B5EF4-FFF2-40B4-BE49-F238E27FC236}">
+                <a16:creationId xmlns:a16="http://schemas.microsoft.com/office/drawing/2014/main" id="{FCEDEBEC-A633-B615-4E2B-91560C6637DC}"/>
+              </a:ext>
+            </a:extLst>
+          </p:cNvPr>
+          <p:cNvSpPr>
+            <a:spLocks noGrp="1"/>
+          </p:cNvSpPr>
+          <p:nvPr>
+            <p:ph type="sldNum" sz="quarter" idx="12"/>
+          </p:nvPr>
+        </p:nvSpPr>
+        <p:spPr/>
+        <p:txBody>
+          <a:bodyPr/>
+          <a:lstStyle/>
+          <a:p>
+            <a:fld id="{1A980C56-831A-4EAB-9EDE-57C090F4F877}" type="slidenum">
+              <a:rPr lang="en-US" smtClean="0"/>
+              <a:t>23</a:t>
+            </a:fld>
+            <a:endParaRPr lang="en-US" dirty="0"/>
+          </a:p>
+        </p:txBody>
+      </p:sp>
+      <p:pic>
+        <p:nvPicPr>
+          <p:cNvPr id="14" name="Content Placeholder 13" descr="A graph of colored lines&#10;&#10;Description automatically generated">
+            <a:extLst>
+              <a:ext uri="{FF2B5EF4-FFF2-40B4-BE49-F238E27FC236}">
+                <a16:creationId xmlns:a16="http://schemas.microsoft.com/office/drawing/2014/main" id="{0E6101D3-C857-11F2-B67F-AABD4F0A2B21}"/>
+              </a:ext>
+            </a:extLst>
+          </p:cNvPr>
+          <p:cNvPicPr>
+            <a:picLocks noGrp="1" noChangeAspect="1"/>
+          </p:cNvPicPr>
+          <p:nvPr>
+            <p:ph sz="half" idx="1"/>
+          </p:nvPr>
+        </p:nvPicPr>
+        <p:blipFill>
+          <a:blip r:embed="rId4">
+            <a:extLst>
+              <a:ext uri="{28A0092B-C50C-407E-A947-70E740481C1C}">
+                <a14:useLocalDpi xmlns:a14="http://schemas.microsoft.com/office/drawing/2010/main" val="0"/>
+              </a:ext>
+            </a:extLst>
+          </a:blip>
+          <a:stretch>
+            <a:fillRect/>
+          </a:stretch>
+        </p:blipFill>
+        <p:spPr>
+          <a:xfrm>
+            <a:off x="628650" y="1842294"/>
+            <a:ext cx="3886200" cy="4318000"/>
+          </a:xfrm>
+        </p:spPr>
+      </p:pic>
+      <p:pic>
+        <p:nvPicPr>
+          <p:cNvPr id="15" name="Content Placeholder 9">
+            <a:extLst>
+              <a:ext uri="{FF2B5EF4-FFF2-40B4-BE49-F238E27FC236}">
+                <a16:creationId xmlns:a16="http://schemas.microsoft.com/office/drawing/2014/main" id="{E0055771-2E47-B3FC-ECCA-5C9ECAF57EC4}"/>
+              </a:ext>
+            </a:extLst>
+          </p:cNvPr>
+          <p:cNvPicPr>
+            <a:picLocks noChangeAspect="1"/>
+          </p:cNvPicPr>
+          <p:nvPr/>
+        </p:nvPicPr>
+        <p:blipFill>
+          <a:blip r:embed="rId5">
+            <a:extLst>
+              <a:ext uri="{28A0092B-C50C-407E-A947-70E740481C1C}">
+                <a14:useLocalDpi xmlns:a14="http://schemas.microsoft.com/office/drawing/2010/main" val="0"/>
+              </a:ext>
+            </a:extLst>
+          </a:blip>
+          <a:stretch>
+            <a:fillRect/>
+          </a:stretch>
+        </p:blipFill>
+        <p:spPr>
+          <a:xfrm>
+            <a:off x="628650" y="1842294"/>
+            <a:ext cx="3886200" cy="4318000"/>
+          </a:xfrm>
+          <a:prstGeom prst="rect">
+            <a:avLst/>
+          </a:prstGeom>
+        </p:spPr>
+      </p:pic>
+      <p:pic>
+        <p:nvPicPr>
+          <p:cNvPr id="17" name="Content Placeholder 18">
+            <a:extLst>
+              <a:ext uri="{FF2B5EF4-FFF2-40B4-BE49-F238E27FC236}">
+                <a16:creationId xmlns:a16="http://schemas.microsoft.com/office/drawing/2014/main" id="{5FC80AA5-B78F-9FE6-9A73-92EE7D857451}"/>
+              </a:ext>
+            </a:extLst>
+          </p:cNvPr>
+          <p:cNvPicPr>
+            <a:picLocks noChangeAspect="1"/>
+          </p:cNvPicPr>
+          <p:nvPr/>
+        </p:nvPicPr>
+        <p:blipFill>
+          <a:blip r:embed="rId6">
+            <a:extLst>
+              <a:ext uri="{28A0092B-C50C-407E-A947-70E740481C1C}">
+                <a14:useLocalDpi xmlns:a14="http://schemas.microsoft.com/office/drawing/2010/main" val="0"/>
+              </a:ext>
+            </a:extLst>
+          </a:blip>
+          <a:stretch>
+            <a:fillRect/>
+          </a:stretch>
+        </p:blipFill>
+        <p:spPr>
+          <a:xfrm>
+            <a:off x="628650" y="1842294"/>
+            <a:ext cx="3886200" cy="4318000"/>
+          </a:xfrm>
+          <a:prstGeom prst="rect">
+            <a:avLst/>
+          </a:prstGeom>
+        </p:spPr>
+      </p:pic>
+    </p:spTree>
+    <p:extLst>
+      <p:ext uri="{BB962C8B-B14F-4D97-AF65-F5344CB8AC3E}">
+        <p14:creationId xmlns:p14="http://schemas.microsoft.com/office/powerpoint/2010/main" val="1713943171"/>
+      </p:ext>
+    </p:extLst>
+  </p:cSld>
+  <p:clrMapOvr>
+    <a:masterClrMapping/>
+  </p:clrMapOvr>
+  <p:timing>
+    <p:tnLst>
+      <p:par>
+        <p:cTn id="1" dur="indefinite" restart="never" nodeType="tmRoot">
+          <p:childTnLst>
+            <p:seq concurrent="1" nextAc="seek">
+              <p:cTn id="2" dur="indefinite" nodeType="mainSeq">
+                <p:childTnLst>
+                  <p:par>
+                    <p:cTn id="3" fill="hold">
+                      <p:stCondLst>
+                        <p:cond delay="indefinite"/>
+                      </p:stCondLst>
+                      <p:childTnLst>
+                        <p:par>
+                          <p:cTn id="4" fill="hold">
+                            <p:stCondLst>
+                              <p:cond delay="0"/>
+                            </p:stCondLst>
+                            <p:childTnLst>
+                              <p:par>
+                                <p:cTn id="5" presetID="10" presetClass="entr" presetSubtype="0" fill="hold" nodeType="clickEffect">
+                                  <p:stCondLst>
+                                    <p:cond delay="0"/>
+                                  </p:stCondLst>
+                                  <p:childTnLst>
+                                    <p:set>
+                                      <p:cBhvr>
+                                        <p:cTn id="6" dur="1" fill="hold">
+                                          <p:stCondLst>
+                                            <p:cond delay="0"/>
+                                          </p:stCondLst>
+                                        </p:cTn>
+                                        <p:tgtEl>
+                                          <p:spTgt spid="15"/>
+                                        </p:tgtEl>
+                                        <p:attrNameLst>
+                                          <p:attrName>style.visibility</p:attrName>
+                                        </p:attrNameLst>
+                                      </p:cBhvr>
+                                      <p:to>
+                                        <p:strVal val="visible"/>
+                                      </p:to>
+                                    </p:set>
+                                    <p:animEffect transition="in" filter="fade">
+                                      <p:cBhvr>
+                                        <p:cTn id="7" dur="500"/>
+                                        <p:tgtEl>
+                                          <p:spTgt spid="15"/>
+                                        </p:tgtEl>
+                                      </p:cBhvr>
+                                    </p:animEffect>
+                                  </p:childTnLst>
+                                </p:cTn>
+                              </p:par>
+                              <p:par>
+                                <p:cTn id="8" presetID="10" presetClass="entr" presetSubtype="0" fill="hold" nodeType="withEffect">
+                                  <p:stCondLst>
+                                    <p:cond delay="0"/>
+                                  </p:stCondLst>
+                                  <p:childTnLst>
+                                    <p:set>
+                                      <p:cBhvr>
+                                        <p:cTn id="9" dur="1" fill="hold">
+                                          <p:stCondLst>
+                                            <p:cond delay="0"/>
+                                          </p:stCondLst>
+                                        </p:cTn>
+                                        <p:tgtEl>
+                                          <p:spTgt spid="4">
+                                            <p:txEl>
+                                              <p:pRg st="0" end="0"/>
+                                            </p:txEl>
+                                          </p:spTgt>
+                                        </p:tgtEl>
+                                        <p:attrNameLst>
+                                          <p:attrName>style.visibility</p:attrName>
+                                        </p:attrNameLst>
+                                      </p:cBhvr>
+                                      <p:to>
+                                        <p:strVal val="visible"/>
+                                      </p:to>
+                                    </p:set>
+                                    <p:animEffect transition="in" filter="fade">
+                                      <p:cBhvr>
+                                        <p:cTn id="10" dur="500"/>
+                                        <p:tgtEl>
+                                          <p:spTgt spid="4">
+                                            <p:txEl>
+                                              <p:pRg st="0" end="0"/>
+                                            </p:txEl>
+                                          </p:spTgt>
+                                        </p:tgtEl>
+                                      </p:cBhvr>
+                                    </p:animEffect>
+                                  </p:childTnLst>
+                                </p:cTn>
+                              </p:par>
+                            </p:childTnLst>
+                          </p:cTn>
+                        </p:par>
+                      </p:childTnLst>
+                    </p:cTn>
+                  </p:par>
+                  <p:par>
+                    <p:cTn id="11" fill="hold">
+                      <p:stCondLst>
+                        <p:cond delay="indefinite"/>
+                      </p:stCondLst>
+                      <p:childTnLst>
+                        <p:par>
+                          <p:cTn id="12" fill="hold">
+                            <p:stCondLst>
+                              <p:cond delay="0"/>
+                            </p:stCondLst>
+                            <p:childTnLst>
+                              <p:par>
+                                <p:cTn id="13" presetID="10" presetClass="entr" presetSubtype="0" fill="hold" nodeType="clickEffect">
+                                  <p:stCondLst>
+                                    <p:cond delay="0"/>
+                                  </p:stCondLst>
+                                  <p:childTnLst>
+                                    <p:set>
+                                      <p:cBhvr>
+                                        <p:cTn id="14" dur="1" fill="hold">
+                                          <p:stCondLst>
+                                            <p:cond delay="0"/>
+                                          </p:stCondLst>
+                                        </p:cTn>
+                                        <p:tgtEl>
+                                          <p:spTgt spid="17"/>
+                                        </p:tgtEl>
+                                        <p:attrNameLst>
+                                          <p:attrName>style.visibility</p:attrName>
+                                        </p:attrNameLst>
+                                      </p:cBhvr>
+                                      <p:to>
+                                        <p:strVal val="visible"/>
+                                      </p:to>
+                                    </p:set>
+                                    <p:animEffect transition="in" filter="fade">
+                                      <p:cBhvr>
+                                        <p:cTn id="15" dur="500"/>
+                                        <p:tgtEl>
+                                          <p:spTgt spid="17"/>
+                                        </p:tgtEl>
+                                      </p:cBhvr>
+                                    </p:animEffect>
+                                  </p:childTnLst>
+                                </p:cTn>
+                              </p:par>
+                              <p:par>
+                                <p:cTn id="16" presetID="10" presetClass="entr" presetSubtype="0" fill="hold" nodeType="withEffect">
+                                  <p:stCondLst>
+                                    <p:cond delay="0"/>
+                                  </p:stCondLst>
+                                  <p:childTnLst>
+                                    <p:set>
+                                      <p:cBhvr>
+                                        <p:cTn id="17" dur="1" fill="hold">
+                                          <p:stCondLst>
+                                            <p:cond delay="0"/>
+                                          </p:stCondLst>
+                                        </p:cTn>
+                                        <p:tgtEl>
+                                          <p:spTgt spid="4">
+                                            <p:txEl>
+                                              <p:pRg st="2" end="2"/>
+                                            </p:txEl>
+                                          </p:spTgt>
+                                        </p:tgtEl>
+                                        <p:attrNameLst>
+                                          <p:attrName>style.visibility</p:attrName>
+                                        </p:attrNameLst>
+                                      </p:cBhvr>
+                                      <p:to>
+                                        <p:strVal val="visible"/>
+                                      </p:to>
+                                    </p:set>
+                                    <p:animEffect transition="in" filter="fade">
+                                      <p:cBhvr>
+                                        <p:cTn id="18" dur="500"/>
+                                        <p:tgtEl>
+                                          <p:spTgt spid="4">
+                                            <p:txEl>
+                                              <p:pRg st="2" end="2"/>
+                                            </p:txEl>
+                                          </p:spTgt>
+                                        </p:tgtEl>
+                                      </p:cBhvr>
+                                    </p:animEffect>
+                                  </p:childTnLst>
+                                </p:cTn>
+                              </p:par>
+                            </p:childTnLst>
+                          </p:cTn>
+                        </p:par>
+                      </p:childTnLst>
+                    </p:cTn>
+                  </p:par>
+                </p:childTnLst>
+              </p:cTn>
+              <p:prevCondLst>
+                <p:cond evt="onPrev" delay="0">
+                  <p:tgtEl>
+                    <p:sldTgt/>
+                  </p:tgtEl>
+                </p:cond>
+              </p:prevCondLst>
+              <p:nextCondLst>
+                <p:cond evt="onNext" delay="0">
+                  <p:tgtEl>
+                    <p:sldTgt/>
+                  </p:tgtEl>
+                </p:cond>
+              </p:nextCondLst>
+            </p:seq>
+          </p:childTnLst>
+        </p:cTn>
+      </p:par>
+    </p:tnLst>
+  </p:timing>
+</p:sld>
+</file>
+
+<file path=ppt/slides/slide24.xml><?xml version="1.0" encoding="utf-8"?>
 <p:sld xmlns:a="http://schemas.openxmlformats.org/drawingml/2006/main" xmlns:r="http://schemas.openxmlformats.org/officeDocument/2006/relationships" xmlns:p="http://schemas.openxmlformats.org/presentationml/2006/main">
   <p:cSld>
     <p:spTree>
@@ -13457,8 +16266,8 @@
           </a:p>
         </p:txBody>
       </p:sp>
-      <mc:AlternateContent xmlns:mc="http://schemas.openxmlformats.org/markup-compatibility/2006" xmlns:a14="http://schemas.microsoft.com/office/drawing/2010/main">
-        <mc:Choice Requires="a14">
+      <mc:AlternateContent xmlns:mc="http://schemas.openxmlformats.org/markup-compatibility/2006">
+        <mc:Choice xmlns:a14="http://schemas.microsoft.com/office/drawing/2010/main" Requires="a14">
           <p:sp>
             <p:nvSpPr>
               <p:cNvPr id="3" name="Content Placeholder 2">
@@ -13475,18 +16284,22 @@
                 <p:ph idx="1"/>
               </p:nvPr>
             </p:nvSpPr>
-            <p:spPr/>
+            <p:spPr>
+              <a:xfrm>
+                <a:off x="628649" y="1825625"/>
+                <a:ext cx="8170293" cy="4351338"/>
+              </a:xfrm>
+            </p:spPr>
             <p:txBody>
-              <a:bodyPr/>
+              <a:bodyPr>
+                <a:normAutofit/>
+              </a:bodyPr>
               <a:lstStyle/>
               <a:p>
                 <a:r>
                   <a:rPr lang="en-US" dirty="0"/>
-                  <a:t>Linear Utility Function: Perfect Substitutes</a:t>
+                  <a:t>Linear Utility Function: </a:t>
                 </a:r>
-              </a:p>
-              <a:p>
-                <a:pPr lvl="1"/>
                 <a14:m>
                   <m:oMath xmlns:m="http://schemas.openxmlformats.org/officeDocument/2006/math">
                     <m:r>
@@ -13598,84 +16411,90 @@
                       </a:rPr>
                       <m:t>=</m:t>
                     </m:r>
-                    <m:sSub>
-                      <m:sSubPr>
+                    <m:f>
+                      <m:fPr>
                         <m:ctrlPr>
                           <a:rPr lang="en-US" b="0" i="1" smtClean="0">
                             <a:latin typeface="Cambria Math" panose="02040503050406030204" pitchFamily="18" charset="0"/>
                             <a:ea typeface="Cambria Math" panose="02040503050406030204" pitchFamily="18" charset="0"/>
                           </a:rPr>
                         </m:ctrlPr>
-                      </m:sSubPr>
-                      <m:e>
-                        <m:r>
-                          <a:rPr lang="en-US" b="0" i="1" smtClean="0">
-                            <a:latin typeface="Cambria Math" panose="02040503050406030204" pitchFamily="18" charset="0"/>
-                            <a:ea typeface="Cambria Math" panose="02040503050406030204" pitchFamily="18" charset="0"/>
-                          </a:rPr>
-                          <m:t>𝑃</m:t>
-                        </m:r>
-                      </m:e>
-                      <m:sub>
-                        <m:r>
-                          <a:rPr lang="en-US" b="0" i="1" smtClean="0">
-                            <a:latin typeface="Cambria Math" panose="02040503050406030204" pitchFamily="18" charset="0"/>
-                            <a:ea typeface="Cambria Math" panose="02040503050406030204" pitchFamily="18" charset="0"/>
-                          </a:rPr>
-                          <m:t>𝑥</m:t>
-                        </m:r>
-                      </m:sub>
-                    </m:sSub>
+                      </m:fPr>
+                      <m:num>
+                        <m:sSub>
+                          <m:sSubPr>
+                            <m:ctrlPr>
+                              <a:rPr lang="en-US" b="0" i="1" smtClean="0">
+                                <a:latin typeface="Cambria Math" panose="02040503050406030204" pitchFamily="18" charset="0"/>
+                                <a:ea typeface="Cambria Math" panose="02040503050406030204" pitchFamily="18" charset="0"/>
+                              </a:rPr>
+                            </m:ctrlPr>
+                          </m:sSubPr>
+                          <m:e>
+                            <m:r>
+                              <a:rPr lang="en-US" b="0" i="1" smtClean="0">
+                                <a:latin typeface="Cambria Math" panose="02040503050406030204" pitchFamily="18" charset="0"/>
+                                <a:ea typeface="Cambria Math" panose="02040503050406030204" pitchFamily="18" charset="0"/>
+                              </a:rPr>
+                              <m:t>𝑃</m:t>
+                            </m:r>
+                          </m:e>
+                          <m:sub>
+                            <m:r>
+                              <a:rPr lang="en-US" b="0" i="1" smtClean="0">
+                                <a:latin typeface="Cambria Math" panose="02040503050406030204" pitchFamily="18" charset="0"/>
+                                <a:ea typeface="Cambria Math" panose="02040503050406030204" pitchFamily="18" charset="0"/>
+                              </a:rPr>
+                              <m:t>𝑥</m:t>
+                            </m:r>
+                          </m:sub>
+                        </m:sSub>
+                      </m:num>
+                      <m:den>
+                        <m:sSub>
+                          <m:sSubPr>
+                            <m:ctrlPr>
+                              <a:rPr lang="en-US" b="0" i="1" smtClean="0">
+                                <a:latin typeface="Cambria Math" panose="02040503050406030204" pitchFamily="18" charset="0"/>
+                                <a:ea typeface="Cambria Math" panose="02040503050406030204" pitchFamily="18" charset="0"/>
+                              </a:rPr>
+                            </m:ctrlPr>
+                          </m:sSubPr>
+                          <m:e>
+                            <m:r>
+                              <a:rPr lang="en-US" b="0" i="1" smtClean="0">
+                                <a:latin typeface="Cambria Math" panose="02040503050406030204" pitchFamily="18" charset="0"/>
+                                <a:ea typeface="Cambria Math" panose="02040503050406030204" pitchFamily="18" charset="0"/>
+                              </a:rPr>
+                              <m:t>𝑃</m:t>
+                            </m:r>
+                          </m:e>
+                          <m:sub>
+                            <m:r>
+                              <a:rPr lang="en-US" b="0" i="1" smtClean="0">
+                                <a:latin typeface="Cambria Math" panose="02040503050406030204" pitchFamily="18" charset="0"/>
+                                <a:ea typeface="Cambria Math" panose="02040503050406030204" pitchFamily="18" charset="0"/>
+                              </a:rPr>
+                              <m:t>𝑦</m:t>
+                            </m:r>
+                            <m:r>
+                              <a:rPr lang="en-US" b="0" i="1" smtClean="0">
+                                <a:latin typeface="Cambria Math" panose="02040503050406030204" pitchFamily="18" charset="0"/>
+                                <a:ea typeface="Cambria Math" panose="02040503050406030204" pitchFamily="18" charset="0"/>
+                              </a:rPr>
+                              <m:t> </m:t>
+                            </m:r>
+                          </m:sub>
+                        </m:sSub>
+                      </m:den>
+                    </m:f>
                     <m:r>
                       <a:rPr lang="en-US" b="0" i="1" smtClean="0">
                         <a:latin typeface="Cambria Math" panose="02040503050406030204" pitchFamily="18" charset="0"/>
                         <a:ea typeface="Cambria Math" panose="02040503050406030204" pitchFamily="18" charset="0"/>
                       </a:rPr>
-                      <m:t>/</m:t>
+                      <m:t>  </m:t>
                     </m:r>
-                    <m:sSub>
-                      <m:sSubPr>
-                        <m:ctrlPr>
-                          <a:rPr lang="en-US" b="0" i="1" smtClean="0">
-                            <a:latin typeface="Cambria Math" panose="02040503050406030204" pitchFamily="18" charset="0"/>
-                            <a:ea typeface="Cambria Math" panose="02040503050406030204" pitchFamily="18" charset="0"/>
-                          </a:rPr>
-                        </m:ctrlPr>
-                      </m:sSubPr>
-                      <m:e>
-                        <m:r>
-                          <a:rPr lang="en-US" b="0" i="1" smtClean="0">
-                            <a:latin typeface="Cambria Math" panose="02040503050406030204" pitchFamily="18" charset="0"/>
-                            <a:ea typeface="Cambria Math" panose="02040503050406030204" pitchFamily="18" charset="0"/>
-                          </a:rPr>
-                          <m:t>𝑃</m:t>
-                        </m:r>
-                      </m:e>
-                      <m:sub>
-                        <m:r>
-                          <a:rPr lang="en-US" b="0" i="1" smtClean="0">
-                            <a:latin typeface="Cambria Math" panose="02040503050406030204" pitchFamily="18" charset="0"/>
-                            <a:ea typeface="Cambria Math" panose="02040503050406030204" pitchFamily="18" charset="0"/>
-                          </a:rPr>
-                          <m:t>𝑦</m:t>
-                        </m:r>
-                        <m:r>
-                          <a:rPr lang="en-US" b="0" i="1" smtClean="0">
-                            <a:latin typeface="Cambria Math" panose="02040503050406030204" pitchFamily="18" charset="0"/>
-                            <a:ea typeface="Cambria Math" panose="02040503050406030204" pitchFamily="18" charset="0"/>
-                          </a:rPr>
-                          <m:t> </m:t>
-                        </m:r>
-                      </m:sub>
-                    </m:sSub>
-                  </m:oMath>
-                </a14:m>
-                <a:r>
-                  <a:rPr lang="en-US" dirty="0"/>
-                  <a:t>   </a:t>
-                </a:r>
-                <a14:m>
-                  <m:oMath xmlns:m="http://schemas.openxmlformats.org/officeDocument/2006/math">
                     <m:r>
                       <a:rPr lang="en-US" i="1">
                         <a:latin typeface="Cambria Math" panose="02040503050406030204" pitchFamily="18" charset="0"/>
@@ -13683,11 +16502,217 @@
                       </a:rPr>
                       <m:t>⇒</m:t>
                     </m:r>
+                    <m:r>
+                      <a:rPr lang="en-US" b="0" i="1" smtClean="0">
+                        <a:latin typeface="Cambria Math" panose="02040503050406030204" pitchFamily="18" charset="0"/>
+                        <a:ea typeface="Cambria Math" panose="02040503050406030204" pitchFamily="18" charset="0"/>
+                      </a:rPr>
+                      <m:t>  </m:t>
+                    </m:r>
+                    <m:f>
+                      <m:fPr>
+                        <m:ctrlPr>
+                          <a:rPr lang="en-US" i="1">
+                            <a:latin typeface="Cambria Math" panose="02040503050406030204" pitchFamily="18" charset="0"/>
+                            <a:ea typeface="Cambria Math" panose="02040503050406030204" pitchFamily="18" charset="0"/>
+                          </a:rPr>
+                        </m:ctrlPr>
+                      </m:fPr>
+                      <m:num>
+                        <m:r>
+                          <a:rPr lang="en-US" i="1">
+                            <a:latin typeface="Cambria Math" panose="02040503050406030204" pitchFamily="18" charset="0"/>
+                            <a:ea typeface="Cambria Math" panose="02040503050406030204" pitchFamily="18" charset="0"/>
+                          </a:rPr>
+                          <m:t>𝑀</m:t>
+                        </m:r>
+                        <m:sSub>
+                          <m:sSubPr>
+                            <m:ctrlPr>
+                              <a:rPr lang="en-US" i="1">
+                                <a:latin typeface="Cambria Math" panose="02040503050406030204" pitchFamily="18" charset="0"/>
+                                <a:ea typeface="Cambria Math" panose="02040503050406030204" pitchFamily="18" charset="0"/>
+                              </a:rPr>
+                            </m:ctrlPr>
+                          </m:sSubPr>
+                          <m:e>
+                            <m:r>
+                              <a:rPr lang="en-US" i="1">
+                                <a:latin typeface="Cambria Math" panose="02040503050406030204" pitchFamily="18" charset="0"/>
+                                <a:ea typeface="Cambria Math" panose="02040503050406030204" pitchFamily="18" charset="0"/>
+                              </a:rPr>
+                              <m:t>𝑈</m:t>
+                            </m:r>
+                          </m:e>
+                          <m:sub>
+                            <m:r>
+                              <a:rPr lang="en-US" i="1">
+                                <a:latin typeface="Cambria Math" panose="02040503050406030204" pitchFamily="18" charset="0"/>
+                                <a:ea typeface="Cambria Math" panose="02040503050406030204" pitchFamily="18" charset="0"/>
+                              </a:rPr>
+                              <m:t>𝑥</m:t>
+                            </m:r>
+                          </m:sub>
+                        </m:sSub>
+                      </m:num>
+                      <m:den>
+                        <m:sSub>
+                          <m:sSubPr>
+                            <m:ctrlPr>
+                              <a:rPr lang="en-US" i="1">
+                                <a:latin typeface="Cambria Math" panose="02040503050406030204" pitchFamily="18" charset="0"/>
+                                <a:ea typeface="Cambria Math" panose="02040503050406030204" pitchFamily="18" charset="0"/>
+                              </a:rPr>
+                            </m:ctrlPr>
+                          </m:sSubPr>
+                          <m:e>
+                            <m:r>
+                              <a:rPr lang="en-US" i="1">
+                                <a:latin typeface="Cambria Math" panose="02040503050406030204" pitchFamily="18" charset="0"/>
+                                <a:ea typeface="Cambria Math" panose="02040503050406030204" pitchFamily="18" charset="0"/>
+                              </a:rPr>
+                              <m:t>𝑃</m:t>
+                            </m:r>
+                          </m:e>
+                          <m:sub>
+                            <m:r>
+                              <a:rPr lang="en-US" i="1">
+                                <a:latin typeface="Cambria Math" panose="02040503050406030204" pitchFamily="18" charset="0"/>
+                                <a:ea typeface="Cambria Math" panose="02040503050406030204" pitchFamily="18" charset="0"/>
+                              </a:rPr>
+                              <m:t>𝑥</m:t>
+                            </m:r>
+                          </m:sub>
+                        </m:sSub>
+                      </m:den>
+                    </m:f>
+                    <m:r>
+                      <a:rPr lang="en-US" b="0" i="1" smtClean="0">
+                        <a:latin typeface="Cambria Math" panose="02040503050406030204" pitchFamily="18" charset="0"/>
+                        <a:ea typeface="Cambria Math" panose="02040503050406030204" pitchFamily="18" charset="0"/>
+                      </a:rPr>
+                      <m:t>=</m:t>
+                    </m:r>
+                    <m:f>
+                      <m:fPr>
+                        <m:ctrlPr>
+                          <a:rPr lang="en-US" i="1">
+                            <a:latin typeface="Cambria Math" panose="02040503050406030204" pitchFamily="18" charset="0"/>
+                            <a:ea typeface="Cambria Math" panose="02040503050406030204" pitchFamily="18" charset="0"/>
+                          </a:rPr>
+                        </m:ctrlPr>
+                      </m:fPr>
+                      <m:num>
+                        <m:r>
+                          <a:rPr lang="en-US" i="1">
+                            <a:latin typeface="Cambria Math" panose="02040503050406030204" pitchFamily="18" charset="0"/>
+                            <a:ea typeface="Cambria Math" panose="02040503050406030204" pitchFamily="18" charset="0"/>
+                          </a:rPr>
+                          <m:t>𝑀</m:t>
+                        </m:r>
+                        <m:sSub>
+                          <m:sSubPr>
+                            <m:ctrlPr>
+                              <a:rPr lang="en-US" i="1">
+                                <a:latin typeface="Cambria Math" panose="02040503050406030204" pitchFamily="18" charset="0"/>
+                                <a:ea typeface="Cambria Math" panose="02040503050406030204" pitchFamily="18" charset="0"/>
+                              </a:rPr>
+                            </m:ctrlPr>
+                          </m:sSubPr>
+                          <m:e>
+                            <m:r>
+                              <a:rPr lang="en-US" i="1">
+                                <a:latin typeface="Cambria Math" panose="02040503050406030204" pitchFamily="18" charset="0"/>
+                                <a:ea typeface="Cambria Math" panose="02040503050406030204" pitchFamily="18" charset="0"/>
+                              </a:rPr>
+                              <m:t>𝑈</m:t>
+                            </m:r>
+                          </m:e>
+                          <m:sub>
+                            <m:r>
+                              <a:rPr lang="en-US" i="1">
+                                <a:latin typeface="Cambria Math" panose="02040503050406030204" pitchFamily="18" charset="0"/>
+                                <a:ea typeface="Cambria Math" panose="02040503050406030204" pitchFamily="18" charset="0"/>
+                              </a:rPr>
+                              <m:t>𝑦</m:t>
+                            </m:r>
+                          </m:sub>
+                        </m:sSub>
+                      </m:num>
+                      <m:den>
+                        <m:sSub>
+                          <m:sSubPr>
+                            <m:ctrlPr>
+                              <a:rPr lang="en-US" i="1">
+                                <a:latin typeface="Cambria Math" panose="02040503050406030204" pitchFamily="18" charset="0"/>
+                                <a:ea typeface="Cambria Math" panose="02040503050406030204" pitchFamily="18" charset="0"/>
+                              </a:rPr>
+                            </m:ctrlPr>
+                          </m:sSubPr>
+                          <m:e>
+                            <m:r>
+                              <a:rPr lang="en-US" i="1">
+                                <a:latin typeface="Cambria Math" panose="02040503050406030204" pitchFamily="18" charset="0"/>
+                                <a:ea typeface="Cambria Math" panose="02040503050406030204" pitchFamily="18" charset="0"/>
+                              </a:rPr>
+                              <m:t>𝑃</m:t>
+                            </m:r>
+                          </m:e>
+                          <m:sub>
+                            <m:r>
+                              <a:rPr lang="en-US" i="1">
+                                <a:latin typeface="Cambria Math" panose="02040503050406030204" pitchFamily="18" charset="0"/>
+                                <a:ea typeface="Cambria Math" panose="02040503050406030204" pitchFamily="18" charset="0"/>
+                              </a:rPr>
+                              <m:t>𝑦</m:t>
+                            </m:r>
+                          </m:sub>
+                        </m:sSub>
+                      </m:den>
+                    </m:f>
+                  </m:oMath>
+                </a14:m>
+                <a:r>
+                  <a:rPr lang="en-US" dirty="0">
+                    <a:ea typeface="Cambria Math" panose="02040503050406030204" pitchFamily="18" charset="0"/>
+                  </a:rPr>
+                  <a:t> </a:t>
+                </a:r>
+                <a14:m>
+                  <m:oMath xmlns:m="http://schemas.openxmlformats.org/officeDocument/2006/math">
+                    <m:r>
+                      <a:rPr lang="en-US" b="0" i="0" smtClean="0">
+                        <a:latin typeface="Cambria Math" panose="02040503050406030204" pitchFamily="18" charset="0"/>
+                        <a:ea typeface="Cambria Math" panose="02040503050406030204" pitchFamily="18" charset="0"/>
+                      </a:rPr>
+                      <m:t>  </m:t>
+                    </m:r>
+                    <m:r>
+                      <a:rPr lang="en-US" i="1">
+                        <a:latin typeface="Cambria Math" panose="02040503050406030204" pitchFamily="18" charset="0"/>
+                        <a:ea typeface="Cambria Math" panose="02040503050406030204" pitchFamily="18" charset="0"/>
+                      </a:rPr>
+                      <m:t>⇒</m:t>
+                    </m:r>
+                    <m:r>
+                      <a:rPr lang="en-US" b="0" i="1" smtClean="0">
+                        <a:latin typeface="Cambria Math" panose="02040503050406030204" pitchFamily="18" charset="0"/>
+                        <a:ea typeface="Cambria Math" panose="02040503050406030204" pitchFamily="18" charset="0"/>
+                      </a:rPr>
+                      <m:t> </m:t>
+                    </m:r>
+                    <m:r>
+                      <a:rPr lang="en-US" i="1">
+                        <a:latin typeface="Cambria Math" panose="02040503050406030204" pitchFamily="18" charset="0"/>
+                        <a:ea typeface="Cambria Math" panose="02040503050406030204" pitchFamily="18" charset="0"/>
+                      </a:rPr>
+                      <m:t> </m:t>
+                    </m:r>
                   </m:oMath>
                 </a14:m>
                 <a:r>
                   <a:rPr lang="en-US" dirty="0"/>
-                  <a:t>   Any Point Along the Budget Line.</a:t>
+                  <a:t>Any Point Along the Budget Line.</a:t>
                 </a:r>
                 <a:endParaRPr lang="en-US" sz="500" dirty="0"/>
               </a:p>
@@ -13737,77 +16762,265 @@
                       </a:rPr>
                       <m:t>&gt;</m:t>
                     </m:r>
-                    <m:sSub>
-                      <m:sSubPr>
+                    <m:f>
+                      <m:fPr>
                         <m:ctrlPr>
                           <a:rPr lang="en-US" i="1">
                             <a:latin typeface="Cambria Math" panose="02040503050406030204" pitchFamily="18" charset="0"/>
                             <a:ea typeface="Cambria Math" panose="02040503050406030204" pitchFamily="18" charset="0"/>
                           </a:rPr>
                         </m:ctrlPr>
-                      </m:sSubPr>
-                      <m:e>
-                        <m:r>
-                          <a:rPr lang="en-US" i="1">
-                            <a:latin typeface="Cambria Math" panose="02040503050406030204" pitchFamily="18" charset="0"/>
-                            <a:ea typeface="Cambria Math" panose="02040503050406030204" pitchFamily="18" charset="0"/>
-                          </a:rPr>
-                          <m:t>𝑃</m:t>
-                        </m:r>
-                      </m:e>
-                      <m:sub>
-                        <m:r>
-                          <a:rPr lang="en-US" i="1">
-                            <a:latin typeface="Cambria Math" panose="02040503050406030204" pitchFamily="18" charset="0"/>
-                            <a:ea typeface="Cambria Math" panose="02040503050406030204" pitchFamily="18" charset="0"/>
-                          </a:rPr>
-                          <m:t>𝑥</m:t>
-                        </m:r>
-                      </m:sub>
-                    </m:sSub>
+                      </m:fPr>
+                      <m:num>
+                        <m:sSub>
+                          <m:sSubPr>
+                            <m:ctrlPr>
+                              <a:rPr lang="en-US" i="1">
+                                <a:latin typeface="Cambria Math" panose="02040503050406030204" pitchFamily="18" charset="0"/>
+                                <a:ea typeface="Cambria Math" panose="02040503050406030204" pitchFamily="18" charset="0"/>
+                              </a:rPr>
+                            </m:ctrlPr>
+                          </m:sSubPr>
+                          <m:e>
+                            <m:r>
+                              <a:rPr lang="en-US" i="1">
+                                <a:latin typeface="Cambria Math" panose="02040503050406030204" pitchFamily="18" charset="0"/>
+                                <a:ea typeface="Cambria Math" panose="02040503050406030204" pitchFamily="18" charset="0"/>
+                              </a:rPr>
+                              <m:t>𝑃</m:t>
+                            </m:r>
+                          </m:e>
+                          <m:sub>
+                            <m:r>
+                              <a:rPr lang="en-US" i="1">
+                                <a:latin typeface="Cambria Math" panose="02040503050406030204" pitchFamily="18" charset="0"/>
+                                <a:ea typeface="Cambria Math" panose="02040503050406030204" pitchFamily="18" charset="0"/>
+                              </a:rPr>
+                              <m:t>𝑥</m:t>
+                            </m:r>
+                          </m:sub>
+                        </m:sSub>
+                      </m:num>
+                      <m:den>
+                        <m:sSub>
+                          <m:sSubPr>
+                            <m:ctrlPr>
+                              <a:rPr lang="en-US" i="1">
+                                <a:latin typeface="Cambria Math" panose="02040503050406030204" pitchFamily="18" charset="0"/>
+                                <a:ea typeface="Cambria Math" panose="02040503050406030204" pitchFamily="18" charset="0"/>
+                              </a:rPr>
+                            </m:ctrlPr>
+                          </m:sSubPr>
+                          <m:e>
+                            <m:r>
+                              <a:rPr lang="en-US" i="1">
+                                <a:latin typeface="Cambria Math" panose="02040503050406030204" pitchFamily="18" charset="0"/>
+                                <a:ea typeface="Cambria Math" panose="02040503050406030204" pitchFamily="18" charset="0"/>
+                              </a:rPr>
+                              <m:t>𝑃</m:t>
+                            </m:r>
+                          </m:e>
+                          <m:sub>
+                            <m:r>
+                              <a:rPr lang="en-US" i="1">
+                                <a:latin typeface="Cambria Math" panose="02040503050406030204" pitchFamily="18" charset="0"/>
+                                <a:ea typeface="Cambria Math" panose="02040503050406030204" pitchFamily="18" charset="0"/>
+                              </a:rPr>
+                              <m:t>𝑦</m:t>
+                            </m:r>
+                          </m:sub>
+                        </m:sSub>
+                      </m:den>
+                    </m:f>
+                    <m:r>
+                      <a:rPr lang="en-US" b="0" i="1" smtClean="0">
+                        <a:latin typeface="Cambria Math" panose="02040503050406030204" pitchFamily="18" charset="0"/>
+                        <a:ea typeface="Cambria Math" panose="02040503050406030204" pitchFamily="18" charset="0"/>
+                      </a:rPr>
+                      <m:t>  </m:t>
+                    </m:r>
                     <m:r>
                       <a:rPr lang="en-US" i="1">
                         <a:latin typeface="Cambria Math" panose="02040503050406030204" pitchFamily="18" charset="0"/>
                         <a:ea typeface="Cambria Math" panose="02040503050406030204" pitchFamily="18" charset="0"/>
                       </a:rPr>
-                      <m:t>/</m:t>
+                      <m:t>⇒</m:t>
                     </m:r>
-                    <m:sSub>
-                      <m:sSubPr>
+                    <m:r>
+                      <a:rPr lang="en-US" b="0" i="1" smtClean="0">
+                        <a:latin typeface="Cambria Math" panose="02040503050406030204" pitchFamily="18" charset="0"/>
+                        <a:ea typeface="Cambria Math" panose="02040503050406030204" pitchFamily="18" charset="0"/>
+                      </a:rPr>
+                      <m:t>  </m:t>
+                    </m:r>
+                    <m:f>
+                      <m:fPr>
                         <m:ctrlPr>
-                          <a:rPr lang="en-US" i="1">
+                          <a:rPr lang="en-US" i="1" smtClean="0">
                             <a:latin typeface="Cambria Math" panose="02040503050406030204" pitchFamily="18" charset="0"/>
                             <a:ea typeface="Cambria Math" panose="02040503050406030204" pitchFamily="18" charset="0"/>
                           </a:rPr>
                         </m:ctrlPr>
-                      </m:sSubPr>
-                      <m:e>
+                      </m:fPr>
+                      <m:num>
                         <m:r>
-                          <a:rPr lang="en-US" i="1">
+                          <a:rPr lang="en-US" b="0" i="1" smtClean="0">
                             <a:latin typeface="Cambria Math" panose="02040503050406030204" pitchFamily="18" charset="0"/>
                             <a:ea typeface="Cambria Math" panose="02040503050406030204" pitchFamily="18" charset="0"/>
                           </a:rPr>
-                          <m:t>𝑃</m:t>
+                          <m:t>𝑀</m:t>
                         </m:r>
-                      </m:e>
-                      <m:sub>
-                        <m:r>
-                          <a:rPr lang="en-US" i="1">
+                        <m:sSub>
+                          <m:sSubPr>
+                            <m:ctrlPr>
+                              <a:rPr lang="en-US" b="0" i="1" smtClean="0">
+                                <a:latin typeface="Cambria Math" panose="02040503050406030204" pitchFamily="18" charset="0"/>
+                                <a:ea typeface="Cambria Math" panose="02040503050406030204" pitchFamily="18" charset="0"/>
+                              </a:rPr>
+                            </m:ctrlPr>
+                          </m:sSubPr>
+                          <m:e>
+                            <m:r>
+                              <a:rPr lang="en-US" b="0" i="1" smtClean="0">
+                                <a:latin typeface="Cambria Math" panose="02040503050406030204" pitchFamily="18" charset="0"/>
+                                <a:ea typeface="Cambria Math" panose="02040503050406030204" pitchFamily="18" charset="0"/>
+                              </a:rPr>
+                              <m:t>𝑈</m:t>
+                            </m:r>
+                          </m:e>
+                          <m:sub>
+                            <m:r>
+                              <a:rPr lang="en-US" b="0" i="1" smtClean="0">
+                                <a:latin typeface="Cambria Math" panose="02040503050406030204" pitchFamily="18" charset="0"/>
+                                <a:ea typeface="Cambria Math" panose="02040503050406030204" pitchFamily="18" charset="0"/>
+                              </a:rPr>
+                              <m:t>𝑥</m:t>
+                            </m:r>
+                          </m:sub>
+                        </m:sSub>
+                      </m:num>
+                      <m:den>
+                        <m:sSub>
+                          <m:sSubPr>
+                            <m:ctrlPr>
+                              <a:rPr lang="en-US" b="0" i="1" smtClean="0">
+                                <a:latin typeface="Cambria Math" panose="02040503050406030204" pitchFamily="18" charset="0"/>
+                                <a:ea typeface="Cambria Math" panose="02040503050406030204" pitchFamily="18" charset="0"/>
+                              </a:rPr>
+                            </m:ctrlPr>
+                          </m:sSubPr>
+                          <m:e>
+                            <m:r>
+                              <a:rPr lang="en-US" b="0" i="1" smtClean="0">
+                                <a:latin typeface="Cambria Math" panose="02040503050406030204" pitchFamily="18" charset="0"/>
+                                <a:ea typeface="Cambria Math" panose="02040503050406030204" pitchFamily="18" charset="0"/>
+                              </a:rPr>
+                              <m:t>𝑃</m:t>
+                            </m:r>
+                          </m:e>
+                          <m:sub>
+                            <m:r>
+                              <a:rPr lang="en-US" b="0" i="1" smtClean="0">
+                                <a:latin typeface="Cambria Math" panose="02040503050406030204" pitchFamily="18" charset="0"/>
+                                <a:ea typeface="Cambria Math" panose="02040503050406030204" pitchFamily="18" charset="0"/>
+                              </a:rPr>
+                              <m:t>𝑥</m:t>
+                            </m:r>
+                          </m:sub>
+                        </m:sSub>
+                      </m:den>
+                    </m:f>
+                    <m:r>
+                      <a:rPr lang="en-US" b="0" i="1" smtClean="0">
+                        <a:latin typeface="Cambria Math" panose="02040503050406030204" pitchFamily="18" charset="0"/>
+                        <a:ea typeface="Cambria Math" panose="02040503050406030204" pitchFamily="18" charset="0"/>
+                      </a:rPr>
+                      <m:t>&gt;</m:t>
+                    </m:r>
+                    <m:f>
+                      <m:fPr>
+                        <m:ctrlPr>
+                          <a:rPr lang="en-US" b="0" i="1" smtClean="0">
                             <a:latin typeface="Cambria Math" panose="02040503050406030204" pitchFamily="18" charset="0"/>
                             <a:ea typeface="Cambria Math" panose="02040503050406030204" pitchFamily="18" charset="0"/>
                           </a:rPr>
-                          <m:t>𝑦</m:t>
+                        </m:ctrlPr>
+                      </m:fPr>
+                      <m:num>
+                        <m:r>
+                          <a:rPr lang="en-US" b="0" i="1" smtClean="0">
+                            <a:latin typeface="Cambria Math" panose="02040503050406030204" pitchFamily="18" charset="0"/>
+                            <a:ea typeface="Cambria Math" panose="02040503050406030204" pitchFamily="18" charset="0"/>
+                          </a:rPr>
+                          <m:t>𝑀</m:t>
                         </m:r>
-                      </m:sub>
-                    </m:sSub>
-                  </m:oMath>
-                </a14:m>
-                <a:r>
-                  <a:rPr lang="en-US" dirty="0"/>
-                  <a:t>    </a:t>
-                </a:r>
-                <a14:m>
-                  <m:oMath xmlns:m="http://schemas.openxmlformats.org/officeDocument/2006/math">
+                        <m:sSub>
+                          <m:sSubPr>
+                            <m:ctrlPr>
+                              <a:rPr lang="en-US" b="0" i="1" smtClean="0">
+                                <a:latin typeface="Cambria Math" panose="02040503050406030204" pitchFamily="18" charset="0"/>
+                                <a:ea typeface="Cambria Math" panose="02040503050406030204" pitchFamily="18" charset="0"/>
+                              </a:rPr>
+                            </m:ctrlPr>
+                          </m:sSubPr>
+                          <m:e>
+                            <m:r>
+                              <a:rPr lang="en-US" b="0" i="1" smtClean="0">
+                                <a:latin typeface="Cambria Math" panose="02040503050406030204" pitchFamily="18" charset="0"/>
+                                <a:ea typeface="Cambria Math" panose="02040503050406030204" pitchFamily="18" charset="0"/>
+                              </a:rPr>
+                              <m:t>𝑈</m:t>
+                            </m:r>
+                          </m:e>
+                          <m:sub>
+                            <m:r>
+                              <a:rPr lang="en-US" b="0" i="1" smtClean="0">
+                                <a:latin typeface="Cambria Math" panose="02040503050406030204" pitchFamily="18" charset="0"/>
+                                <a:ea typeface="Cambria Math" panose="02040503050406030204" pitchFamily="18" charset="0"/>
+                              </a:rPr>
+                              <m:t>𝑦</m:t>
+                            </m:r>
+                          </m:sub>
+                        </m:sSub>
+                      </m:num>
+                      <m:den>
+                        <m:sSub>
+                          <m:sSubPr>
+                            <m:ctrlPr>
+                              <a:rPr lang="en-US" b="0" i="1" smtClean="0">
+                                <a:latin typeface="Cambria Math" panose="02040503050406030204" pitchFamily="18" charset="0"/>
+                                <a:ea typeface="Cambria Math" panose="02040503050406030204" pitchFamily="18" charset="0"/>
+                              </a:rPr>
+                            </m:ctrlPr>
+                          </m:sSubPr>
+                          <m:e>
+                            <m:r>
+                              <a:rPr lang="en-US" b="0" i="1" smtClean="0">
+                                <a:latin typeface="Cambria Math" panose="02040503050406030204" pitchFamily="18" charset="0"/>
+                                <a:ea typeface="Cambria Math" panose="02040503050406030204" pitchFamily="18" charset="0"/>
+                              </a:rPr>
+                              <m:t>𝑃</m:t>
+                            </m:r>
+                          </m:e>
+                          <m:sub>
+                            <m:r>
+                              <a:rPr lang="en-US" b="0" i="1" smtClean="0">
+                                <a:latin typeface="Cambria Math" panose="02040503050406030204" pitchFamily="18" charset="0"/>
+                                <a:ea typeface="Cambria Math" panose="02040503050406030204" pitchFamily="18" charset="0"/>
+                              </a:rPr>
+                              <m:t>𝑦</m:t>
+                            </m:r>
+                          </m:sub>
+                        </m:sSub>
+                      </m:den>
+                    </m:f>
+                    <m:r>
+                      <a:rPr lang="en-US" b="0" i="1" smtClean="0">
+                        <a:latin typeface="Cambria Math" panose="02040503050406030204" pitchFamily="18" charset="0"/>
+                        <a:ea typeface="Cambria Math" panose="02040503050406030204" pitchFamily="18" charset="0"/>
+                      </a:rPr>
+                      <m:t>  </m:t>
+                    </m:r>
                     <m:r>
                       <a:rPr lang="en-US" i="1">
                         <a:latin typeface="Cambria Math" panose="02040503050406030204" pitchFamily="18" charset="0"/>
@@ -13819,7 +17032,7 @@
                 </a14:m>
                 <a:r>
                   <a:rPr lang="en-US" dirty="0"/>
-                  <a:t>   Exclusively Consume Good </a:t>
+                  <a:t>  Exclusively Consume Good </a:t>
                 </a:r>
                 <a14:m>
                   <m:oMath xmlns:m="http://schemas.openxmlformats.org/officeDocument/2006/math">
@@ -13883,77 +17096,251 @@
                       </a:rPr>
                       <m:t>&lt;</m:t>
                     </m:r>
-                    <m:sSub>
-                      <m:sSubPr>
+                    <m:f>
+                      <m:fPr>
                         <m:ctrlPr>
                           <a:rPr lang="en-US" i="1">
                             <a:latin typeface="Cambria Math" panose="02040503050406030204" pitchFamily="18" charset="0"/>
                             <a:ea typeface="Cambria Math" panose="02040503050406030204" pitchFamily="18" charset="0"/>
                           </a:rPr>
                         </m:ctrlPr>
-                      </m:sSubPr>
-                      <m:e>
-                        <m:r>
-                          <a:rPr lang="en-US" i="1">
-                            <a:latin typeface="Cambria Math" panose="02040503050406030204" pitchFamily="18" charset="0"/>
-                            <a:ea typeface="Cambria Math" panose="02040503050406030204" pitchFamily="18" charset="0"/>
-                          </a:rPr>
-                          <m:t>𝑃</m:t>
-                        </m:r>
-                      </m:e>
-                      <m:sub>
-                        <m:r>
-                          <a:rPr lang="en-US" i="1">
-                            <a:latin typeface="Cambria Math" panose="02040503050406030204" pitchFamily="18" charset="0"/>
-                            <a:ea typeface="Cambria Math" panose="02040503050406030204" pitchFamily="18" charset="0"/>
-                          </a:rPr>
-                          <m:t>𝑥</m:t>
-                        </m:r>
-                      </m:sub>
-                    </m:sSub>
+                      </m:fPr>
+                      <m:num>
+                        <m:sSub>
+                          <m:sSubPr>
+                            <m:ctrlPr>
+                              <a:rPr lang="en-US" i="1">
+                                <a:latin typeface="Cambria Math" panose="02040503050406030204" pitchFamily="18" charset="0"/>
+                                <a:ea typeface="Cambria Math" panose="02040503050406030204" pitchFamily="18" charset="0"/>
+                              </a:rPr>
+                            </m:ctrlPr>
+                          </m:sSubPr>
+                          <m:e>
+                            <m:r>
+                              <a:rPr lang="en-US" i="1">
+                                <a:latin typeface="Cambria Math" panose="02040503050406030204" pitchFamily="18" charset="0"/>
+                                <a:ea typeface="Cambria Math" panose="02040503050406030204" pitchFamily="18" charset="0"/>
+                              </a:rPr>
+                              <m:t>𝑃</m:t>
+                            </m:r>
+                          </m:e>
+                          <m:sub>
+                            <m:r>
+                              <a:rPr lang="en-US" i="1">
+                                <a:latin typeface="Cambria Math" panose="02040503050406030204" pitchFamily="18" charset="0"/>
+                                <a:ea typeface="Cambria Math" panose="02040503050406030204" pitchFamily="18" charset="0"/>
+                              </a:rPr>
+                              <m:t>𝑥</m:t>
+                            </m:r>
+                          </m:sub>
+                        </m:sSub>
+                      </m:num>
+                      <m:den>
+                        <m:sSub>
+                          <m:sSubPr>
+                            <m:ctrlPr>
+                              <a:rPr lang="en-US" i="1">
+                                <a:latin typeface="Cambria Math" panose="02040503050406030204" pitchFamily="18" charset="0"/>
+                                <a:ea typeface="Cambria Math" panose="02040503050406030204" pitchFamily="18" charset="0"/>
+                              </a:rPr>
+                            </m:ctrlPr>
+                          </m:sSubPr>
+                          <m:e>
+                            <m:r>
+                              <a:rPr lang="en-US" i="1">
+                                <a:latin typeface="Cambria Math" panose="02040503050406030204" pitchFamily="18" charset="0"/>
+                                <a:ea typeface="Cambria Math" panose="02040503050406030204" pitchFamily="18" charset="0"/>
+                              </a:rPr>
+                              <m:t>𝑃</m:t>
+                            </m:r>
+                          </m:e>
+                          <m:sub>
+                            <m:r>
+                              <a:rPr lang="en-US" i="1">
+                                <a:latin typeface="Cambria Math" panose="02040503050406030204" pitchFamily="18" charset="0"/>
+                                <a:ea typeface="Cambria Math" panose="02040503050406030204" pitchFamily="18" charset="0"/>
+                              </a:rPr>
+                              <m:t>𝑦</m:t>
+                            </m:r>
+                          </m:sub>
+                        </m:sSub>
+                      </m:den>
+                    </m:f>
                     <m:r>
                       <a:rPr lang="en-US" i="1">
                         <a:latin typeface="Cambria Math" panose="02040503050406030204" pitchFamily="18" charset="0"/>
                         <a:ea typeface="Cambria Math" panose="02040503050406030204" pitchFamily="18" charset="0"/>
                       </a:rPr>
-                      <m:t>/</m:t>
+                      <m:t>  ⇒  </m:t>
                     </m:r>
-                    <m:sSub>
-                      <m:sSubPr>
+                    <m:f>
+                      <m:fPr>
                         <m:ctrlPr>
                           <a:rPr lang="en-US" i="1">
                             <a:latin typeface="Cambria Math" panose="02040503050406030204" pitchFamily="18" charset="0"/>
                             <a:ea typeface="Cambria Math" panose="02040503050406030204" pitchFamily="18" charset="0"/>
                           </a:rPr>
                         </m:ctrlPr>
-                      </m:sSubPr>
-                      <m:e>
+                      </m:fPr>
+                      <m:num>
                         <m:r>
                           <a:rPr lang="en-US" i="1">
                             <a:latin typeface="Cambria Math" panose="02040503050406030204" pitchFamily="18" charset="0"/>
                             <a:ea typeface="Cambria Math" panose="02040503050406030204" pitchFamily="18" charset="0"/>
                           </a:rPr>
-                          <m:t>𝑃</m:t>
+                          <m:t>𝑀</m:t>
                         </m:r>
-                      </m:e>
-                      <m:sub>
+                        <m:sSub>
+                          <m:sSubPr>
+                            <m:ctrlPr>
+                              <a:rPr lang="en-US" i="1">
+                                <a:latin typeface="Cambria Math" panose="02040503050406030204" pitchFamily="18" charset="0"/>
+                                <a:ea typeface="Cambria Math" panose="02040503050406030204" pitchFamily="18" charset="0"/>
+                              </a:rPr>
+                            </m:ctrlPr>
+                          </m:sSubPr>
+                          <m:e>
+                            <m:r>
+                              <a:rPr lang="en-US" i="1">
+                                <a:latin typeface="Cambria Math" panose="02040503050406030204" pitchFamily="18" charset="0"/>
+                                <a:ea typeface="Cambria Math" panose="02040503050406030204" pitchFamily="18" charset="0"/>
+                              </a:rPr>
+                              <m:t>𝑈</m:t>
+                            </m:r>
+                          </m:e>
+                          <m:sub>
+                            <m:r>
+                              <a:rPr lang="en-US" i="1">
+                                <a:latin typeface="Cambria Math" panose="02040503050406030204" pitchFamily="18" charset="0"/>
+                                <a:ea typeface="Cambria Math" panose="02040503050406030204" pitchFamily="18" charset="0"/>
+                              </a:rPr>
+                              <m:t>𝑥</m:t>
+                            </m:r>
+                          </m:sub>
+                        </m:sSub>
+                      </m:num>
+                      <m:den>
+                        <m:sSub>
+                          <m:sSubPr>
+                            <m:ctrlPr>
+                              <a:rPr lang="en-US" i="1">
+                                <a:latin typeface="Cambria Math" panose="02040503050406030204" pitchFamily="18" charset="0"/>
+                                <a:ea typeface="Cambria Math" panose="02040503050406030204" pitchFamily="18" charset="0"/>
+                              </a:rPr>
+                            </m:ctrlPr>
+                          </m:sSubPr>
+                          <m:e>
+                            <m:r>
+                              <a:rPr lang="en-US" i="1">
+                                <a:latin typeface="Cambria Math" panose="02040503050406030204" pitchFamily="18" charset="0"/>
+                                <a:ea typeface="Cambria Math" panose="02040503050406030204" pitchFamily="18" charset="0"/>
+                              </a:rPr>
+                              <m:t>𝑃</m:t>
+                            </m:r>
+                          </m:e>
+                          <m:sub>
+                            <m:r>
+                              <a:rPr lang="en-US" i="1">
+                                <a:latin typeface="Cambria Math" panose="02040503050406030204" pitchFamily="18" charset="0"/>
+                                <a:ea typeface="Cambria Math" panose="02040503050406030204" pitchFamily="18" charset="0"/>
+                              </a:rPr>
+                              <m:t>𝑥</m:t>
+                            </m:r>
+                          </m:sub>
+                        </m:sSub>
+                      </m:den>
+                    </m:f>
+                    <m:r>
+                      <a:rPr lang="en-US" b="0" i="1" smtClean="0">
+                        <a:latin typeface="Cambria Math" panose="02040503050406030204" pitchFamily="18" charset="0"/>
+                        <a:ea typeface="Cambria Math" panose="02040503050406030204" pitchFamily="18" charset="0"/>
+                      </a:rPr>
+                      <m:t>&lt;</m:t>
+                    </m:r>
+                    <m:f>
+                      <m:fPr>
+                        <m:ctrlPr>
+                          <a:rPr lang="en-US" i="1">
+                            <a:latin typeface="Cambria Math" panose="02040503050406030204" pitchFamily="18" charset="0"/>
+                            <a:ea typeface="Cambria Math" panose="02040503050406030204" pitchFamily="18" charset="0"/>
+                          </a:rPr>
+                        </m:ctrlPr>
+                      </m:fPr>
+                      <m:num>
                         <m:r>
                           <a:rPr lang="en-US" i="1">
                             <a:latin typeface="Cambria Math" panose="02040503050406030204" pitchFamily="18" charset="0"/>
                             <a:ea typeface="Cambria Math" panose="02040503050406030204" pitchFamily="18" charset="0"/>
                           </a:rPr>
-                          <m:t>𝑦</m:t>
+                          <m:t>𝑀</m:t>
                         </m:r>
-                      </m:sub>
-                    </m:sSub>
-                  </m:oMath>
-                </a14:m>
-                <a:r>
-                  <a:rPr lang="en-US" dirty="0"/>
-                  <a:t>    </a:t>
-                </a:r>
-                <a14:m>
-                  <m:oMath xmlns:m="http://schemas.openxmlformats.org/officeDocument/2006/math">
+                        <m:sSub>
+                          <m:sSubPr>
+                            <m:ctrlPr>
+                              <a:rPr lang="en-US" i="1">
+                                <a:latin typeface="Cambria Math" panose="02040503050406030204" pitchFamily="18" charset="0"/>
+                                <a:ea typeface="Cambria Math" panose="02040503050406030204" pitchFamily="18" charset="0"/>
+                              </a:rPr>
+                            </m:ctrlPr>
+                          </m:sSubPr>
+                          <m:e>
+                            <m:r>
+                              <a:rPr lang="en-US" i="1">
+                                <a:latin typeface="Cambria Math" panose="02040503050406030204" pitchFamily="18" charset="0"/>
+                                <a:ea typeface="Cambria Math" panose="02040503050406030204" pitchFamily="18" charset="0"/>
+                              </a:rPr>
+                              <m:t>𝑈</m:t>
+                            </m:r>
+                          </m:e>
+                          <m:sub>
+                            <m:r>
+                              <a:rPr lang="en-US" i="1">
+                                <a:latin typeface="Cambria Math" panose="02040503050406030204" pitchFamily="18" charset="0"/>
+                                <a:ea typeface="Cambria Math" panose="02040503050406030204" pitchFamily="18" charset="0"/>
+                              </a:rPr>
+                              <m:t>𝑦</m:t>
+                            </m:r>
+                          </m:sub>
+                        </m:sSub>
+                      </m:num>
+                      <m:den>
+                        <m:sSub>
+                          <m:sSubPr>
+                            <m:ctrlPr>
+                              <a:rPr lang="en-US" i="1">
+                                <a:latin typeface="Cambria Math" panose="02040503050406030204" pitchFamily="18" charset="0"/>
+                                <a:ea typeface="Cambria Math" panose="02040503050406030204" pitchFamily="18" charset="0"/>
+                              </a:rPr>
+                            </m:ctrlPr>
+                          </m:sSubPr>
+                          <m:e>
+                            <m:r>
+                              <a:rPr lang="en-US" i="1">
+                                <a:latin typeface="Cambria Math" panose="02040503050406030204" pitchFamily="18" charset="0"/>
+                                <a:ea typeface="Cambria Math" panose="02040503050406030204" pitchFamily="18" charset="0"/>
+                              </a:rPr>
+                              <m:t>𝑃</m:t>
+                            </m:r>
+                          </m:e>
+                          <m:sub>
+                            <m:r>
+                              <a:rPr lang="en-US" i="1">
+                                <a:latin typeface="Cambria Math" panose="02040503050406030204" pitchFamily="18" charset="0"/>
+                                <a:ea typeface="Cambria Math" panose="02040503050406030204" pitchFamily="18" charset="0"/>
+                              </a:rPr>
+                              <m:t>𝑦</m:t>
+                            </m:r>
+                          </m:sub>
+                        </m:sSub>
+                      </m:den>
+                    </m:f>
+                    <m:r>
+                      <a:rPr lang="en-US" b="0" i="1" smtClean="0">
+                        <a:latin typeface="Cambria Math" panose="02040503050406030204" pitchFamily="18" charset="0"/>
+                        <a:ea typeface="Cambria Math" panose="02040503050406030204" pitchFamily="18" charset="0"/>
+                      </a:rPr>
+                      <m:t>  </m:t>
+                    </m:r>
                     <m:r>
                       <a:rPr lang="en-US" i="1">
                         <a:latin typeface="Cambria Math" panose="02040503050406030204" pitchFamily="18" charset="0"/>
@@ -13961,11 +17348,18 @@
                       </a:rPr>
                       <m:t>⇒</m:t>
                     </m:r>
+                    <m:r>
+                      <a:rPr lang="en-US" b="0" i="1" smtClean="0">
+                        <a:latin typeface="Cambria Math" panose="02040503050406030204" pitchFamily="18" charset="0"/>
+                        <a:ea typeface="Cambria Math" panose="02040503050406030204" pitchFamily="18" charset="0"/>
+                      </a:rPr>
+                      <m:t>   </m:t>
+                    </m:r>
                   </m:oMath>
                 </a14:m>
                 <a:r>
                   <a:rPr lang="en-US" dirty="0"/>
-                  <a:t>   Exclusively Consume Good </a:t>
+                  <a:t>Exclusively Consume Good </a:t>
                 </a:r>
                 <a14:m>
                   <m:oMath xmlns:m="http://schemas.openxmlformats.org/officeDocument/2006/math">
@@ -13984,16 +17378,13 @@
               </a:p>
               <a:p>
                 <a:pPr lvl="3"/>
-                <a:endParaRPr lang="en-US" dirty="0"/>
+                <a:endParaRPr lang="en-US" sz="1000" dirty="0"/>
               </a:p>
               <a:p>
                 <a:r>
                   <a:rPr lang="en-US" dirty="0"/>
-                  <a:t>Leontief Utility Function: Perfect Complements</a:t>
+                  <a:t>Leontief Utility Function: </a:t>
                 </a:r>
-              </a:p>
-              <a:p>
-                <a:pPr lvl="1"/>
                 <a14:m>
                   <m:oMath xmlns:m="http://schemas.openxmlformats.org/officeDocument/2006/math">
                     <m:r>
@@ -14196,10 +17587,20 @@
                   <a:t>.</a:t>
                 </a:r>
               </a:p>
+              <a:p>
+                <a:pPr lvl="1"/>
+                <a:endParaRPr lang="en-US" sz="1000" dirty="0"/>
+              </a:p>
+              <a:p>
+                <a:r>
+                  <a:rPr lang="en-US" dirty="0"/>
+                  <a:t>When there is a “bad” in the mix: case-by-case examination.</a:t>
+                </a:r>
+              </a:p>
             </p:txBody>
           </p:sp>
         </mc:Choice>
-        <mc:Fallback xmlns="">
+        <mc:Fallback>
           <p:sp>
             <p:nvSpPr>
               <p:cNvPr id="3" name="Content Placeholder 2">
@@ -14217,10 +17618,14 @@
               </p:nvPr>
             </p:nvSpPr>
             <p:spPr>
+              <a:xfrm>
+                <a:off x="628649" y="1825625"/>
+                <a:ext cx="8170293" cy="4351338"/>
+              </a:xfrm>
               <a:blipFill>
                 <a:blip r:embed="rId2"/>
                 <a:stretch>
-                  <a:fillRect l="-1005" t="-1821"/>
+                  <a:fillRect l="-970" t="-1821" r="-149"/>
                 </a:stretch>
               </a:blipFill>
             </p:spPr>
@@ -14318,7 +17723,7 @@
           <a:p>
             <a:fld id="{1A980C56-831A-4EAB-9EDE-57C090F4F877}" type="slidenum">
               <a:rPr lang="en-US" smtClean="0"/>
-              <a:t>21</a:t>
+              <a:t>24</a:t>
             </a:fld>
             <a:endParaRPr lang="en-US" dirty="0"/>
           </a:p>
@@ -14334,6 +17739,470 @@
   <p:clrMapOvr>
     <a:masterClrMapping/>
   </p:clrMapOvr>
+  <p:timing>
+    <p:tnLst>
+      <p:par>
+        <p:cTn id="1" dur="indefinite" restart="never" nodeType="tmRoot">
+          <p:childTnLst>
+            <p:seq concurrent="1" nextAc="seek">
+              <p:cTn id="2" dur="indefinite" nodeType="mainSeq">
+                <p:childTnLst>
+                  <p:par>
+                    <p:cTn id="3" fill="hold">
+                      <p:stCondLst>
+                        <p:cond delay="indefinite"/>
+                      </p:stCondLst>
+                      <p:childTnLst>
+                        <p:par>
+                          <p:cTn id="4" fill="hold">
+                            <p:stCondLst>
+                              <p:cond delay="0"/>
+                            </p:stCondLst>
+                            <p:childTnLst>
+                              <p:par>
+                                <p:cTn id="5" presetID="10" presetClass="entr" presetSubtype="0" fill="hold" nodeType="clickEffect">
+                                  <p:stCondLst>
+                                    <p:cond delay="0"/>
+                                  </p:stCondLst>
+                                  <p:childTnLst>
+                                    <p:set>
+                                      <p:cBhvr>
+                                        <p:cTn id="6" dur="1" fill="hold">
+                                          <p:stCondLst>
+                                            <p:cond delay="0"/>
+                                          </p:stCondLst>
+                                        </p:cTn>
+                                        <p:tgtEl>
+                                          <p:spTgt spid="3">
+                                            <p:txEl>
+                                              <p:pRg st="0" end="0"/>
+                                            </p:txEl>
+                                          </p:spTgt>
+                                        </p:tgtEl>
+                                        <p:attrNameLst>
+                                          <p:attrName>style.visibility</p:attrName>
+                                        </p:attrNameLst>
+                                      </p:cBhvr>
+                                      <p:to>
+                                        <p:strVal val="visible"/>
+                                      </p:to>
+                                    </p:set>
+                                    <p:animEffect transition="in" filter="fade">
+                                      <p:cBhvr>
+                                        <p:cTn id="7" dur="500"/>
+                                        <p:tgtEl>
+                                          <p:spTgt spid="3">
+                                            <p:txEl>
+                                              <p:pRg st="0" end="0"/>
+                                            </p:txEl>
+                                          </p:spTgt>
+                                        </p:tgtEl>
+                                      </p:cBhvr>
+                                    </p:animEffect>
+                                  </p:childTnLst>
+                                </p:cTn>
+                              </p:par>
+                            </p:childTnLst>
+                          </p:cTn>
+                        </p:par>
+                      </p:childTnLst>
+                    </p:cTn>
+                  </p:par>
+                  <p:par>
+                    <p:cTn id="8" fill="hold">
+                      <p:stCondLst>
+                        <p:cond delay="indefinite"/>
+                      </p:stCondLst>
+                      <p:childTnLst>
+                        <p:par>
+                          <p:cTn id="9" fill="hold">
+                            <p:stCondLst>
+                              <p:cond delay="0"/>
+                            </p:stCondLst>
+                            <p:childTnLst>
+                              <p:par>
+                                <p:cTn id="10" presetID="10" presetClass="entr" presetSubtype="0" fill="hold" nodeType="clickEffect">
+                                  <p:stCondLst>
+                                    <p:cond delay="0"/>
+                                  </p:stCondLst>
+                                  <p:childTnLst>
+                                    <p:set>
+                                      <p:cBhvr>
+                                        <p:cTn id="11" dur="1" fill="hold">
+                                          <p:stCondLst>
+                                            <p:cond delay="0"/>
+                                          </p:stCondLst>
+                                        </p:cTn>
+                                        <p:tgtEl>
+                                          <p:spTgt spid="3">
+                                            <p:txEl>
+                                              <p:pRg st="1" end="1"/>
+                                            </p:txEl>
+                                          </p:spTgt>
+                                        </p:tgtEl>
+                                        <p:attrNameLst>
+                                          <p:attrName>style.visibility</p:attrName>
+                                        </p:attrNameLst>
+                                      </p:cBhvr>
+                                      <p:to>
+                                        <p:strVal val="visible"/>
+                                      </p:to>
+                                    </p:set>
+                                    <p:animEffect transition="in" filter="fade">
+                                      <p:cBhvr>
+                                        <p:cTn id="12" dur="500"/>
+                                        <p:tgtEl>
+                                          <p:spTgt spid="3">
+                                            <p:txEl>
+                                              <p:pRg st="1" end="1"/>
+                                            </p:txEl>
+                                          </p:spTgt>
+                                        </p:tgtEl>
+                                      </p:cBhvr>
+                                    </p:animEffect>
+                                  </p:childTnLst>
+                                </p:cTn>
+                              </p:par>
+                              <p:par>
+                                <p:cTn id="13" presetID="10" presetClass="entr" presetSubtype="0" fill="hold" nodeType="withEffect">
+                                  <p:stCondLst>
+                                    <p:cond delay="0"/>
+                                  </p:stCondLst>
+                                  <p:childTnLst>
+                                    <p:set>
+                                      <p:cBhvr>
+                                        <p:cTn id="14" dur="1" fill="hold">
+                                          <p:stCondLst>
+                                            <p:cond delay="0"/>
+                                          </p:stCondLst>
+                                        </p:cTn>
+                                        <p:tgtEl>
+                                          <p:spTgt spid="3">
+                                            <p:txEl>
+                                              <p:pRg st="2" end="2"/>
+                                            </p:txEl>
+                                          </p:spTgt>
+                                        </p:tgtEl>
+                                        <p:attrNameLst>
+                                          <p:attrName>style.visibility</p:attrName>
+                                        </p:attrNameLst>
+                                      </p:cBhvr>
+                                      <p:to>
+                                        <p:strVal val="visible"/>
+                                      </p:to>
+                                    </p:set>
+                                    <p:animEffect transition="in" filter="fade">
+                                      <p:cBhvr>
+                                        <p:cTn id="15" dur="500"/>
+                                        <p:tgtEl>
+                                          <p:spTgt spid="3">
+                                            <p:txEl>
+                                              <p:pRg st="2" end="2"/>
+                                            </p:txEl>
+                                          </p:spTgt>
+                                        </p:tgtEl>
+                                      </p:cBhvr>
+                                    </p:animEffect>
+                                  </p:childTnLst>
+                                </p:cTn>
+                              </p:par>
+                              <p:par>
+                                <p:cTn id="16" presetID="10" presetClass="entr" presetSubtype="0" fill="hold" nodeType="withEffect">
+                                  <p:stCondLst>
+                                    <p:cond delay="0"/>
+                                  </p:stCondLst>
+                                  <p:childTnLst>
+                                    <p:set>
+                                      <p:cBhvr>
+                                        <p:cTn id="17" dur="1" fill="hold">
+                                          <p:stCondLst>
+                                            <p:cond delay="0"/>
+                                          </p:stCondLst>
+                                        </p:cTn>
+                                        <p:tgtEl>
+                                          <p:spTgt spid="3">
+                                            <p:txEl>
+                                              <p:pRg st="3" end="3"/>
+                                            </p:txEl>
+                                          </p:spTgt>
+                                        </p:tgtEl>
+                                        <p:attrNameLst>
+                                          <p:attrName>style.visibility</p:attrName>
+                                        </p:attrNameLst>
+                                      </p:cBhvr>
+                                      <p:to>
+                                        <p:strVal val="visible"/>
+                                      </p:to>
+                                    </p:set>
+                                    <p:animEffect transition="in" filter="fade">
+                                      <p:cBhvr>
+                                        <p:cTn id="18" dur="500"/>
+                                        <p:tgtEl>
+                                          <p:spTgt spid="3">
+                                            <p:txEl>
+                                              <p:pRg st="3" end="3"/>
+                                            </p:txEl>
+                                          </p:spTgt>
+                                        </p:tgtEl>
+                                      </p:cBhvr>
+                                    </p:animEffect>
+                                  </p:childTnLst>
+                                </p:cTn>
+                              </p:par>
+                            </p:childTnLst>
+                          </p:cTn>
+                        </p:par>
+                      </p:childTnLst>
+                    </p:cTn>
+                  </p:par>
+                  <p:par>
+                    <p:cTn id="19" fill="hold">
+                      <p:stCondLst>
+                        <p:cond delay="indefinite"/>
+                      </p:stCondLst>
+                      <p:childTnLst>
+                        <p:par>
+                          <p:cTn id="20" fill="hold">
+                            <p:stCondLst>
+                              <p:cond delay="0"/>
+                            </p:stCondLst>
+                            <p:childTnLst>
+                              <p:par>
+                                <p:cTn id="21" presetID="10" presetClass="entr" presetSubtype="0" fill="hold" nodeType="clickEffect">
+                                  <p:stCondLst>
+                                    <p:cond delay="0"/>
+                                  </p:stCondLst>
+                                  <p:childTnLst>
+                                    <p:set>
+                                      <p:cBhvr>
+                                        <p:cTn id="22" dur="1" fill="hold">
+                                          <p:stCondLst>
+                                            <p:cond delay="0"/>
+                                          </p:stCondLst>
+                                        </p:cTn>
+                                        <p:tgtEl>
+                                          <p:spTgt spid="3">
+                                            <p:txEl>
+                                              <p:pRg st="5" end="5"/>
+                                            </p:txEl>
+                                          </p:spTgt>
+                                        </p:tgtEl>
+                                        <p:attrNameLst>
+                                          <p:attrName>style.visibility</p:attrName>
+                                        </p:attrNameLst>
+                                      </p:cBhvr>
+                                      <p:to>
+                                        <p:strVal val="visible"/>
+                                      </p:to>
+                                    </p:set>
+                                    <p:animEffect transition="in" filter="fade">
+                                      <p:cBhvr>
+                                        <p:cTn id="23" dur="500"/>
+                                        <p:tgtEl>
+                                          <p:spTgt spid="3">
+                                            <p:txEl>
+                                              <p:pRg st="5" end="5"/>
+                                            </p:txEl>
+                                          </p:spTgt>
+                                        </p:tgtEl>
+                                      </p:cBhvr>
+                                    </p:animEffect>
+                                  </p:childTnLst>
+                                </p:cTn>
+                              </p:par>
+                            </p:childTnLst>
+                          </p:cTn>
+                        </p:par>
+                      </p:childTnLst>
+                    </p:cTn>
+                  </p:par>
+                  <p:par>
+                    <p:cTn id="24" fill="hold">
+                      <p:stCondLst>
+                        <p:cond delay="indefinite"/>
+                      </p:stCondLst>
+                      <p:childTnLst>
+                        <p:par>
+                          <p:cTn id="25" fill="hold">
+                            <p:stCondLst>
+                              <p:cond delay="0"/>
+                            </p:stCondLst>
+                            <p:childTnLst>
+                              <p:par>
+                                <p:cTn id="26" presetID="10" presetClass="entr" presetSubtype="0" fill="hold" nodeType="clickEffect">
+                                  <p:stCondLst>
+                                    <p:cond delay="0"/>
+                                  </p:stCondLst>
+                                  <p:childTnLst>
+                                    <p:set>
+                                      <p:cBhvr>
+                                        <p:cTn id="27" dur="1" fill="hold">
+                                          <p:stCondLst>
+                                            <p:cond delay="0"/>
+                                          </p:stCondLst>
+                                        </p:cTn>
+                                        <p:tgtEl>
+                                          <p:spTgt spid="3">
+                                            <p:txEl>
+                                              <p:pRg st="6" end="6"/>
+                                            </p:txEl>
+                                          </p:spTgt>
+                                        </p:tgtEl>
+                                        <p:attrNameLst>
+                                          <p:attrName>style.visibility</p:attrName>
+                                        </p:attrNameLst>
+                                      </p:cBhvr>
+                                      <p:to>
+                                        <p:strVal val="visible"/>
+                                      </p:to>
+                                    </p:set>
+                                    <p:animEffect transition="in" filter="fade">
+                                      <p:cBhvr>
+                                        <p:cTn id="28" dur="500"/>
+                                        <p:tgtEl>
+                                          <p:spTgt spid="3">
+                                            <p:txEl>
+                                              <p:pRg st="6" end="6"/>
+                                            </p:txEl>
+                                          </p:spTgt>
+                                        </p:tgtEl>
+                                      </p:cBhvr>
+                                    </p:animEffect>
+                                  </p:childTnLst>
+                                </p:cTn>
+                              </p:par>
+                              <p:par>
+                                <p:cTn id="29" presetID="10" presetClass="entr" presetSubtype="0" fill="hold" nodeType="withEffect">
+                                  <p:stCondLst>
+                                    <p:cond delay="0"/>
+                                  </p:stCondLst>
+                                  <p:childTnLst>
+                                    <p:set>
+                                      <p:cBhvr>
+                                        <p:cTn id="30" dur="1" fill="hold">
+                                          <p:stCondLst>
+                                            <p:cond delay="0"/>
+                                          </p:stCondLst>
+                                        </p:cTn>
+                                        <p:tgtEl>
+                                          <p:spTgt spid="3">
+                                            <p:txEl>
+                                              <p:pRg st="7" end="7"/>
+                                            </p:txEl>
+                                          </p:spTgt>
+                                        </p:tgtEl>
+                                        <p:attrNameLst>
+                                          <p:attrName>style.visibility</p:attrName>
+                                        </p:attrNameLst>
+                                      </p:cBhvr>
+                                      <p:to>
+                                        <p:strVal val="visible"/>
+                                      </p:to>
+                                    </p:set>
+                                    <p:animEffect transition="in" filter="fade">
+                                      <p:cBhvr>
+                                        <p:cTn id="31" dur="500"/>
+                                        <p:tgtEl>
+                                          <p:spTgt spid="3">
+                                            <p:txEl>
+                                              <p:pRg st="7" end="7"/>
+                                            </p:txEl>
+                                          </p:spTgt>
+                                        </p:tgtEl>
+                                      </p:cBhvr>
+                                    </p:animEffect>
+                                  </p:childTnLst>
+                                </p:cTn>
+                              </p:par>
+                            </p:childTnLst>
+                          </p:cTn>
+                        </p:par>
+                      </p:childTnLst>
+                    </p:cTn>
+                  </p:par>
+                  <p:par>
+                    <p:cTn id="32" fill="hold">
+                      <p:stCondLst>
+                        <p:cond delay="indefinite"/>
+                      </p:stCondLst>
+                      <p:childTnLst>
+                        <p:par>
+                          <p:cTn id="33" fill="hold">
+                            <p:stCondLst>
+                              <p:cond delay="0"/>
+                            </p:stCondLst>
+                            <p:childTnLst>
+                              <p:par>
+                                <p:cTn id="34" presetID="10" presetClass="entr" presetSubtype="0" fill="hold" nodeType="clickEffect">
+                                  <p:stCondLst>
+                                    <p:cond delay="0"/>
+                                  </p:stCondLst>
+                                  <p:childTnLst>
+                                    <p:set>
+                                      <p:cBhvr>
+                                        <p:cTn id="35" dur="1" fill="hold">
+                                          <p:stCondLst>
+                                            <p:cond delay="0"/>
+                                          </p:stCondLst>
+                                        </p:cTn>
+                                        <p:tgtEl>
+                                          <p:spTgt spid="3">
+                                            <p:txEl>
+                                              <p:pRg st="9" end="9"/>
+                                            </p:txEl>
+                                          </p:spTgt>
+                                        </p:tgtEl>
+                                        <p:attrNameLst>
+                                          <p:attrName>style.visibility</p:attrName>
+                                        </p:attrNameLst>
+                                      </p:cBhvr>
+                                      <p:to>
+                                        <p:strVal val="visible"/>
+                                      </p:to>
+                                    </p:set>
+                                    <p:animEffect transition="in" filter="fade">
+                                      <p:cBhvr>
+                                        <p:cTn id="36" dur="500"/>
+                                        <p:tgtEl>
+                                          <p:spTgt spid="3">
+                                            <p:txEl>
+                                              <p:pRg st="9" end="9"/>
+                                            </p:txEl>
+                                          </p:spTgt>
+                                        </p:tgtEl>
+                                      </p:cBhvr>
+                                    </p:animEffect>
+                                  </p:childTnLst>
+                                </p:cTn>
+                              </p:par>
+                            </p:childTnLst>
+                          </p:cTn>
+                        </p:par>
+                      </p:childTnLst>
+                    </p:cTn>
+                  </p:par>
+                </p:childTnLst>
+              </p:cTn>
+              <p:prevCondLst>
+                <p:cond evt="onPrev" delay="0">
+                  <p:tgtEl>
+                    <p:sldTgt/>
+                  </p:tgtEl>
+                </p:cond>
+              </p:prevCondLst>
+              <p:nextCondLst>
+                <p:cond evt="onNext" delay="0">
+                  <p:tgtEl>
+                    <p:sldTgt/>
+                  </p:tgtEl>
+                </p:cond>
+              </p:nextCondLst>
+            </p:seq>
+          </p:childTnLst>
+        </p:cTn>
+      </p:par>
+    </p:tnLst>
+  </p:timing>
 </p:sld>
 </file>
 
@@ -14768,6 +18637,280 @@
   <p:clrMapOvr>
     <a:masterClrMapping/>
   </p:clrMapOvr>
+  <p:timing>
+    <p:tnLst>
+      <p:par>
+        <p:cTn id="1" dur="indefinite" restart="never" nodeType="tmRoot">
+          <p:childTnLst>
+            <p:seq concurrent="1" nextAc="seek">
+              <p:cTn id="2" dur="indefinite" nodeType="mainSeq">
+                <p:childTnLst>
+                  <p:par>
+                    <p:cTn id="3" fill="hold">
+                      <p:stCondLst>
+                        <p:cond delay="indefinite"/>
+                      </p:stCondLst>
+                      <p:childTnLst>
+                        <p:par>
+                          <p:cTn id="4" fill="hold">
+                            <p:stCondLst>
+                              <p:cond delay="0"/>
+                            </p:stCondLst>
+                            <p:childTnLst>
+                              <p:par>
+                                <p:cTn id="5" presetID="10" presetClass="entr" presetSubtype="0" fill="hold" nodeType="clickEffect">
+                                  <p:stCondLst>
+                                    <p:cond delay="0"/>
+                                  </p:stCondLst>
+                                  <p:childTnLst>
+                                    <p:set>
+                                      <p:cBhvr>
+                                        <p:cTn id="6" dur="1" fill="hold">
+                                          <p:stCondLst>
+                                            <p:cond delay="0"/>
+                                          </p:stCondLst>
+                                        </p:cTn>
+                                        <p:tgtEl>
+                                          <p:spTgt spid="3">
+                                            <p:txEl>
+                                              <p:pRg st="2" end="2"/>
+                                            </p:txEl>
+                                          </p:spTgt>
+                                        </p:tgtEl>
+                                        <p:attrNameLst>
+                                          <p:attrName>style.visibility</p:attrName>
+                                        </p:attrNameLst>
+                                      </p:cBhvr>
+                                      <p:to>
+                                        <p:strVal val="visible"/>
+                                      </p:to>
+                                    </p:set>
+                                    <p:animEffect transition="in" filter="fade">
+                                      <p:cBhvr>
+                                        <p:cTn id="7" dur="500"/>
+                                        <p:tgtEl>
+                                          <p:spTgt spid="3">
+                                            <p:txEl>
+                                              <p:pRg st="2" end="2"/>
+                                            </p:txEl>
+                                          </p:spTgt>
+                                        </p:tgtEl>
+                                      </p:cBhvr>
+                                    </p:animEffect>
+                                  </p:childTnLst>
+                                </p:cTn>
+                              </p:par>
+                            </p:childTnLst>
+                          </p:cTn>
+                        </p:par>
+                      </p:childTnLst>
+                    </p:cTn>
+                  </p:par>
+                  <p:par>
+                    <p:cTn id="8" fill="hold">
+                      <p:stCondLst>
+                        <p:cond delay="indefinite"/>
+                      </p:stCondLst>
+                      <p:childTnLst>
+                        <p:par>
+                          <p:cTn id="9" fill="hold">
+                            <p:stCondLst>
+                              <p:cond delay="0"/>
+                            </p:stCondLst>
+                            <p:childTnLst>
+                              <p:par>
+                                <p:cTn id="10" presetID="10" presetClass="entr" presetSubtype="0" fill="hold" nodeType="clickEffect">
+                                  <p:stCondLst>
+                                    <p:cond delay="0"/>
+                                  </p:stCondLst>
+                                  <p:childTnLst>
+                                    <p:set>
+                                      <p:cBhvr>
+                                        <p:cTn id="11" dur="1" fill="hold">
+                                          <p:stCondLst>
+                                            <p:cond delay="0"/>
+                                          </p:stCondLst>
+                                        </p:cTn>
+                                        <p:tgtEl>
+                                          <p:spTgt spid="3">
+                                            <p:txEl>
+                                              <p:pRg st="4" end="4"/>
+                                            </p:txEl>
+                                          </p:spTgt>
+                                        </p:tgtEl>
+                                        <p:attrNameLst>
+                                          <p:attrName>style.visibility</p:attrName>
+                                        </p:attrNameLst>
+                                      </p:cBhvr>
+                                      <p:to>
+                                        <p:strVal val="visible"/>
+                                      </p:to>
+                                    </p:set>
+                                    <p:animEffect transition="in" filter="fade">
+                                      <p:cBhvr>
+                                        <p:cTn id="12" dur="500"/>
+                                        <p:tgtEl>
+                                          <p:spTgt spid="3">
+                                            <p:txEl>
+                                              <p:pRg st="4" end="4"/>
+                                            </p:txEl>
+                                          </p:spTgt>
+                                        </p:tgtEl>
+                                      </p:cBhvr>
+                                    </p:animEffect>
+                                  </p:childTnLst>
+                                </p:cTn>
+                              </p:par>
+                            </p:childTnLst>
+                          </p:cTn>
+                        </p:par>
+                      </p:childTnLst>
+                    </p:cTn>
+                  </p:par>
+                  <p:par>
+                    <p:cTn id="13" fill="hold">
+                      <p:stCondLst>
+                        <p:cond delay="indefinite"/>
+                      </p:stCondLst>
+                      <p:childTnLst>
+                        <p:par>
+                          <p:cTn id="14" fill="hold">
+                            <p:stCondLst>
+                              <p:cond delay="0"/>
+                            </p:stCondLst>
+                            <p:childTnLst>
+                              <p:par>
+                                <p:cTn id="15" presetID="10" presetClass="entr" presetSubtype="0" fill="hold" nodeType="clickEffect">
+                                  <p:stCondLst>
+                                    <p:cond delay="0"/>
+                                  </p:stCondLst>
+                                  <p:childTnLst>
+                                    <p:set>
+                                      <p:cBhvr>
+                                        <p:cTn id="16" dur="1" fill="hold">
+                                          <p:stCondLst>
+                                            <p:cond delay="0"/>
+                                          </p:stCondLst>
+                                        </p:cTn>
+                                        <p:tgtEl>
+                                          <p:spTgt spid="3">
+                                            <p:txEl>
+                                              <p:pRg st="6" end="6"/>
+                                            </p:txEl>
+                                          </p:spTgt>
+                                        </p:tgtEl>
+                                        <p:attrNameLst>
+                                          <p:attrName>style.visibility</p:attrName>
+                                        </p:attrNameLst>
+                                      </p:cBhvr>
+                                      <p:to>
+                                        <p:strVal val="visible"/>
+                                      </p:to>
+                                    </p:set>
+                                    <p:animEffect transition="in" filter="fade">
+                                      <p:cBhvr>
+                                        <p:cTn id="17" dur="500"/>
+                                        <p:tgtEl>
+                                          <p:spTgt spid="3">
+                                            <p:txEl>
+                                              <p:pRg st="6" end="6"/>
+                                            </p:txEl>
+                                          </p:spTgt>
+                                        </p:tgtEl>
+                                      </p:cBhvr>
+                                    </p:animEffect>
+                                  </p:childTnLst>
+                                </p:cTn>
+                              </p:par>
+                            </p:childTnLst>
+                          </p:cTn>
+                        </p:par>
+                      </p:childTnLst>
+                    </p:cTn>
+                  </p:par>
+                  <p:par>
+                    <p:cTn id="18" fill="hold">
+                      <p:stCondLst>
+                        <p:cond delay="indefinite"/>
+                      </p:stCondLst>
+                      <p:childTnLst>
+                        <p:par>
+                          <p:cTn id="19" fill="hold">
+                            <p:stCondLst>
+                              <p:cond delay="0"/>
+                            </p:stCondLst>
+                            <p:childTnLst>
+                              <p:par>
+                                <p:cTn id="20" presetID="10" presetClass="entr" presetSubtype="0" fill="hold" nodeType="clickEffect">
+                                  <p:stCondLst>
+                                    <p:cond delay="0"/>
+                                  </p:stCondLst>
+                                  <p:childTnLst>
+                                    <p:set>
+                                      <p:cBhvr>
+                                        <p:cTn id="21" dur="1" fill="hold">
+                                          <p:stCondLst>
+                                            <p:cond delay="0"/>
+                                          </p:stCondLst>
+                                        </p:cTn>
+                                        <p:tgtEl>
+                                          <p:spTgt spid="3">
+                                            <p:txEl>
+                                              <p:pRg st="8" end="8"/>
+                                            </p:txEl>
+                                          </p:spTgt>
+                                        </p:tgtEl>
+                                        <p:attrNameLst>
+                                          <p:attrName>style.visibility</p:attrName>
+                                        </p:attrNameLst>
+                                      </p:cBhvr>
+                                      <p:to>
+                                        <p:strVal val="visible"/>
+                                      </p:to>
+                                    </p:set>
+                                    <p:animEffect transition="in" filter="fade">
+                                      <p:cBhvr>
+                                        <p:cTn id="22" dur="500"/>
+                                        <p:tgtEl>
+                                          <p:spTgt spid="3">
+                                            <p:txEl>
+                                              <p:pRg st="8" end="8"/>
+                                            </p:txEl>
+                                          </p:spTgt>
+                                        </p:tgtEl>
+                                      </p:cBhvr>
+                                    </p:animEffect>
+                                  </p:childTnLst>
+                                </p:cTn>
+                              </p:par>
+                            </p:childTnLst>
+                          </p:cTn>
+                        </p:par>
+                      </p:childTnLst>
+                    </p:cTn>
+                  </p:par>
+                </p:childTnLst>
+              </p:cTn>
+              <p:prevCondLst>
+                <p:cond evt="onPrev" delay="0">
+                  <p:tgtEl>
+                    <p:sldTgt/>
+                  </p:tgtEl>
+                </p:cond>
+              </p:prevCondLst>
+              <p:nextCondLst>
+                <p:cond evt="onNext" delay="0">
+                  <p:tgtEl>
+                    <p:sldTgt/>
+                  </p:tgtEl>
+                </p:cond>
+              </p:nextCondLst>
+            </p:seq>
+          </p:childTnLst>
+        </p:cTn>
+      </p:par>
+    </p:tnLst>
+  </p:timing>
 </p:sld>
 </file>
 
@@ -15518,6 +19661,16 @@
               <a:t>The Leontief Utility Function is not differentiable, which causes some issues.</a:t>
             </a:r>
           </a:p>
+          <a:p>
+            <a:pPr lvl="3"/>
+            <a:endParaRPr lang="en-US" dirty="0"/>
+          </a:p>
+          <a:p>
+            <a:r>
+              <a:rPr lang="en-US" dirty="0"/>
+              <a:t>If one good is a “bad,” then our previous approach may or may not work.</a:t>
+            </a:r>
+          </a:p>
         </p:txBody>
       </p:sp>
       <p:sp>
@@ -15617,6 +19770,280 @@
   <p:clrMapOvr>
     <a:masterClrMapping/>
   </p:clrMapOvr>
+  <p:timing>
+    <p:tnLst>
+      <p:par>
+        <p:cTn id="1" dur="indefinite" restart="never" nodeType="tmRoot">
+          <p:childTnLst>
+            <p:seq concurrent="1" nextAc="seek">
+              <p:cTn id="2" dur="indefinite" nodeType="mainSeq">
+                <p:childTnLst>
+                  <p:par>
+                    <p:cTn id="3" fill="hold">
+                      <p:stCondLst>
+                        <p:cond delay="indefinite"/>
+                      </p:stCondLst>
+                      <p:childTnLst>
+                        <p:par>
+                          <p:cTn id="4" fill="hold">
+                            <p:stCondLst>
+                              <p:cond delay="0"/>
+                            </p:stCondLst>
+                            <p:childTnLst>
+                              <p:par>
+                                <p:cTn id="5" presetID="10" presetClass="entr" presetSubtype="0" fill="hold" nodeType="clickEffect">
+                                  <p:stCondLst>
+                                    <p:cond delay="0"/>
+                                  </p:stCondLst>
+                                  <p:childTnLst>
+                                    <p:set>
+                                      <p:cBhvr>
+                                        <p:cTn id="6" dur="1" fill="hold">
+                                          <p:stCondLst>
+                                            <p:cond delay="0"/>
+                                          </p:stCondLst>
+                                        </p:cTn>
+                                        <p:tgtEl>
+                                          <p:spTgt spid="3">
+                                            <p:txEl>
+                                              <p:pRg st="0" end="0"/>
+                                            </p:txEl>
+                                          </p:spTgt>
+                                        </p:tgtEl>
+                                        <p:attrNameLst>
+                                          <p:attrName>style.visibility</p:attrName>
+                                        </p:attrNameLst>
+                                      </p:cBhvr>
+                                      <p:to>
+                                        <p:strVal val="visible"/>
+                                      </p:to>
+                                    </p:set>
+                                    <p:animEffect transition="in" filter="fade">
+                                      <p:cBhvr>
+                                        <p:cTn id="7" dur="500"/>
+                                        <p:tgtEl>
+                                          <p:spTgt spid="3">
+                                            <p:txEl>
+                                              <p:pRg st="0" end="0"/>
+                                            </p:txEl>
+                                          </p:spTgt>
+                                        </p:tgtEl>
+                                      </p:cBhvr>
+                                    </p:animEffect>
+                                  </p:childTnLst>
+                                </p:cTn>
+                              </p:par>
+                            </p:childTnLst>
+                          </p:cTn>
+                        </p:par>
+                      </p:childTnLst>
+                    </p:cTn>
+                  </p:par>
+                  <p:par>
+                    <p:cTn id="8" fill="hold">
+                      <p:stCondLst>
+                        <p:cond delay="indefinite"/>
+                      </p:stCondLst>
+                      <p:childTnLst>
+                        <p:par>
+                          <p:cTn id="9" fill="hold">
+                            <p:stCondLst>
+                              <p:cond delay="0"/>
+                            </p:stCondLst>
+                            <p:childTnLst>
+                              <p:par>
+                                <p:cTn id="10" presetID="10" presetClass="entr" presetSubtype="0" fill="hold" nodeType="clickEffect">
+                                  <p:stCondLst>
+                                    <p:cond delay="0"/>
+                                  </p:stCondLst>
+                                  <p:childTnLst>
+                                    <p:set>
+                                      <p:cBhvr>
+                                        <p:cTn id="11" dur="1" fill="hold">
+                                          <p:stCondLst>
+                                            <p:cond delay="0"/>
+                                          </p:stCondLst>
+                                        </p:cTn>
+                                        <p:tgtEl>
+                                          <p:spTgt spid="3">
+                                            <p:txEl>
+                                              <p:pRg st="2" end="2"/>
+                                            </p:txEl>
+                                          </p:spTgt>
+                                        </p:tgtEl>
+                                        <p:attrNameLst>
+                                          <p:attrName>style.visibility</p:attrName>
+                                        </p:attrNameLst>
+                                      </p:cBhvr>
+                                      <p:to>
+                                        <p:strVal val="visible"/>
+                                      </p:to>
+                                    </p:set>
+                                    <p:animEffect transition="in" filter="fade">
+                                      <p:cBhvr>
+                                        <p:cTn id="12" dur="500"/>
+                                        <p:tgtEl>
+                                          <p:spTgt spid="3">
+                                            <p:txEl>
+                                              <p:pRg st="2" end="2"/>
+                                            </p:txEl>
+                                          </p:spTgt>
+                                        </p:tgtEl>
+                                      </p:cBhvr>
+                                    </p:animEffect>
+                                  </p:childTnLst>
+                                </p:cTn>
+                              </p:par>
+                            </p:childTnLst>
+                          </p:cTn>
+                        </p:par>
+                      </p:childTnLst>
+                    </p:cTn>
+                  </p:par>
+                  <p:par>
+                    <p:cTn id="13" fill="hold">
+                      <p:stCondLst>
+                        <p:cond delay="indefinite"/>
+                      </p:stCondLst>
+                      <p:childTnLst>
+                        <p:par>
+                          <p:cTn id="14" fill="hold">
+                            <p:stCondLst>
+                              <p:cond delay="0"/>
+                            </p:stCondLst>
+                            <p:childTnLst>
+                              <p:par>
+                                <p:cTn id="15" presetID="10" presetClass="entr" presetSubtype="0" fill="hold" nodeType="clickEffect">
+                                  <p:stCondLst>
+                                    <p:cond delay="0"/>
+                                  </p:stCondLst>
+                                  <p:childTnLst>
+                                    <p:set>
+                                      <p:cBhvr>
+                                        <p:cTn id="16" dur="1" fill="hold">
+                                          <p:stCondLst>
+                                            <p:cond delay="0"/>
+                                          </p:stCondLst>
+                                        </p:cTn>
+                                        <p:tgtEl>
+                                          <p:spTgt spid="3">
+                                            <p:txEl>
+                                              <p:pRg st="4" end="4"/>
+                                            </p:txEl>
+                                          </p:spTgt>
+                                        </p:tgtEl>
+                                        <p:attrNameLst>
+                                          <p:attrName>style.visibility</p:attrName>
+                                        </p:attrNameLst>
+                                      </p:cBhvr>
+                                      <p:to>
+                                        <p:strVal val="visible"/>
+                                      </p:to>
+                                    </p:set>
+                                    <p:animEffect transition="in" filter="fade">
+                                      <p:cBhvr>
+                                        <p:cTn id="17" dur="500"/>
+                                        <p:tgtEl>
+                                          <p:spTgt spid="3">
+                                            <p:txEl>
+                                              <p:pRg st="4" end="4"/>
+                                            </p:txEl>
+                                          </p:spTgt>
+                                        </p:tgtEl>
+                                      </p:cBhvr>
+                                    </p:animEffect>
+                                  </p:childTnLst>
+                                </p:cTn>
+                              </p:par>
+                            </p:childTnLst>
+                          </p:cTn>
+                        </p:par>
+                      </p:childTnLst>
+                    </p:cTn>
+                  </p:par>
+                  <p:par>
+                    <p:cTn id="18" fill="hold">
+                      <p:stCondLst>
+                        <p:cond delay="indefinite"/>
+                      </p:stCondLst>
+                      <p:childTnLst>
+                        <p:par>
+                          <p:cTn id="19" fill="hold">
+                            <p:stCondLst>
+                              <p:cond delay="0"/>
+                            </p:stCondLst>
+                            <p:childTnLst>
+                              <p:par>
+                                <p:cTn id="20" presetID="10" presetClass="entr" presetSubtype="0" fill="hold" nodeType="clickEffect">
+                                  <p:stCondLst>
+                                    <p:cond delay="0"/>
+                                  </p:stCondLst>
+                                  <p:childTnLst>
+                                    <p:set>
+                                      <p:cBhvr>
+                                        <p:cTn id="21" dur="1" fill="hold">
+                                          <p:stCondLst>
+                                            <p:cond delay="0"/>
+                                          </p:stCondLst>
+                                        </p:cTn>
+                                        <p:tgtEl>
+                                          <p:spTgt spid="3">
+                                            <p:txEl>
+                                              <p:pRg st="6" end="6"/>
+                                            </p:txEl>
+                                          </p:spTgt>
+                                        </p:tgtEl>
+                                        <p:attrNameLst>
+                                          <p:attrName>style.visibility</p:attrName>
+                                        </p:attrNameLst>
+                                      </p:cBhvr>
+                                      <p:to>
+                                        <p:strVal val="visible"/>
+                                      </p:to>
+                                    </p:set>
+                                    <p:animEffect transition="in" filter="fade">
+                                      <p:cBhvr>
+                                        <p:cTn id="22" dur="500"/>
+                                        <p:tgtEl>
+                                          <p:spTgt spid="3">
+                                            <p:txEl>
+                                              <p:pRg st="6" end="6"/>
+                                            </p:txEl>
+                                          </p:spTgt>
+                                        </p:tgtEl>
+                                      </p:cBhvr>
+                                    </p:animEffect>
+                                  </p:childTnLst>
+                                </p:cTn>
+                              </p:par>
+                            </p:childTnLst>
+                          </p:cTn>
+                        </p:par>
+                      </p:childTnLst>
+                    </p:cTn>
+                  </p:par>
+                </p:childTnLst>
+              </p:cTn>
+              <p:prevCondLst>
+                <p:cond evt="onPrev" delay="0">
+                  <p:tgtEl>
+                    <p:sldTgt/>
+                  </p:tgtEl>
+                </p:cond>
+              </p:prevCondLst>
+              <p:nextCondLst>
+                <p:cond evt="onNext" delay="0">
+                  <p:tgtEl>
+                    <p:sldTgt/>
+                  </p:tgtEl>
+                </p:cond>
+              </p:nextCondLst>
+            </p:seq>
+          </p:childTnLst>
+        </p:cTn>
+      </p:par>
+    </p:tnLst>
+  </p:timing>
 </p:sld>
 </file>
 
@@ -16089,6 +20516,384 @@
   <p:clrMapOvr>
     <a:masterClrMapping/>
   </p:clrMapOvr>
+  <p:timing>
+    <p:tnLst>
+      <p:par>
+        <p:cTn id="1" dur="indefinite" restart="never" nodeType="tmRoot">
+          <p:childTnLst>
+            <p:seq concurrent="1" nextAc="seek">
+              <p:cTn id="2" dur="indefinite" nodeType="mainSeq">
+                <p:childTnLst>
+                  <p:par>
+                    <p:cTn id="3" fill="hold">
+                      <p:stCondLst>
+                        <p:cond delay="indefinite"/>
+                      </p:stCondLst>
+                      <p:childTnLst>
+                        <p:par>
+                          <p:cTn id="4" fill="hold">
+                            <p:stCondLst>
+                              <p:cond delay="0"/>
+                            </p:stCondLst>
+                            <p:childTnLst>
+                              <p:par>
+                                <p:cTn id="5" presetID="10" presetClass="entr" presetSubtype="0" fill="hold" nodeType="clickEffect">
+                                  <p:stCondLst>
+                                    <p:cond delay="0"/>
+                                  </p:stCondLst>
+                                  <p:childTnLst>
+                                    <p:set>
+                                      <p:cBhvr>
+                                        <p:cTn id="6" dur="1" fill="hold">
+                                          <p:stCondLst>
+                                            <p:cond delay="0"/>
+                                          </p:stCondLst>
+                                        </p:cTn>
+                                        <p:tgtEl>
+                                          <p:spTgt spid="3">
+                                            <p:txEl>
+                                              <p:pRg st="0" end="0"/>
+                                            </p:txEl>
+                                          </p:spTgt>
+                                        </p:tgtEl>
+                                        <p:attrNameLst>
+                                          <p:attrName>style.visibility</p:attrName>
+                                        </p:attrNameLst>
+                                      </p:cBhvr>
+                                      <p:to>
+                                        <p:strVal val="visible"/>
+                                      </p:to>
+                                    </p:set>
+                                    <p:animEffect transition="in" filter="fade">
+                                      <p:cBhvr>
+                                        <p:cTn id="7" dur="500"/>
+                                        <p:tgtEl>
+                                          <p:spTgt spid="3">
+                                            <p:txEl>
+                                              <p:pRg st="0" end="0"/>
+                                            </p:txEl>
+                                          </p:spTgt>
+                                        </p:tgtEl>
+                                      </p:cBhvr>
+                                    </p:animEffect>
+                                  </p:childTnLst>
+                                </p:cTn>
+                              </p:par>
+                              <p:par>
+                                <p:cTn id="8" presetID="10" presetClass="entr" presetSubtype="0" fill="hold" nodeType="withEffect">
+                                  <p:stCondLst>
+                                    <p:cond delay="0"/>
+                                  </p:stCondLst>
+                                  <p:childTnLst>
+                                    <p:set>
+                                      <p:cBhvr>
+                                        <p:cTn id="9" dur="1" fill="hold">
+                                          <p:stCondLst>
+                                            <p:cond delay="0"/>
+                                          </p:stCondLst>
+                                        </p:cTn>
+                                        <p:tgtEl>
+                                          <p:spTgt spid="3">
+                                            <p:txEl>
+                                              <p:pRg st="2" end="2"/>
+                                            </p:txEl>
+                                          </p:spTgt>
+                                        </p:tgtEl>
+                                        <p:attrNameLst>
+                                          <p:attrName>style.visibility</p:attrName>
+                                        </p:attrNameLst>
+                                      </p:cBhvr>
+                                      <p:to>
+                                        <p:strVal val="visible"/>
+                                      </p:to>
+                                    </p:set>
+                                    <p:animEffect transition="in" filter="fade">
+                                      <p:cBhvr>
+                                        <p:cTn id="10" dur="500"/>
+                                        <p:tgtEl>
+                                          <p:spTgt spid="3">
+                                            <p:txEl>
+                                              <p:pRg st="2" end="2"/>
+                                            </p:txEl>
+                                          </p:spTgt>
+                                        </p:tgtEl>
+                                      </p:cBhvr>
+                                    </p:animEffect>
+                                  </p:childTnLst>
+                                </p:cTn>
+                              </p:par>
+                            </p:childTnLst>
+                          </p:cTn>
+                        </p:par>
+                      </p:childTnLst>
+                    </p:cTn>
+                  </p:par>
+                  <p:par>
+                    <p:cTn id="11" fill="hold">
+                      <p:stCondLst>
+                        <p:cond delay="indefinite"/>
+                      </p:stCondLst>
+                      <p:childTnLst>
+                        <p:par>
+                          <p:cTn id="12" fill="hold">
+                            <p:stCondLst>
+                              <p:cond delay="0"/>
+                            </p:stCondLst>
+                            <p:childTnLst>
+                              <p:par>
+                                <p:cTn id="13" presetID="10" presetClass="entr" presetSubtype="0" fill="hold" nodeType="clickEffect">
+                                  <p:stCondLst>
+                                    <p:cond delay="0"/>
+                                  </p:stCondLst>
+                                  <p:childTnLst>
+                                    <p:set>
+                                      <p:cBhvr>
+                                        <p:cTn id="14" dur="1" fill="hold">
+                                          <p:stCondLst>
+                                            <p:cond delay="0"/>
+                                          </p:stCondLst>
+                                        </p:cTn>
+                                        <p:tgtEl>
+                                          <p:spTgt spid="3">
+                                            <p:txEl>
+                                              <p:pRg st="4" end="4"/>
+                                            </p:txEl>
+                                          </p:spTgt>
+                                        </p:tgtEl>
+                                        <p:attrNameLst>
+                                          <p:attrName>style.visibility</p:attrName>
+                                        </p:attrNameLst>
+                                      </p:cBhvr>
+                                      <p:to>
+                                        <p:strVal val="visible"/>
+                                      </p:to>
+                                    </p:set>
+                                    <p:animEffect transition="in" filter="fade">
+                                      <p:cBhvr>
+                                        <p:cTn id="15" dur="500"/>
+                                        <p:tgtEl>
+                                          <p:spTgt spid="3">
+                                            <p:txEl>
+                                              <p:pRg st="4" end="4"/>
+                                            </p:txEl>
+                                          </p:spTgt>
+                                        </p:tgtEl>
+                                      </p:cBhvr>
+                                    </p:animEffect>
+                                  </p:childTnLst>
+                                </p:cTn>
+                              </p:par>
+                            </p:childTnLst>
+                          </p:cTn>
+                        </p:par>
+                      </p:childTnLst>
+                    </p:cTn>
+                  </p:par>
+                  <p:par>
+                    <p:cTn id="16" fill="hold">
+                      <p:stCondLst>
+                        <p:cond delay="indefinite"/>
+                      </p:stCondLst>
+                      <p:childTnLst>
+                        <p:par>
+                          <p:cTn id="17" fill="hold">
+                            <p:stCondLst>
+                              <p:cond delay="0"/>
+                            </p:stCondLst>
+                            <p:childTnLst>
+                              <p:par>
+                                <p:cTn id="18" presetID="10" presetClass="entr" presetSubtype="0" fill="hold" nodeType="clickEffect">
+                                  <p:stCondLst>
+                                    <p:cond delay="0"/>
+                                  </p:stCondLst>
+                                  <p:childTnLst>
+                                    <p:set>
+                                      <p:cBhvr>
+                                        <p:cTn id="19" dur="1" fill="hold">
+                                          <p:stCondLst>
+                                            <p:cond delay="0"/>
+                                          </p:stCondLst>
+                                        </p:cTn>
+                                        <p:tgtEl>
+                                          <p:spTgt spid="3">
+                                            <p:txEl>
+                                              <p:pRg st="6" end="6"/>
+                                            </p:txEl>
+                                          </p:spTgt>
+                                        </p:tgtEl>
+                                        <p:attrNameLst>
+                                          <p:attrName>style.visibility</p:attrName>
+                                        </p:attrNameLst>
+                                      </p:cBhvr>
+                                      <p:to>
+                                        <p:strVal val="visible"/>
+                                      </p:to>
+                                    </p:set>
+                                    <p:animEffect transition="in" filter="fade">
+                                      <p:cBhvr>
+                                        <p:cTn id="20" dur="500"/>
+                                        <p:tgtEl>
+                                          <p:spTgt spid="3">
+                                            <p:txEl>
+                                              <p:pRg st="6" end="6"/>
+                                            </p:txEl>
+                                          </p:spTgt>
+                                        </p:tgtEl>
+                                      </p:cBhvr>
+                                    </p:animEffect>
+                                  </p:childTnLst>
+                                </p:cTn>
+                              </p:par>
+                            </p:childTnLst>
+                          </p:cTn>
+                        </p:par>
+                      </p:childTnLst>
+                    </p:cTn>
+                  </p:par>
+                  <p:par>
+                    <p:cTn id="21" fill="hold">
+                      <p:stCondLst>
+                        <p:cond delay="indefinite"/>
+                      </p:stCondLst>
+                      <p:childTnLst>
+                        <p:par>
+                          <p:cTn id="22" fill="hold">
+                            <p:stCondLst>
+                              <p:cond delay="0"/>
+                            </p:stCondLst>
+                            <p:childTnLst>
+                              <p:par>
+                                <p:cTn id="23" presetID="10" presetClass="entr" presetSubtype="0" fill="hold" nodeType="clickEffect">
+                                  <p:stCondLst>
+                                    <p:cond delay="0"/>
+                                  </p:stCondLst>
+                                  <p:childTnLst>
+                                    <p:set>
+                                      <p:cBhvr>
+                                        <p:cTn id="24" dur="1" fill="hold">
+                                          <p:stCondLst>
+                                            <p:cond delay="0"/>
+                                          </p:stCondLst>
+                                        </p:cTn>
+                                        <p:tgtEl>
+                                          <p:spTgt spid="3">
+                                            <p:txEl>
+                                              <p:pRg st="8" end="8"/>
+                                            </p:txEl>
+                                          </p:spTgt>
+                                        </p:tgtEl>
+                                        <p:attrNameLst>
+                                          <p:attrName>style.visibility</p:attrName>
+                                        </p:attrNameLst>
+                                      </p:cBhvr>
+                                      <p:to>
+                                        <p:strVal val="visible"/>
+                                      </p:to>
+                                    </p:set>
+                                    <p:animEffect transition="in" filter="fade">
+                                      <p:cBhvr>
+                                        <p:cTn id="25" dur="500"/>
+                                        <p:tgtEl>
+                                          <p:spTgt spid="3">
+                                            <p:txEl>
+                                              <p:pRg st="8" end="8"/>
+                                            </p:txEl>
+                                          </p:spTgt>
+                                        </p:tgtEl>
+                                      </p:cBhvr>
+                                    </p:animEffect>
+                                  </p:childTnLst>
+                                </p:cTn>
+                              </p:par>
+                            </p:childTnLst>
+                          </p:cTn>
+                        </p:par>
+                      </p:childTnLst>
+                    </p:cTn>
+                  </p:par>
+                  <p:par>
+                    <p:cTn id="26" fill="hold">
+                      <p:stCondLst>
+                        <p:cond delay="indefinite"/>
+                      </p:stCondLst>
+                      <p:childTnLst>
+                        <p:par>
+                          <p:cTn id="27" fill="hold">
+                            <p:stCondLst>
+                              <p:cond delay="0"/>
+                            </p:stCondLst>
+                            <p:childTnLst>
+                              <p:par>
+                                <p:cTn id="28" presetID="10" presetClass="entr" presetSubtype="0" fill="hold" nodeType="clickEffect">
+                                  <p:stCondLst>
+                                    <p:cond delay="0"/>
+                                  </p:stCondLst>
+                                  <p:childTnLst>
+                                    <p:set>
+                                      <p:cBhvr>
+                                        <p:cTn id="29" dur="1" fill="hold">
+                                          <p:stCondLst>
+                                            <p:cond delay="0"/>
+                                          </p:stCondLst>
+                                        </p:cTn>
+                                        <p:tgtEl>
+                                          <p:spTgt spid="3">
+                                            <p:txEl>
+                                              <p:pRg st="10" end="10"/>
+                                            </p:txEl>
+                                          </p:spTgt>
+                                        </p:tgtEl>
+                                        <p:attrNameLst>
+                                          <p:attrName>style.visibility</p:attrName>
+                                        </p:attrNameLst>
+                                      </p:cBhvr>
+                                      <p:to>
+                                        <p:strVal val="visible"/>
+                                      </p:to>
+                                    </p:set>
+                                    <p:animEffect transition="in" filter="fade">
+                                      <p:cBhvr>
+                                        <p:cTn id="30" dur="500"/>
+                                        <p:tgtEl>
+                                          <p:spTgt spid="3">
+                                            <p:txEl>
+                                              <p:pRg st="10" end="10"/>
+                                            </p:txEl>
+                                          </p:spTgt>
+                                        </p:tgtEl>
+                                      </p:cBhvr>
+                                    </p:animEffect>
+                                  </p:childTnLst>
+                                </p:cTn>
+                              </p:par>
+                            </p:childTnLst>
+                          </p:cTn>
+                        </p:par>
+                      </p:childTnLst>
+                    </p:cTn>
+                  </p:par>
+                </p:childTnLst>
+              </p:cTn>
+              <p:prevCondLst>
+                <p:cond evt="onPrev" delay="0">
+                  <p:tgtEl>
+                    <p:sldTgt/>
+                  </p:tgtEl>
+                </p:cond>
+              </p:prevCondLst>
+              <p:nextCondLst>
+                <p:cond evt="onNext" delay="0">
+                  <p:tgtEl>
+                    <p:sldTgt/>
+                  </p:tgtEl>
+                </p:cond>
+              </p:nextCondLst>
+            </p:seq>
+          </p:childTnLst>
+        </p:cTn>
+      </p:par>
+    </p:tnLst>
+  </p:timing>
 </p:sld>
 </file>
 
@@ -16689,6 +21494,341 @@
   <p:clrMapOvr>
     <a:masterClrMapping/>
   </p:clrMapOvr>
+  <p:timing>
+    <p:tnLst>
+      <p:par>
+        <p:cTn id="1" dur="indefinite" restart="never" nodeType="tmRoot">
+          <p:childTnLst>
+            <p:seq concurrent="1" nextAc="seek">
+              <p:cTn id="2" dur="indefinite" nodeType="mainSeq">
+                <p:childTnLst>
+                  <p:par>
+                    <p:cTn id="3" fill="hold">
+                      <p:stCondLst>
+                        <p:cond delay="indefinite"/>
+                      </p:stCondLst>
+                      <p:childTnLst>
+                        <p:par>
+                          <p:cTn id="4" fill="hold">
+                            <p:stCondLst>
+                              <p:cond delay="0"/>
+                            </p:stCondLst>
+                            <p:childTnLst>
+                              <p:par>
+                                <p:cTn id="5" presetID="10" presetClass="entr" presetSubtype="0" fill="hold" nodeType="clickEffect">
+                                  <p:stCondLst>
+                                    <p:cond delay="0"/>
+                                  </p:stCondLst>
+                                  <p:childTnLst>
+                                    <p:set>
+                                      <p:cBhvr>
+                                        <p:cTn id="6" dur="1" fill="hold">
+                                          <p:stCondLst>
+                                            <p:cond delay="0"/>
+                                          </p:stCondLst>
+                                        </p:cTn>
+                                        <p:tgtEl>
+                                          <p:spTgt spid="3">
+                                            <p:txEl>
+                                              <p:pRg st="0" end="0"/>
+                                            </p:txEl>
+                                          </p:spTgt>
+                                        </p:tgtEl>
+                                        <p:attrNameLst>
+                                          <p:attrName>style.visibility</p:attrName>
+                                        </p:attrNameLst>
+                                      </p:cBhvr>
+                                      <p:to>
+                                        <p:strVal val="visible"/>
+                                      </p:to>
+                                    </p:set>
+                                    <p:animEffect transition="in" filter="fade">
+                                      <p:cBhvr>
+                                        <p:cTn id="7" dur="500"/>
+                                        <p:tgtEl>
+                                          <p:spTgt spid="3">
+                                            <p:txEl>
+                                              <p:pRg st="0" end="0"/>
+                                            </p:txEl>
+                                          </p:spTgt>
+                                        </p:tgtEl>
+                                      </p:cBhvr>
+                                    </p:animEffect>
+                                  </p:childTnLst>
+                                </p:cTn>
+                              </p:par>
+                            </p:childTnLst>
+                          </p:cTn>
+                        </p:par>
+                      </p:childTnLst>
+                    </p:cTn>
+                  </p:par>
+                  <p:par>
+                    <p:cTn id="8" fill="hold">
+                      <p:stCondLst>
+                        <p:cond delay="indefinite"/>
+                      </p:stCondLst>
+                      <p:childTnLst>
+                        <p:par>
+                          <p:cTn id="9" fill="hold">
+                            <p:stCondLst>
+                              <p:cond delay="0"/>
+                            </p:stCondLst>
+                            <p:childTnLst>
+                              <p:par>
+                                <p:cTn id="10" presetID="10" presetClass="entr" presetSubtype="0" fill="hold" nodeType="clickEffect">
+                                  <p:stCondLst>
+                                    <p:cond delay="0"/>
+                                  </p:stCondLst>
+                                  <p:childTnLst>
+                                    <p:set>
+                                      <p:cBhvr>
+                                        <p:cTn id="11" dur="1" fill="hold">
+                                          <p:stCondLst>
+                                            <p:cond delay="0"/>
+                                          </p:stCondLst>
+                                        </p:cTn>
+                                        <p:tgtEl>
+                                          <p:spTgt spid="3">
+                                            <p:txEl>
+                                              <p:pRg st="2" end="2"/>
+                                            </p:txEl>
+                                          </p:spTgt>
+                                        </p:tgtEl>
+                                        <p:attrNameLst>
+                                          <p:attrName>style.visibility</p:attrName>
+                                        </p:attrNameLst>
+                                      </p:cBhvr>
+                                      <p:to>
+                                        <p:strVal val="visible"/>
+                                      </p:to>
+                                    </p:set>
+                                    <p:animEffect transition="in" filter="fade">
+                                      <p:cBhvr>
+                                        <p:cTn id="12" dur="500"/>
+                                        <p:tgtEl>
+                                          <p:spTgt spid="3">
+                                            <p:txEl>
+                                              <p:pRg st="2" end="2"/>
+                                            </p:txEl>
+                                          </p:spTgt>
+                                        </p:tgtEl>
+                                      </p:cBhvr>
+                                    </p:animEffect>
+                                  </p:childTnLst>
+                                </p:cTn>
+                              </p:par>
+                            </p:childTnLst>
+                          </p:cTn>
+                        </p:par>
+                      </p:childTnLst>
+                    </p:cTn>
+                  </p:par>
+                  <p:par>
+                    <p:cTn id="13" fill="hold">
+                      <p:stCondLst>
+                        <p:cond delay="indefinite"/>
+                      </p:stCondLst>
+                      <p:childTnLst>
+                        <p:par>
+                          <p:cTn id="14" fill="hold">
+                            <p:stCondLst>
+                              <p:cond delay="0"/>
+                            </p:stCondLst>
+                            <p:childTnLst>
+                              <p:par>
+                                <p:cTn id="15" presetID="10" presetClass="entr" presetSubtype="0" fill="hold" nodeType="clickEffect">
+                                  <p:stCondLst>
+                                    <p:cond delay="0"/>
+                                  </p:stCondLst>
+                                  <p:childTnLst>
+                                    <p:set>
+                                      <p:cBhvr>
+                                        <p:cTn id="16" dur="1" fill="hold">
+                                          <p:stCondLst>
+                                            <p:cond delay="0"/>
+                                          </p:stCondLst>
+                                        </p:cTn>
+                                        <p:tgtEl>
+                                          <p:spTgt spid="3">
+                                            <p:txEl>
+                                              <p:pRg st="4" end="4"/>
+                                            </p:txEl>
+                                          </p:spTgt>
+                                        </p:tgtEl>
+                                        <p:attrNameLst>
+                                          <p:attrName>style.visibility</p:attrName>
+                                        </p:attrNameLst>
+                                      </p:cBhvr>
+                                      <p:to>
+                                        <p:strVal val="visible"/>
+                                      </p:to>
+                                    </p:set>
+                                    <p:animEffect transition="in" filter="fade">
+                                      <p:cBhvr>
+                                        <p:cTn id="17" dur="500"/>
+                                        <p:tgtEl>
+                                          <p:spTgt spid="3">
+                                            <p:txEl>
+                                              <p:pRg st="4" end="4"/>
+                                            </p:txEl>
+                                          </p:spTgt>
+                                        </p:tgtEl>
+                                      </p:cBhvr>
+                                    </p:animEffect>
+                                  </p:childTnLst>
+                                </p:cTn>
+                              </p:par>
+                            </p:childTnLst>
+                          </p:cTn>
+                        </p:par>
+                      </p:childTnLst>
+                    </p:cTn>
+                  </p:par>
+                  <p:par>
+                    <p:cTn id="18" fill="hold">
+                      <p:stCondLst>
+                        <p:cond delay="indefinite"/>
+                      </p:stCondLst>
+                      <p:childTnLst>
+                        <p:par>
+                          <p:cTn id="19" fill="hold">
+                            <p:stCondLst>
+                              <p:cond delay="0"/>
+                            </p:stCondLst>
+                            <p:childTnLst>
+                              <p:par>
+                                <p:cTn id="20" presetID="10" presetClass="entr" presetSubtype="0" fill="hold" nodeType="clickEffect">
+                                  <p:stCondLst>
+                                    <p:cond delay="0"/>
+                                  </p:stCondLst>
+                                  <p:childTnLst>
+                                    <p:set>
+                                      <p:cBhvr>
+                                        <p:cTn id="21" dur="1" fill="hold">
+                                          <p:stCondLst>
+                                            <p:cond delay="0"/>
+                                          </p:stCondLst>
+                                        </p:cTn>
+                                        <p:tgtEl>
+                                          <p:spTgt spid="3">
+                                            <p:txEl>
+                                              <p:pRg st="6" end="6"/>
+                                            </p:txEl>
+                                          </p:spTgt>
+                                        </p:tgtEl>
+                                        <p:attrNameLst>
+                                          <p:attrName>style.visibility</p:attrName>
+                                        </p:attrNameLst>
+                                      </p:cBhvr>
+                                      <p:to>
+                                        <p:strVal val="visible"/>
+                                      </p:to>
+                                    </p:set>
+                                    <p:animEffect transition="in" filter="fade">
+                                      <p:cBhvr>
+                                        <p:cTn id="22" dur="500"/>
+                                        <p:tgtEl>
+                                          <p:spTgt spid="3">
+                                            <p:txEl>
+                                              <p:pRg st="6" end="6"/>
+                                            </p:txEl>
+                                          </p:spTgt>
+                                        </p:tgtEl>
+                                      </p:cBhvr>
+                                    </p:animEffect>
+                                  </p:childTnLst>
+                                </p:cTn>
+                              </p:par>
+                            </p:childTnLst>
+                          </p:cTn>
+                        </p:par>
+                      </p:childTnLst>
+                    </p:cTn>
+                  </p:par>
+                  <p:par>
+                    <p:cTn id="23" fill="hold">
+                      <p:stCondLst>
+                        <p:cond delay="indefinite"/>
+                      </p:stCondLst>
+                      <p:childTnLst>
+                        <p:par>
+                          <p:cTn id="24" fill="hold">
+                            <p:stCondLst>
+                              <p:cond delay="0"/>
+                            </p:stCondLst>
+                            <p:childTnLst>
+                              <p:par>
+                                <p:cTn id="25" presetID="10" presetClass="entr" presetSubtype="0" fill="hold" nodeType="clickEffect">
+                                  <p:stCondLst>
+                                    <p:cond delay="0"/>
+                                  </p:stCondLst>
+                                  <p:childTnLst>
+                                    <p:set>
+                                      <p:cBhvr>
+                                        <p:cTn id="26" dur="1" fill="hold">
+                                          <p:stCondLst>
+                                            <p:cond delay="0"/>
+                                          </p:stCondLst>
+                                        </p:cTn>
+                                        <p:tgtEl>
+                                          <p:spTgt spid="3">
+                                            <p:txEl>
+                                              <p:pRg st="8" end="8"/>
+                                            </p:txEl>
+                                          </p:spTgt>
+                                        </p:tgtEl>
+                                        <p:attrNameLst>
+                                          <p:attrName>style.visibility</p:attrName>
+                                        </p:attrNameLst>
+                                      </p:cBhvr>
+                                      <p:to>
+                                        <p:strVal val="visible"/>
+                                      </p:to>
+                                    </p:set>
+                                    <p:animEffect transition="in" filter="fade">
+                                      <p:cBhvr>
+                                        <p:cTn id="27" dur="500"/>
+                                        <p:tgtEl>
+                                          <p:spTgt spid="3">
+                                            <p:txEl>
+                                              <p:pRg st="8" end="8"/>
+                                            </p:txEl>
+                                          </p:spTgt>
+                                        </p:tgtEl>
+                                      </p:cBhvr>
+                                    </p:animEffect>
+                                  </p:childTnLst>
+                                </p:cTn>
+                              </p:par>
+                            </p:childTnLst>
+                          </p:cTn>
+                        </p:par>
+                      </p:childTnLst>
+                    </p:cTn>
+                  </p:par>
+                </p:childTnLst>
+              </p:cTn>
+              <p:prevCondLst>
+                <p:cond evt="onPrev" delay="0">
+                  <p:tgtEl>
+                    <p:sldTgt/>
+                  </p:tgtEl>
+                </p:cond>
+              </p:prevCondLst>
+              <p:nextCondLst>
+                <p:cond evt="onNext" delay="0">
+                  <p:tgtEl>
+                    <p:sldTgt/>
+                  </p:tgtEl>
+                </p:cond>
+              </p:nextCondLst>
+            </p:seq>
+          </p:childTnLst>
+        </p:cTn>
+      </p:par>
+    </p:tnLst>
+  </p:timing>
 </p:sld>
 </file>
 
@@ -17583,10 +22723,38 @@
       </p:grpSpPr>
       <p:sp>
         <p:nvSpPr>
-          <p:cNvPr id="2" name="Date Placeholder 1">
+          <p:cNvPr id="2" name="Title 1">
             <a:extLst>
               <a:ext uri="{FF2B5EF4-FFF2-40B4-BE49-F238E27FC236}">
-                <a16:creationId xmlns:a16="http://schemas.microsoft.com/office/drawing/2014/main" id="{C8FF8483-6E1D-A408-5C6A-DD5B85B94ABE}"/>
+                <a16:creationId xmlns:a16="http://schemas.microsoft.com/office/drawing/2014/main" id="{9E614CAC-EF1A-A85B-EC49-9A85B174639C}"/>
+              </a:ext>
+            </a:extLst>
+          </p:cNvPr>
+          <p:cNvSpPr>
+            <a:spLocks noGrp="1"/>
+          </p:cNvSpPr>
+          <p:nvPr>
+            <p:ph type="title"/>
+          </p:nvPr>
+        </p:nvSpPr>
+        <p:spPr/>
+        <p:txBody>
+          <a:bodyPr/>
+          <a:lstStyle/>
+          <a:p>
+            <a:r>
+              <a:rPr lang="en-US" dirty="0"/>
+              <a:t>PollEv.com/brianpark046</a:t>
+            </a:r>
+          </a:p>
+        </p:txBody>
+      </p:sp>
+      <p:sp>
+        <p:nvSpPr>
+          <p:cNvPr id="3" name="Date Placeholder 2">
+            <a:extLst>
+              <a:ext uri="{FF2B5EF4-FFF2-40B4-BE49-F238E27FC236}">
+                <a16:creationId xmlns:a16="http://schemas.microsoft.com/office/drawing/2014/main" id="{1E2C501C-35FC-925E-A887-025417320ACB}"/>
               </a:ext>
             </a:extLst>
           </p:cNvPr>
@@ -17603,19 +22771,18 @@
           <a:lstStyle/>
           <a:p>
             <a:r>
-              <a:rPr lang="en-US"/>
+              <a:rPr lang="en-US" dirty="0"/>
               <a:t>Fall 2023</a:t>
             </a:r>
-            <a:endParaRPr lang="en-US" dirty="0"/>
           </a:p>
         </p:txBody>
       </p:sp>
       <p:sp>
         <p:nvSpPr>
-          <p:cNvPr id="3" name="Footer Placeholder 2">
+          <p:cNvPr id="4" name="Footer Placeholder 3">
             <a:extLst>
               <a:ext uri="{FF2B5EF4-FFF2-40B4-BE49-F238E27FC236}">
-                <a16:creationId xmlns:a16="http://schemas.microsoft.com/office/drawing/2014/main" id="{FF5F0102-DC5B-0668-38E1-E930C2F438AC}"/>
+                <a16:creationId xmlns:a16="http://schemas.microsoft.com/office/drawing/2014/main" id="{57B224E5-970C-FBB8-685A-5F8DBCF9E3E8}"/>
               </a:ext>
             </a:extLst>
           </p:cNvPr>
@@ -17632,19 +22799,18 @@
           <a:lstStyle/>
           <a:p>
             <a:r>
-              <a:rPr lang="en-US"/>
+              <a:rPr lang="en-US" dirty="0"/>
               <a:t>DEPARTMENT OF BUSINESS &amp; ECONOMICS</a:t>
             </a:r>
-            <a:endParaRPr lang="en-US" dirty="0"/>
           </a:p>
         </p:txBody>
       </p:sp>
       <p:sp>
         <p:nvSpPr>
-          <p:cNvPr id="4" name="Slide Number Placeholder 3">
+          <p:cNvPr id="5" name="Slide Number Placeholder 4">
             <a:extLst>
               <a:ext uri="{FF2B5EF4-FFF2-40B4-BE49-F238E27FC236}">
-                <a16:creationId xmlns:a16="http://schemas.microsoft.com/office/drawing/2014/main" id="{DDE1A4CC-2EC2-9E29-2CEB-CD3E850F9421}"/>
+                <a16:creationId xmlns:a16="http://schemas.microsoft.com/office/drawing/2014/main" id="{579CE824-B9A6-35C5-93AA-E86F37D782A7}"/>
               </a:ext>
             </a:extLst>
           </p:cNvPr>
@@ -17670,24 +22836,20 @@
       </p:sp>
       <p:pic>
         <p:nvPicPr>
-          <p:cNvPr id="6" name="Picture 5">
+          <p:cNvPr id="6" name="Picture 5" descr="A qr code on a white background&#10;&#10;Description automatically generated">
             <a:extLst>
               <a:ext uri="{FF2B5EF4-FFF2-40B4-BE49-F238E27FC236}">
-                <a16:creationId xmlns:a16="http://schemas.microsoft.com/office/drawing/2014/main" id="{0B12B1EB-383D-25A1-F3C2-6590B98077E9}"/>
+                <a16:creationId xmlns:a16="http://schemas.microsoft.com/office/drawing/2014/main" id="{A2F2C6F2-EA2C-604C-E412-B7B64210BBDD}"/>
               </a:ext>
             </a:extLst>
           </p:cNvPr>
           <p:cNvPicPr>
-            <a:picLocks/>
+            <a:picLocks noChangeAspect="1"/>
           </p:cNvPicPr>
-          <p:nvPr>
-            <p:custDataLst>
-              <p:tags r:id="rId1"/>
-            </p:custDataLst>
-          </p:nvPr>
+          <p:nvPr/>
         </p:nvPicPr>
         <p:blipFill>
-          <a:blip r:embed="rId4">
+          <a:blip r:embed="rId2">
             <a:extLst>
               <a:ext uri="{28A0092B-C50C-407E-A947-70E740481C1C}">
                 <a14:useLocalDpi xmlns:a14="http://schemas.microsoft.com/office/drawing/2010/main" val="0"/>
@@ -17700,8 +22862,8 @@
         </p:blipFill>
         <p:spPr>
           <a:xfrm>
-            <a:off x="0" y="0"/>
-            <a:ext cx="9144000" cy="6858000"/>
+            <a:off x="1966823" y="1271693"/>
+            <a:ext cx="5210354" cy="5210354"/>
           </a:xfrm>
           <a:prstGeom prst="rect">
             <a:avLst/>
@@ -17711,7 +22873,7 @@
     </p:spTree>
     <p:extLst>
       <p:ext uri="{BB962C8B-B14F-4D97-AF65-F5344CB8AC3E}">
-        <p14:creationId xmlns:p14="http://schemas.microsoft.com/office/powerpoint/2010/main" val="3940919550"/>
+        <p14:creationId xmlns:p14="http://schemas.microsoft.com/office/powerpoint/2010/main" val="1745639005"/>
       </p:ext>
     </p:extLst>
   </p:cSld>
